--- a/Courses/Computer-Modeling-and-IT/Computer-Modeling-and-IT-6-Class/10-Formulas-For-Performing-Arithmetic-Operations-With-Data-And-Functions/10-Formulas-For-Performing-Arithmetic-Operations-With-Data-And-.pptx
+++ b/Courses/Computer-Modeling-and-IT/Computer-Modeling-and-IT-6-Class/10-Formulas-For-Performing-Arithmetic-Operations-With-Data-And-Functions/10-Formulas-For-Performing-Arithmetic-Operations-With-Data-And-.pptx
@@ -5,10 +5,10 @@
     <p:sldMasterId id="2147483675" r:id="rId1"/>
   </p:sldMasterIdLst>
   <p:notesMasterIdLst>
-    <p:notesMasterId r:id="rId12"/>
+    <p:notesMasterId r:id="rId20"/>
   </p:notesMasterIdLst>
   <p:handoutMasterIdLst>
-    <p:handoutMasterId r:id="rId13"/>
+    <p:handoutMasterId r:id="rId21"/>
   </p:handoutMasterIdLst>
   <p:sldIdLst>
     <p:sldId id="503" r:id="rId2"/>
@@ -18,9 +18,17 @@
     <p:sldId id="590" r:id="rId6"/>
     <p:sldId id="591" r:id="rId7"/>
     <p:sldId id="592" r:id="rId8"/>
-    <p:sldId id="586" r:id="rId9"/>
-    <p:sldId id="504" r:id="rId10"/>
-    <p:sldId id="505" r:id="rId11"/>
+    <p:sldId id="593" r:id="rId9"/>
+    <p:sldId id="594" r:id="rId10"/>
+    <p:sldId id="595" r:id="rId11"/>
+    <p:sldId id="596" r:id="rId12"/>
+    <p:sldId id="597" r:id="rId13"/>
+    <p:sldId id="600" r:id="rId14"/>
+    <p:sldId id="598" r:id="rId15"/>
+    <p:sldId id="599" r:id="rId16"/>
+    <p:sldId id="586" r:id="rId17"/>
+    <p:sldId id="504" r:id="rId18"/>
+    <p:sldId id="505" r:id="rId19"/>
   </p:sldIdLst>
   <p:sldSz cx="12192000" cy="6858000"/>
   <p:notesSz cx="6858000" cy="9144000"/>
@@ -137,6 +145,18 @@
             <p14:sldId id="592"/>
           </p14:sldIdLst>
         </p14:section>
+        <p14:section name="Вградени функции" id="{71E40AE3-D6FE-49DC-8835-94F479087A86}">
+          <p14:sldIdLst>
+            <p14:sldId id="593"/>
+            <p14:sldId id="594"/>
+            <p14:sldId id="595"/>
+            <p14:sldId id="596"/>
+            <p14:sldId id="597"/>
+            <p14:sldId id="600"/>
+            <p14:sldId id="598"/>
+            <p14:sldId id="599"/>
+          </p14:sldIdLst>
+        </p14:section>
         <p14:section name="Заключение" id="{E19D07F1-86E2-47E9-B2AB-7ADC4F89DC12}">
           <p14:sldIdLst>
             <p14:sldId id="586"/>
@@ -261,7 +281,7 @@
           <a:p>
             <a:fld id="{4E087215-0C8F-4762-A664-737A353EC9A4}" type="datetimeFigureOut">
               <a:rPr lang="bg-BG" smtClean="0"/>
-              <a:t>6.5.2024 г.</a:t>
+              <a:t>7.5.2024 г.</a:t>
             </a:fld>
             <a:endParaRPr lang="bg-BG"/>
           </a:p>
@@ -457,7 +477,7 @@
           <a:p>
             <a:fld id="{72D84649-876A-46C9-8472-14CB09C070D8}" type="datetimeFigureOut">
               <a:rPr lang="en-US" smtClean="0"/>
-              <a:t>5/6/2024</a:t>
+              <a:t>5/7/2024</a:t>
             </a:fld>
             <a:endParaRPr lang="en-US"/>
           </a:p>
@@ -1298,6 +1318,127 @@
       </p:sp>
       <p:sp>
         <p:nvSpPr>
+          <p:cNvPr id="4" name="Slide Number Placeholder 3"/>
+          <p:cNvSpPr>
+            <a:spLocks noGrp="1"/>
+          </p:cNvSpPr>
+          <p:nvPr>
+            <p:ph type="sldNum" sz="quarter" idx="10"/>
+          </p:nvPr>
+        </p:nvSpPr>
+        <p:spPr/>
+        <p:txBody>
+          <a:bodyPr/>
+          <a:lstStyle/>
+          <a:p>
+            <a:fld id="{2BF067CD-8E6B-4360-9AA8-C5DF2A48A6D1}" type="slidenum">
+              <a:rPr lang="en-US" smtClean="0"/>
+              <a:t>11</a:t>
+            </a:fld>
+            <a:endParaRPr lang="en-US" dirty="0"/>
+          </a:p>
+        </p:txBody>
+      </p:sp>
+      <p:sp>
+        <p:nvSpPr>
+          <p:cNvPr id="5" name="Footer Placeholder 4"/>
+          <p:cNvSpPr>
+            <a:spLocks noGrp="1"/>
+          </p:cNvSpPr>
+          <p:nvPr>
+            <p:ph type="ftr" sz="quarter" idx="11"/>
+          </p:nvPr>
+        </p:nvSpPr>
+        <p:spPr/>
+        <p:txBody>
+          <a:bodyPr/>
+          <a:lstStyle/>
+          <a:p>
+            <a:r>
+              <a:rPr lang="bg-BG" sz="1100" smtClean="0"/>
+              <a:t>Работна група </a:t>
+            </a:r>
+            <a:r>
+              <a:rPr lang="bg-BG" smtClean="0"/>
+              <a:t>"Образование по програмиране и ИТ"</a:t>
+            </a:r>
+            <a:r>
+              <a:rPr lang="bg-BG" sz="1100" smtClean="0"/>
+              <a:t>, с подкрепата на </a:t>
+            </a:r>
+            <a:r>
+              <a:rPr lang="en-US" sz="1100" smtClean="0">
+                <a:hlinkClick r:id="rId3"/>
+              </a:rPr>
+              <a:t>SoftUni</a:t>
+            </a:r>
+            <a:endParaRPr lang="en-US" sz="1100" dirty="0"/>
+          </a:p>
+        </p:txBody>
+      </p:sp>
+    </p:spTree>
+    <p:extLst>
+      <p:ext uri="{BB962C8B-B14F-4D97-AF65-F5344CB8AC3E}">
+        <p14:creationId xmlns:p14="http://schemas.microsoft.com/office/powerpoint/2010/main" val="3951793095"/>
+      </p:ext>
+    </p:extLst>
+  </p:cSld>
+  <p:clrMapOvr>
+    <a:masterClrMapping/>
+  </p:clrMapOvr>
+</p:notes>
+</file>
+
+<file path=ppt/notesSlides/notesSlide5.xml><?xml version="1.0" encoding="utf-8"?>
+<p:notes xmlns:a="http://schemas.openxmlformats.org/drawingml/2006/main" xmlns:r="http://schemas.openxmlformats.org/officeDocument/2006/relationships" xmlns:p="http://schemas.openxmlformats.org/presentationml/2006/main">
+  <p:cSld>
+    <p:spTree>
+      <p:nvGrpSpPr>
+        <p:cNvPr id="1" name=""/>
+        <p:cNvGrpSpPr/>
+        <p:nvPr/>
+      </p:nvGrpSpPr>
+      <p:grpSpPr>
+        <a:xfrm>
+          <a:off x="0" y="0"/>
+          <a:ext cx="0" cy="0"/>
+          <a:chOff x="0" y="0"/>
+          <a:chExt cx="0" cy="0"/>
+        </a:xfrm>
+      </p:grpSpPr>
+      <p:sp>
+        <p:nvSpPr>
+          <p:cNvPr id="2" name="Slide Image Placeholder 1"/>
+          <p:cNvSpPr>
+            <a:spLocks noGrp="1" noRot="1" noChangeAspect="1"/>
+          </p:cNvSpPr>
+          <p:nvPr>
+            <p:ph type="sldImg"/>
+          </p:nvPr>
+        </p:nvSpPr>
+        <p:spPr/>
+      </p:sp>
+      <p:sp>
+        <p:nvSpPr>
+          <p:cNvPr id="3" name="Notes Placeholder 2"/>
+          <p:cNvSpPr>
+            <a:spLocks noGrp="1"/>
+          </p:cNvSpPr>
+          <p:nvPr>
+            <p:ph type="body" idx="1"/>
+          </p:nvPr>
+        </p:nvSpPr>
+        <p:spPr/>
+        <p:txBody>
+          <a:bodyPr/>
+          <a:lstStyle/>
+          <a:p>
+            <a:endParaRPr lang="en-US" dirty="0"/>
+          </a:p>
+        </p:txBody>
+      </p:sp>
+      <p:sp>
+        <p:nvSpPr>
           <p:cNvPr id="4" name="Footer Placeholder 3"/>
           <p:cNvSpPr>
             <a:spLocks noGrp="1"/>
@@ -1363,7 +1504,7 @@
             <a:fld id="{3EBA5BD7-F043-4D1B-AA17-CD412FC534DE}" type="slidenum">
               <a:rPr lang="en-US" smtClean="0"/>
               <a:pPr/>
-              <a:t>8</a:t>
+              <a:t>16</a:t>
             </a:fld>
             <a:endParaRPr lang="en-US" dirty="0"/>
           </a:p>
@@ -1382,7 +1523,7 @@
 </p:notes>
 </file>
 
-<file path=ppt/notesSlides/notesSlide5.xml><?xml version="1.0" encoding="utf-8"?>
+<file path=ppt/notesSlides/notesSlide6.xml><?xml version="1.0" encoding="utf-8"?>
 <p:notes xmlns:a="http://schemas.openxmlformats.org/drawingml/2006/main" xmlns:r="http://schemas.openxmlformats.org/officeDocument/2006/relationships" xmlns:p="http://schemas.openxmlformats.org/presentationml/2006/main">
   <p:cSld>
     <p:spTree>
@@ -1554,7 +1695,7 @@
             <a:fld id="{3EBA5BD7-F043-4D1B-AA17-CD412FC534DE}" type="slidenum">
               <a:rPr lang="en-US" smtClean="0"/>
               <a:pPr/>
-              <a:t>9</a:t>
+              <a:t>17</a:t>
             </a:fld>
             <a:endParaRPr lang="en-US" dirty="0"/>
           </a:p>
@@ -1612,7 +1753,7 @@
 </p:notes>
 </file>
 
-<file path=ppt/notesSlides/notesSlide6.xml><?xml version="1.0" encoding="utf-8"?>
+<file path=ppt/notesSlides/notesSlide7.xml><?xml version="1.0" encoding="utf-8"?>
 <p:notes xmlns:a="http://schemas.openxmlformats.org/drawingml/2006/main" xmlns:r="http://schemas.openxmlformats.org/officeDocument/2006/relationships" xmlns:p="http://schemas.openxmlformats.org/presentationml/2006/main">
   <p:cSld>
     <p:spTree>
@@ -1784,7 +1925,7 @@
             <a:fld id="{3EBA5BD7-F043-4D1B-AA17-CD412FC534DE}" type="slidenum">
               <a:rPr lang="en-US" smtClean="0"/>
               <a:pPr/>
-              <a:t>10</a:t>
+              <a:t>18</a:t>
             </a:fld>
             <a:endParaRPr lang="en-US" dirty="0"/>
           </a:p>
@@ -7164,6 +7305,3616 @@
       </p:grpSpPr>
       <p:sp>
         <p:nvSpPr>
+          <p:cNvPr id="2" name="Slide Number Placeholder 1"/>
+          <p:cNvSpPr>
+            <a:spLocks noGrp="1"/>
+          </p:cNvSpPr>
+          <p:nvPr>
+            <p:ph type="sldNum" sz="quarter" idx="5"/>
+          </p:nvPr>
+        </p:nvSpPr>
+        <p:spPr/>
+        <p:txBody>
+          <a:bodyPr/>
+          <a:lstStyle/>
+          <a:p>
+            <a:fld id="{2BF067CD-8E6B-4360-9AA8-C5DF2A48A6D1}" type="slidenum">
+              <a:rPr lang="en-US" noProof="0" smtClean="0"/>
+              <a:pPr/>
+              <a:t>10</a:t>
+            </a:fld>
+            <a:endParaRPr lang="en-US" noProof="0" dirty="0"/>
+          </a:p>
+        </p:txBody>
+      </p:sp>
+      <p:sp>
+        <p:nvSpPr>
+          <p:cNvPr id="3" name="Text Placeholder 2"/>
+          <p:cNvSpPr>
+            <a:spLocks noGrp="1"/>
+          </p:cNvSpPr>
+          <p:nvPr>
+            <p:ph type="body" sz="quarter" idx="10"/>
+          </p:nvPr>
+        </p:nvSpPr>
+        <p:spPr/>
+        <p:txBody>
+          <a:bodyPr/>
+          <a:lstStyle/>
+          <a:p>
+            <a:r>
+              <a:rPr lang="bg-BG" dirty="0" smtClean="0"/>
+              <a:t>Най-често използваните </a:t>
+            </a:r>
+            <a:r>
+              <a:rPr lang="bg-BG" b="1" dirty="0" smtClean="0"/>
+              <a:t>функции</a:t>
+            </a:r>
+            <a:r>
+              <a:rPr lang="bg-BG" dirty="0" smtClean="0"/>
+              <a:t> в </a:t>
+            </a:r>
+            <a:r>
+              <a:rPr lang="en-US" dirty="0" smtClean="0"/>
+              <a:t>Excel </a:t>
+            </a:r>
+            <a:r>
+              <a:rPr lang="bg-BG" dirty="0" smtClean="0"/>
+              <a:t>са:</a:t>
+            </a:r>
+            <a:endParaRPr lang="en-US" dirty="0"/>
+          </a:p>
+          <a:p>
+            <a:pPr lvl="1"/>
+            <a:r>
+              <a:rPr lang="en-US" dirty="0" smtClean="0"/>
+              <a:t>͏</a:t>
+            </a:r>
+            <a:r>
+              <a:rPr lang="en-US" b="1" dirty="0" smtClean="0">
+                <a:solidFill>
+                  <a:schemeClr val="bg1"/>
+                </a:solidFill>
+              </a:rPr>
+              <a:t>SUM</a:t>
+            </a:r>
+            <a:r>
+              <a:rPr lang="en-US" dirty="0" smtClean="0"/>
+              <a:t> –</a:t>
+            </a:r>
+            <a:r>
+              <a:rPr lang="bg-BG" dirty="0" smtClean="0"/>
+              <a:t> събира числовите стойности на клетките от зададената област</a:t>
+            </a:r>
+          </a:p>
+          <a:p>
+            <a:pPr lvl="1"/>
+            <a:r>
+              <a:rPr lang="en-US" dirty="0" smtClean="0"/>
+              <a:t>͏</a:t>
+            </a:r>
+            <a:r>
+              <a:rPr lang="en-US" b="1" dirty="0" smtClean="0">
+                <a:solidFill>
+                  <a:schemeClr val="bg1"/>
+                </a:solidFill>
+              </a:rPr>
+              <a:t>AVERAGE</a:t>
+            </a:r>
+            <a:r>
+              <a:rPr lang="en-US" dirty="0" smtClean="0"/>
+              <a:t> – </a:t>
+            </a:r>
+            <a:r>
+              <a:rPr lang="bg-BG" dirty="0" smtClean="0"/>
+              <a:t>изчислява средноаритметичната стойност на въведените в клетките стойности</a:t>
+            </a:r>
+            <a:endParaRPr lang="en-US" dirty="0" smtClean="0"/>
+          </a:p>
+          <a:p>
+            <a:pPr lvl="1"/>
+            <a:r>
+              <a:rPr lang="en-US" dirty="0" smtClean="0"/>
+              <a:t>͏</a:t>
+            </a:r>
+            <a:r>
+              <a:rPr lang="en-US" b="1" dirty="0" smtClean="0">
+                <a:solidFill>
+                  <a:schemeClr val="bg1"/>
+                </a:solidFill>
+              </a:rPr>
+              <a:t>MIN</a:t>
+            </a:r>
+            <a:r>
+              <a:rPr lang="en-US" dirty="0" smtClean="0"/>
+              <a:t> </a:t>
+            </a:r>
+            <a:r>
+              <a:rPr lang="bg-BG" dirty="0" smtClean="0"/>
+              <a:t>и </a:t>
+            </a:r>
+            <a:r>
+              <a:rPr lang="en-US" b="1" dirty="0" smtClean="0">
+                <a:solidFill>
+                  <a:schemeClr val="bg1"/>
+                </a:solidFill>
+              </a:rPr>
+              <a:t>MAX</a:t>
+            </a:r>
+            <a:r>
+              <a:rPr lang="en-US" dirty="0" smtClean="0"/>
+              <a:t> – </a:t>
+            </a:r>
+            <a:r>
+              <a:rPr lang="bg-BG" dirty="0" smtClean="0"/>
+              <a:t>намира минималната и максималната стойност от въведените в клетките стойности</a:t>
+            </a:r>
+            <a:endParaRPr lang="en-US" dirty="0"/>
+          </a:p>
+        </p:txBody>
+      </p:sp>
+      <p:sp>
+        <p:nvSpPr>
+          <p:cNvPr id="4" name="Title 3"/>
+          <p:cNvSpPr>
+            <a:spLocks noGrp="1"/>
+          </p:cNvSpPr>
+          <p:nvPr>
+            <p:ph type="title"/>
+          </p:nvPr>
+        </p:nvSpPr>
+        <p:spPr/>
+        <p:txBody>
+          <a:bodyPr/>
+          <a:lstStyle/>
+          <a:p>
+            <a:r>
+              <a:rPr lang="bg-BG" dirty="0" smtClean="0"/>
+              <a:t>Най-често използвани функции</a:t>
+            </a:r>
+            <a:endParaRPr lang="en-US" dirty="0"/>
+          </a:p>
+        </p:txBody>
+      </p:sp>
+      <p:sp>
+        <p:nvSpPr>
+          <p:cNvPr id="5" name="TextBox 4"/>
+          <p:cNvSpPr txBox="1"/>
+          <p:nvPr/>
+        </p:nvSpPr>
+        <p:spPr>
+          <a:xfrm>
+            <a:off x="1317214" y="5702724"/>
+            <a:ext cx="2700000" cy="668361"/>
+          </a:xfrm>
+          <a:prstGeom prst="rect">
+            <a:avLst/>
+          </a:prstGeom>
+          <a:solidFill>
+            <a:schemeClr val="accent6">
+              <a:lumMod val="75000"/>
+              <a:alpha val="15000"/>
+            </a:schemeClr>
+          </a:solidFill>
+          <a:ln w="12700">
+            <a:solidFill>
+              <a:schemeClr val="tx1">
+                <a:lumMod val="75000"/>
+              </a:schemeClr>
+            </a:solidFill>
+          </a:ln>
+        </p:spPr>
+        <p:txBody>
+          <a:bodyPr vert="horz" wrap="square" lIns="144000" tIns="108000" rIns="144000" bIns="108000" rtlCol="0">
+            <a:spAutoFit/>
+          </a:bodyPr>
+          <a:lstStyle/>
+          <a:p>
+            <a:pPr algn="ctr" eaLnBrk="0" hangingPunct="0">
+              <a:lnSpc>
+                <a:spcPct val="110000"/>
+              </a:lnSpc>
+              <a:buClr>
+                <a:schemeClr val="accent5">
+                  <a:lumMod val="40000"/>
+                  <a:lumOff val="60000"/>
+                </a:schemeClr>
+              </a:buClr>
+              <a:buSzPct val="70000"/>
+            </a:pPr>
+            <a:r>
+              <a:rPr lang="en-US" sz="2800" dirty="0" smtClean="0"/>
+              <a:t>=SUM(A1:A9)</a:t>
+            </a:r>
+            <a:endParaRPr lang="en-US" sz="2800" dirty="0"/>
+          </a:p>
+        </p:txBody>
+      </p:sp>
+      <p:sp>
+        <p:nvSpPr>
+          <p:cNvPr id="6" name="TextBox 5"/>
+          <p:cNvSpPr txBox="1"/>
+          <p:nvPr/>
+        </p:nvSpPr>
+        <p:spPr>
+          <a:xfrm>
+            <a:off x="4563352" y="5702724"/>
+            <a:ext cx="3065297" cy="692085"/>
+          </a:xfrm>
+          <a:prstGeom prst="rect">
+            <a:avLst/>
+          </a:prstGeom>
+          <a:solidFill>
+            <a:schemeClr val="accent6">
+              <a:lumMod val="75000"/>
+              <a:alpha val="15000"/>
+            </a:schemeClr>
+          </a:solidFill>
+          <a:ln w="12700">
+            <a:solidFill>
+              <a:schemeClr val="tx1">
+                <a:lumMod val="75000"/>
+              </a:schemeClr>
+            </a:solidFill>
+          </a:ln>
+        </p:spPr>
+        <p:txBody>
+          <a:bodyPr vert="horz" wrap="square" lIns="144000" tIns="108000" rIns="144000" bIns="108000" rtlCol="0">
+            <a:spAutoFit/>
+          </a:bodyPr>
+          <a:lstStyle/>
+          <a:p>
+            <a:pPr algn="ctr" eaLnBrk="0" hangingPunct="0">
+              <a:lnSpc>
+                <a:spcPct val="110000"/>
+              </a:lnSpc>
+              <a:buClr>
+                <a:schemeClr val="accent5">
+                  <a:lumMod val="40000"/>
+                  <a:lumOff val="60000"/>
+                </a:schemeClr>
+              </a:buClr>
+              <a:buSzPct val="70000"/>
+            </a:pPr>
+            <a:r>
+              <a:rPr lang="en-US" sz="2800" dirty="0" smtClean="0"/>
+              <a:t>=AVERAGE(B1:C3)</a:t>
+            </a:r>
+            <a:endParaRPr lang="en-US" sz="2800" dirty="0"/>
+          </a:p>
+        </p:txBody>
+      </p:sp>
+      <p:sp>
+        <p:nvSpPr>
+          <p:cNvPr id="7" name="TextBox 6"/>
+          <p:cNvSpPr txBox="1"/>
+          <p:nvPr/>
+        </p:nvSpPr>
+        <p:spPr>
+          <a:xfrm>
+            <a:off x="8174787" y="5679000"/>
+            <a:ext cx="3065297" cy="692085"/>
+          </a:xfrm>
+          <a:prstGeom prst="rect">
+            <a:avLst/>
+          </a:prstGeom>
+          <a:solidFill>
+            <a:schemeClr val="accent6">
+              <a:lumMod val="75000"/>
+              <a:alpha val="15000"/>
+            </a:schemeClr>
+          </a:solidFill>
+          <a:ln w="12700">
+            <a:solidFill>
+              <a:schemeClr val="tx1">
+                <a:lumMod val="75000"/>
+              </a:schemeClr>
+            </a:solidFill>
+          </a:ln>
+        </p:spPr>
+        <p:txBody>
+          <a:bodyPr vert="horz" wrap="square" lIns="144000" tIns="108000" rIns="144000" bIns="108000" rtlCol="0">
+            <a:spAutoFit/>
+          </a:bodyPr>
+          <a:lstStyle/>
+          <a:p>
+            <a:pPr algn="ctr" eaLnBrk="0" hangingPunct="0">
+              <a:lnSpc>
+                <a:spcPct val="110000"/>
+              </a:lnSpc>
+              <a:buClr>
+                <a:schemeClr val="accent5">
+                  <a:lumMod val="40000"/>
+                  <a:lumOff val="60000"/>
+                </a:schemeClr>
+              </a:buClr>
+              <a:buSzPct val="70000"/>
+            </a:pPr>
+            <a:r>
+              <a:rPr lang="en-US" sz="2800" dirty="0" smtClean="0"/>
+              <a:t>=MIN(B3:B8)</a:t>
+            </a:r>
+            <a:endParaRPr lang="en-US" sz="2800" dirty="0"/>
+          </a:p>
+        </p:txBody>
+      </p:sp>
+    </p:spTree>
+    <p:extLst>
+      <p:ext uri="{BB962C8B-B14F-4D97-AF65-F5344CB8AC3E}">
+        <p14:creationId xmlns:p14="http://schemas.microsoft.com/office/powerpoint/2010/main" val="1773650930"/>
+      </p:ext>
+    </p:extLst>
+  </p:cSld>
+  <p:clrMapOvr>
+    <a:masterClrMapping/>
+  </p:clrMapOvr>
+  <mc:AlternateContent xmlns:mc="http://schemas.openxmlformats.org/markup-compatibility/2006" xmlns:p14="http://schemas.microsoft.com/office/powerpoint/2010/main">
+    <mc:Choice Requires="p14">
+      <p:transition spd="slow" p14:dur="2000" advClick="0" advTm="5000"/>
+    </mc:Choice>
+    <mc:Fallback xmlns="">
+      <p:transition spd="slow" advClick="0" advTm="5000"/>
+    </mc:Fallback>
+  </mc:AlternateContent>
+  <p:timing>
+    <p:tnLst>
+      <p:par>
+        <p:cTn id="1" dur="indefinite" restart="never" nodeType="tmRoot">
+          <p:childTnLst>
+            <p:seq concurrent="1" nextAc="seek">
+              <p:cTn id="2" dur="indefinite" nodeType="mainSeq">
+                <p:childTnLst>
+                  <p:par>
+                    <p:cTn id="3" fill="hold">
+                      <p:stCondLst>
+                        <p:cond delay="indefinite"/>
+                      </p:stCondLst>
+                      <p:childTnLst>
+                        <p:par>
+                          <p:cTn id="4" fill="hold">
+                            <p:stCondLst>
+                              <p:cond delay="0"/>
+                            </p:stCondLst>
+                            <p:childTnLst>
+                              <p:par>
+                                <p:cTn id="5" presetID="1" presetClass="entr" presetSubtype="0" fill="hold" nodeType="clickEffect">
+                                  <p:stCondLst>
+                                    <p:cond delay="0"/>
+                                  </p:stCondLst>
+                                  <p:childTnLst>
+                                    <p:set>
+                                      <p:cBhvr>
+                                        <p:cTn id="6" dur="1" fill="hold">
+                                          <p:stCondLst>
+                                            <p:cond delay="0"/>
+                                          </p:stCondLst>
+                                        </p:cTn>
+                                        <p:tgtEl>
+                                          <p:spTgt spid="3">
+                                            <p:txEl>
+                                              <p:pRg st="1" end="1"/>
+                                            </p:txEl>
+                                          </p:spTgt>
+                                        </p:tgtEl>
+                                        <p:attrNameLst>
+                                          <p:attrName>style.visibility</p:attrName>
+                                        </p:attrNameLst>
+                                      </p:cBhvr>
+                                      <p:to>
+                                        <p:strVal val="visible"/>
+                                      </p:to>
+                                    </p:set>
+                                  </p:childTnLst>
+                                </p:cTn>
+                              </p:par>
+                              <p:par>
+                                <p:cTn id="7" presetID="1" presetClass="entr" presetSubtype="0" fill="hold" grpId="0" nodeType="withEffect">
+                                  <p:stCondLst>
+                                    <p:cond delay="0"/>
+                                  </p:stCondLst>
+                                  <p:childTnLst>
+                                    <p:set>
+                                      <p:cBhvr>
+                                        <p:cTn id="8" dur="1" fill="hold">
+                                          <p:stCondLst>
+                                            <p:cond delay="0"/>
+                                          </p:stCondLst>
+                                        </p:cTn>
+                                        <p:tgtEl>
+                                          <p:spTgt spid="5"/>
+                                        </p:tgtEl>
+                                        <p:attrNameLst>
+                                          <p:attrName>style.visibility</p:attrName>
+                                        </p:attrNameLst>
+                                      </p:cBhvr>
+                                      <p:to>
+                                        <p:strVal val="visible"/>
+                                      </p:to>
+                                    </p:set>
+                                  </p:childTnLst>
+                                </p:cTn>
+                              </p:par>
+                            </p:childTnLst>
+                          </p:cTn>
+                        </p:par>
+                      </p:childTnLst>
+                    </p:cTn>
+                  </p:par>
+                  <p:par>
+                    <p:cTn id="9" fill="hold">
+                      <p:stCondLst>
+                        <p:cond delay="indefinite"/>
+                      </p:stCondLst>
+                      <p:childTnLst>
+                        <p:par>
+                          <p:cTn id="10" fill="hold">
+                            <p:stCondLst>
+                              <p:cond delay="0"/>
+                            </p:stCondLst>
+                            <p:childTnLst>
+                              <p:par>
+                                <p:cTn id="11" presetID="1" presetClass="entr" presetSubtype="0" fill="hold" nodeType="clickEffect">
+                                  <p:stCondLst>
+                                    <p:cond delay="0"/>
+                                  </p:stCondLst>
+                                  <p:childTnLst>
+                                    <p:set>
+                                      <p:cBhvr>
+                                        <p:cTn id="12" dur="1" fill="hold">
+                                          <p:stCondLst>
+                                            <p:cond delay="0"/>
+                                          </p:stCondLst>
+                                        </p:cTn>
+                                        <p:tgtEl>
+                                          <p:spTgt spid="3">
+                                            <p:txEl>
+                                              <p:pRg st="2" end="2"/>
+                                            </p:txEl>
+                                          </p:spTgt>
+                                        </p:tgtEl>
+                                        <p:attrNameLst>
+                                          <p:attrName>style.visibility</p:attrName>
+                                        </p:attrNameLst>
+                                      </p:cBhvr>
+                                      <p:to>
+                                        <p:strVal val="visible"/>
+                                      </p:to>
+                                    </p:set>
+                                  </p:childTnLst>
+                                </p:cTn>
+                              </p:par>
+                              <p:par>
+                                <p:cTn id="13" presetID="1" presetClass="entr" presetSubtype="0" fill="hold" grpId="0" nodeType="withEffect">
+                                  <p:stCondLst>
+                                    <p:cond delay="0"/>
+                                  </p:stCondLst>
+                                  <p:childTnLst>
+                                    <p:set>
+                                      <p:cBhvr>
+                                        <p:cTn id="14" dur="1" fill="hold">
+                                          <p:stCondLst>
+                                            <p:cond delay="0"/>
+                                          </p:stCondLst>
+                                        </p:cTn>
+                                        <p:tgtEl>
+                                          <p:spTgt spid="6"/>
+                                        </p:tgtEl>
+                                        <p:attrNameLst>
+                                          <p:attrName>style.visibility</p:attrName>
+                                        </p:attrNameLst>
+                                      </p:cBhvr>
+                                      <p:to>
+                                        <p:strVal val="visible"/>
+                                      </p:to>
+                                    </p:set>
+                                  </p:childTnLst>
+                                </p:cTn>
+                              </p:par>
+                            </p:childTnLst>
+                          </p:cTn>
+                        </p:par>
+                      </p:childTnLst>
+                    </p:cTn>
+                  </p:par>
+                  <p:par>
+                    <p:cTn id="15" fill="hold">
+                      <p:stCondLst>
+                        <p:cond delay="indefinite"/>
+                      </p:stCondLst>
+                      <p:childTnLst>
+                        <p:par>
+                          <p:cTn id="16" fill="hold">
+                            <p:stCondLst>
+                              <p:cond delay="0"/>
+                            </p:stCondLst>
+                            <p:childTnLst>
+                              <p:par>
+                                <p:cTn id="17" presetID="1" presetClass="entr" presetSubtype="0" fill="hold" nodeType="clickEffect">
+                                  <p:stCondLst>
+                                    <p:cond delay="0"/>
+                                  </p:stCondLst>
+                                  <p:childTnLst>
+                                    <p:set>
+                                      <p:cBhvr>
+                                        <p:cTn id="18" dur="1" fill="hold">
+                                          <p:stCondLst>
+                                            <p:cond delay="0"/>
+                                          </p:stCondLst>
+                                        </p:cTn>
+                                        <p:tgtEl>
+                                          <p:spTgt spid="3">
+                                            <p:txEl>
+                                              <p:pRg st="3" end="3"/>
+                                            </p:txEl>
+                                          </p:spTgt>
+                                        </p:tgtEl>
+                                        <p:attrNameLst>
+                                          <p:attrName>style.visibility</p:attrName>
+                                        </p:attrNameLst>
+                                      </p:cBhvr>
+                                      <p:to>
+                                        <p:strVal val="visible"/>
+                                      </p:to>
+                                    </p:set>
+                                  </p:childTnLst>
+                                </p:cTn>
+                              </p:par>
+                              <p:par>
+                                <p:cTn id="19" presetID="1" presetClass="entr" presetSubtype="0" fill="hold" grpId="0" nodeType="withEffect">
+                                  <p:stCondLst>
+                                    <p:cond delay="0"/>
+                                  </p:stCondLst>
+                                  <p:childTnLst>
+                                    <p:set>
+                                      <p:cBhvr>
+                                        <p:cTn id="20" dur="1" fill="hold">
+                                          <p:stCondLst>
+                                            <p:cond delay="0"/>
+                                          </p:stCondLst>
+                                        </p:cTn>
+                                        <p:tgtEl>
+                                          <p:spTgt spid="7"/>
+                                        </p:tgtEl>
+                                        <p:attrNameLst>
+                                          <p:attrName>style.visibility</p:attrName>
+                                        </p:attrNameLst>
+                                      </p:cBhvr>
+                                      <p:to>
+                                        <p:strVal val="visible"/>
+                                      </p:to>
+                                    </p:set>
+                                  </p:childTnLst>
+                                </p:cTn>
+                              </p:par>
+                            </p:childTnLst>
+                          </p:cTn>
+                        </p:par>
+                      </p:childTnLst>
+                    </p:cTn>
+                  </p:par>
+                </p:childTnLst>
+              </p:cTn>
+              <p:prevCondLst>
+                <p:cond evt="onPrev" delay="0">
+                  <p:tgtEl>
+                    <p:sldTgt/>
+                  </p:tgtEl>
+                </p:cond>
+              </p:prevCondLst>
+              <p:nextCondLst>
+                <p:cond evt="onNext" delay="0">
+                  <p:tgtEl>
+                    <p:sldTgt/>
+                  </p:tgtEl>
+                </p:cond>
+              </p:nextCondLst>
+            </p:seq>
+          </p:childTnLst>
+        </p:cTn>
+      </p:par>
+    </p:tnLst>
+    <p:bldLst>
+      <p:bldP spid="5" grpId="0" animBg="1"/>
+      <p:bldP spid="6" grpId="0" animBg="1"/>
+      <p:bldP spid="7" grpId="0" animBg="1"/>
+    </p:bldLst>
+  </p:timing>
+</p:sld>
+</file>
+
+<file path=ppt/slides/slide11.xml><?xml version="1.0" encoding="utf-8"?>
+<p:sld xmlns:a="http://schemas.openxmlformats.org/drawingml/2006/main" xmlns:r="http://schemas.openxmlformats.org/officeDocument/2006/relationships" xmlns:p="http://schemas.openxmlformats.org/presentationml/2006/main">
+  <p:cSld>
+    <p:spTree>
+      <p:nvGrpSpPr>
+        <p:cNvPr id="1" name=""/>
+        <p:cNvGrpSpPr/>
+        <p:nvPr/>
+      </p:nvGrpSpPr>
+      <p:grpSpPr>
+        <a:xfrm>
+          <a:off x="0" y="0"/>
+          <a:ext cx="0" cy="0"/>
+          <a:chOff x="0" y="0"/>
+          <a:chExt cx="0" cy="0"/>
+        </a:xfrm>
+      </p:grpSpPr>
+      <p:sp>
+        <p:nvSpPr>
+          <p:cNvPr id="2" name="Slide Number Placeholder 1"/>
+          <p:cNvSpPr>
+            <a:spLocks noGrp="1"/>
+          </p:cNvSpPr>
+          <p:nvPr>
+            <p:ph type="sldNum" sz="quarter" idx="5"/>
+          </p:nvPr>
+        </p:nvSpPr>
+        <p:spPr/>
+        <p:txBody>
+          <a:bodyPr/>
+          <a:lstStyle/>
+          <a:p>
+            <a:fld id="{2BF067CD-8E6B-4360-9AA8-C5DF2A48A6D1}" type="slidenum">
+              <a:rPr lang="en-US" noProof="0" smtClean="0"/>
+              <a:pPr/>
+              <a:t>11</a:t>
+            </a:fld>
+            <a:endParaRPr lang="en-US" noProof="0" dirty="0"/>
+          </a:p>
+        </p:txBody>
+      </p:sp>
+      <p:sp>
+        <p:nvSpPr>
+          <p:cNvPr id="3" name="Text Placeholder 2"/>
+          <p:cNvSpPr>
+            <a:spLocks noGrp="1"/>
+          </p:cNvSpPr>
+          <p:nvPr>
+            <p:ph type="body" sz="quarter" idx="10"/>
+          </p:nvPr>
+        </p:nvSpPr>
+        <p:spPr/>
+        <p:txBody>
+          <a:bodyPr>
+            <a:normAutofit/>
+          </a:bodyPr>
+          <a:lstStyle/>
+          <a:p>
+            <a:r>
+              <a:rPr lang="bg-BG" dirty="0" smtClean="0"/>
+              <a:t>За да въведем функция, трябва първо да </a:t>
+            </a:r>
+            <a:r>
+              <a:rPr lang="bg-BG" b="1" dirty="0" smtClean="0"/>
+              <a:t>селектираме клетката</a:t>
+            </a:r>
+            <a:r>
+              <a:rPr lang="bg-BG" dirty="0" smtClean="0"/>
+              <a:t>, в която ще я въвеждаме</a:t>
+            </a:r>
+            <a:endParaRPr lang="en-US" dirty="0" smtClean="0"/>
+          </a:p>
+          <a:p>
+            <a:r>
+              <a:rPr lang="bg-BG" dirty="0" smtClean="0"/>
+              <a:t>Самите фунцкии се </a:t>
+            </a:r>
+            <a:r>
+              <a:rPr lang="bg-BG" b="1" dirty="0" smtClean="0"/>
+              <a:t>активират</a:t>
+            </a:r>
+            <a:r>
+              <a:rPr lang="bg-BG" dirty="0" smtClean="0"/>
+              <a:t> по някои от следните начини:</a:t>
+            </a:r>
+          </a:p>
+          <a:p>
+            <a:pPr lvl="1"/>
+            <a:r>
+              <a:rPr lang="bg-BG" dirty="0" smtClean="0"/>
+              <a:t>От </a:t>
+            </a:r>
+            <a:r>
+              <a:rPr lang="bg-BG" b="1" dirty="0" smtClean="0"/>
+              <a:t>бутона</a:t>
+            </a:r>
+            <a:r>
+              <a:rPr lang="bg-BG" dirty="0" smtClean="0"/>
+              <a:t> </a:t>
+            </a:r>
+            <a:r>
+              <a:rPr lang="en-US" dirty="0" smtClean="0"/>
+              <a:t>[</a:t>
+            </a:r>
+            <a:r>
+              <a:rPr lang="en-US" b="1" dirty="0" smtClean="0">
+                <a:solidFill>
+                  <a:schemeClr val="bg1"/>
+                </a:solidFill>
+              </a:rPr>
+              <a:t>Insert Function</a:t>
+            </a:r>
+            <a:r>
+              <a:rPr lang="en-US" dirty="0" smtClean="0"/>
+              <a:t>]</a:t>
+            </a:r>
+            <a:endParaRPr lang="bg-BG" dirty="0" smtClean="0"/>
+          </a:p>
+          <a:p>
+            <a:pPr lvl="1"/>
+            <a:r>
+              <a:rPr lang="bg-BG" dirty="0" smtClean="0"/>
+              <a:t>От </a:t>
+            </a:r>
+            <a:r>
+              <a:rPr lang="bg-BG" b="1" dirty="0" smtClean="0"/>
+              <a:t>падащото меню </a:t>
+            </a:r>
+            <a:r>
+              <a:rPr lang="en-US" b="1" dirty="0" smtClean="0">
+                <a:solidFill>
+                  <a:schemeClr val="bg1"/>
+                </a:solidFill>
+              </a:rPr>
+              <a:t>AutoSum</a:t>
+            </a:r>
+            <a:endParaRPr lang="bg-BG" b="1" dirty="0" smtClean="0">
+              <a:solidFill>
+                <a:schemeClr val="bg1"/>
+              </a:solidFill>
+            </a:endParaRPr>
+          </a:p>
+          <a:p>
+            <a:pPr lvl="1"/>
+            <a:r>
+              <a:rPr lang="bg-BG" dirty="0" smtClean="0"/>
+              <a:t>͏</a:t>
+            </a:r>
+            <a:r>
+              <a:rPr lang="bg-BG" b="1" dirty="0" smtClean="0">
+                <a:solidFill>
+                  <a:schemeClr val="bg1"/>
+                </a:solidFill>
+              </a:rPr>
+              <a:t>Ръчно писане </a:t>
+            </a:r>
+            <a:r>
+              <a:rPr lang="bg-BG" dirty="0" smtClean="0"/>
+              <a:t>на формулите</a:t>
+            </a:r>
+          </a:p>
+          <a:p>
+            <a:pPr lvl="2"/>
+            <a:endParaRPr lang="en-US" dirty="0"/>
+          </a:p>
+        </p:txBody>
+      </p:sp>
+      <p:sp>
+        <p:nvSpPr>
+          <p:cNvPr id="4" name="Title 3"/>
+          <p:cNvSpPr>
+            <a:spLocks noGrp="1"/>
+          </p:cNvSpPr>
+          <p:nvPr>
+            <p:ph type="title"/>
+          </p:nvPr>
+        </p:nvSpPr>
+        <p:spPr/>
+        <p:txBody>
+          <a:bodyPr/>
+          <a:lstStyle/>
+          <a:p>
+            <a:r>
+              <a:rPr lang="bg-BG" dirty="0" smtClean="0"/>
+              <a:t>Активиране на фунцкии</a:t>
+            </a:r>
+            <a:endParaRPr lang="en-US" dirty="0"/>
+          </a:p>
+        </p:txBody>
+      </p:sp>
+      <p:pic>
+        <p:nvPicPr>
+          <p:cNvPr id="2050" name="Picture 2" descr="2 - Introduction to Functions | Excel Workshop"/>
+          <p:cNvPicPr>
+            <a:picLocks noChangeAspect="1" noChangeArrowheads="1"/>
+          </p:cNvPicPr>
+          <p:nvPr/>
+        </p:nvPicPr>
+        <p:blipFill>
+          <a:blip r:embed="rId3" cstate="hqprint">
+            <a:extLst>
+              <a:ext uri="{28A0092B-C50C-407E-A947-70E740481C1C}">
+                <a14:useLocalDpi xmlns:a14="http://schemas.microsoft.com/office/drawing/2010/main" val="0"/>
+              </a:ext>
+            </a:extLst>
+          </a:blip>
+          <a:srcRect/>
+          <a:stretch>
+            <a:fillRect/>
+          </a:stretch>
+        </p:blipFill>
+        <p:spPr bwMode="auto">
+          <a:xfrm>
+            <a:off x="8442485" y="3229280"/>
+            <a:ext cx="990000" cy="990000"/>
+          </a:xfrm>
+          <a:prstGeom prst="rect">
+            <a:avLst/>
+          </a:prstGeom>
+          <a:noFill/>
+          <a:ln>
+            <a:noFill/>
+          </a:ln>
+          <a:extLst>
+            <a:ext uri="{909E8E84-426E-40DD-AFC4-6F175D3DCCD1}">
+              <a14:hiddenFill xmlns:a14="http://schemas.microsoft.com/office/drawing/2010/main">
+                <a:solidFill>
+                  <a:srgbClr val="FFFFFF"/>
+                </a:solidFill>
+              </a14:hiddenFill>
+            </a:ext>
+          </a:extLst>
+        </p:spPr>
+      </p:pic>
+      <p:pic>
+        <p:nvPicPr>
+          <p:cNvPr id="6" name="Picture 5"/>
+          <p:cNvPicPr>
+            <a:picLocks noChangeAspect="1"/>
+          </p:cNvPicPr>
+          <p:nvPr/>
+        </p:nvPicPr>
+        <p:blipFill rotWithShape="1">
+          <a:blip r:embed="rId4"/>
+          <a:srcRect t="7611"/>
+          <a:stretch/>
+        </p:blipFill>
+        <p:spPr>
+          <a:xfrm>
+            <a:off x="1461000" y="5364000"/>
+            <a:ext cx="2958750" cy="852402"/>
+          </a:xfrm>
+          <a:prstGeom prst="rect">
+            <a:avLst/>
+          </a:prstGeom>
+          <a:ln>
+            <a:solidFill>
+              <a:schemeClr val="bg2">
+                <a:lumMod val="75000"/>
+              </a:schemeClr>
+            </a:solidFill>
+          </a:ln>
+        </p:spPr>
+      </p:pic>
+      <p:pic>
+        <p:nvPicPr>
+          <p:cNvPr id="7" name="Picture 6"/>
+          <p:cNvPicPr>
+            <a:picLocks noChangeAspect="1"/>
+          </p:cNvPicPr>
+          <p:nvPr/>
+        </p:nvPicPr>
+        <p:blipFill>
+          <a:blip r:embed="rId5"/>
+          <a:stretch>
+            <a:fillRect/>
+          </a:stretch>
+        </p:blipFill>
+        <p:spPr>
+          <a:xfrm>
+            <a:off x="6198970" y="4432001"/>
+            <a:ext cx="5477030" cy="2207617"/>
+          </a:xfrm>
+          <a:prstGeom prst="rect">
+            <a:avLst/>
+          </a:prstGeom>
+          <a:ln>
+            <a:solidFill>
+              <a:schemeClr val="bg2">
+                <a:lumMod val="75000"/>
+              </a:schemeClr>
+            </a:solidFill>
+          </a:ln>
+        </p:spPr>
+      </p:pic>
+    </p:spTree>
+    <p:extLst>
+      <p:ext uri="{BB962C8B-B14F-4D97-AF65-F5344CB8AC3E}">
+        <p14:creationId xmlns:p14="http://schemas.microsoft.com/office/powerpoint/2010/main" val="1035225943"/>
+      </p:ext>
+    </p:extLst>
+  </p:cSld>
+  <p:clrMapOvr>
+    <a:masterClrMapping/>
+  </p:clrMapOvr>
+  <mc:AlternateContent xmlns:mc="http://schemas.openxmlformats.org/markup-compatibility/2006" xmlns:p14="http://schemas.microsoft.com/office/powerpoint/2010/main">
+    <mc:Choice Requires="p14">
+      <p:transition spd="slow" p14:dur="2000" advClick="0" advTm="5000"/>
+    </mc:Choice>
+    <mc:Fallback xmlns="">
+      <p:transition spd="slow" advClick="0" advTm="5000"/>
+    </mc:Fallback>
+  </mc:AlternateContent>
+  <p:timing>
+    <p:tnLst>
+      <p:par>
+        <p:cTn id="1" dur="indefinite" restart="never" nodeType="tmRoot">
+          <p:childTnLst>
+            <p:seq concurrent="1" nextAc="seek">
+              <p:cTn id="2" dur="indefinite" nodeType="mainSeq">
+                <p:childTnLst>
+                  <p:par>
+                    <p:cTn id="3" fill="hold">
+                      <p:stCondLst>
+                        <p:cond delay="indefinite"/>
+                      </p:stCondLst>
+                      <p:childTnLst>
+                        <p:par>
+                          <p:cTn id="4" fill="hold">
+                            <p:stCondLst>
+                              <p:cond delay="0"/>
+                            </p:stCondLst>
+                            <p:childTnLst>
+                              <p:par>
+                                <p:cTn id="5" presetID="1" presetClass="entr" presetSubtype="0" fill="hold" nodeType="clickEffect">
+                                  <p:stCondLst>
+                                    <p:cond delay="0"/>
+                                  </p:stCondLst>
+                                  <p:childTnLst>
+                                    <p:set>
+                                      <p:cBhvr>
+                                        <p:cTn id="6" dur="1" fill="hold">
+                                          <p:stCondLst>
+                                            <p:cond delay="0"/>
+                                          </p:stCondLst>
+                                        </p:cTn>
+                                        <p:tgtEl>
+                                          <p:spTgt spid="3">
+                                            <p:txEl>
+                                              <p:pRg st="1" end="1"/>
+                                            </p:txEl>
+                                          </p:spTgt>
+                                        </p:tgtEl>
+                                        <p:attrNameLst>
+                                          <p:attrName>style.visibility</p:attrName>
+                                        </p:attrNameLst>
+                                      </p:cBhvr>
+                                      <p:to>
+                                        <p:strVal val="visible"/>
+                                      </p:to>
+                                    </p:set>
+                                  </p:childTnLst>
+                                </p:cTn>
+                              </p:par>
+                            </p:childTnLst>
+                          </p:cTn>
+                        </p:par>
+                      </p:childTnLst>
+                    </p:cTn>
+                  </p:par>
+                  <p:par>
+                    <p:cTn id="7" fill="hold">
+                      <p:stCondLst>
+                        <p:cond delay="indefinite"/>
+                      </p:stCondLst>
+                      <p:childTnLst>
+                        <p:par>
+                          <p:cTn id="8" fill="hold">
+                            <p:stCondLst>
+                              <p:cond delay="0"/>
+                            </p:stCondLst>
+                            <p:childTnLst>
+                              <p:par>
+                                <p:cTn id="9" presetID="1" presetClass="entr" presetSubtype="0" fill="hold" nodeType="clickEffect">
+                                  <p:stCondLst>
+                                    <p:cond delay="0"/>
+                                  </p:stCondLst>
+                                  <p:childTnLst>
+                                    <p:set>
+                                      <p:cBhvr>
+                                        <p:cTn id="10" dur="1" fill="hold">
+                                          <p:stCondLst>
+                                            <p:cond delay="0"/>
+                                          </p:stCondLst>
+                                        </p:cTn>
+                                        <p:tgtEl>
+                                          <p:spTgt spid="3">
+                                            <p:txEl>
+                                              <p:pRg st="2" end="2"/>
+                                            </p:txEl>
+                                          </p:spTgt>
+                                        </p:tgtEl>
+                                        <p:attrNameLst>
+                                          <p:attrName>style.visibility</p:attrName>
+                                        </p:attrNameLst>
+                                      </p:cBhvr>
+                                      <p:to>
+                                        <p:strVal val="visible"/>
+                                      </p:to>
+                                    </p:set>
+                                  </p:childTnLst>
+                                </p:cTn>
+                              </p:par>
+                              <p:par>
+                                <p:cTn id="11" presetID="1" presetClass="entr" presetSubtype="0" fill="hold" nodeType="withEffect">
+                                  <p:stCondLst>
+                                    <p:cond delay="0"/>
+                                  </p:stCondLst>
+                                  <p:childTnLst>
+                                    <p:set>
+                                      <p:cBhvr>
+                                        <p:cTn id="12" dur="1" fill="hold">
+                                          <p:stCondLst>
+                                            <p:cond delay="0"/>
+                                          </p:stCondLst>
+                                        </p:cTn>
+                                        <p:tgtEl>
+                                          <p:spTgt spid="2050"/>
+                                        </p:tgtEl>
+                                        <p:attrNameLst>
+                                          <p:attrName>style.visibility</p:attrName>
+                                        </p:attrNameLst>
+                                      </p:cBhvr>
+                                      <p:to>
+                                        <p:strVal val="visible"/>
+                                      </p:to>
+                                    </p:set>
+                                  </p:childTnLst>
+                                </p:cTn>
+                              </p:par>
+                            </p:childTnLst>
+                          </p:cTn>
+                        </p:par>
+                      </p:childTnLst>
+                    </p:cTn>
+                  </p:par>
+                  <p:par>
+                    <p:cTn id="13" fill="hold">
+                      <p:stCondLst>
+                        <p:cond delay="indefinite"/>
+                      </p:stCondLst>
+                      <p:childTnLst>
+                        <p:par>
+                          <p:cTn id="14" fill="hold">
+                            <p:stCondLst>
+                              <p:cond delay="0"/>
+                            </p:stCondLst>
+                            <p:childTnLst>
+                              <p:par>
+                                <p:cTn id="15" presetID="1" presetClass="entr" presetSubtype="0" fill="hold" nodeType="clickEffect">
+                                  <p:stCondLst>
+                                    <p:cond delay="0"/>
+                                  </p:stCondLst>
+                                  <p:childTnLst>
+                                    <p:set>
+                                      <p:cBhvr>
+                                        <p:cTn id="16" dur="1" fill="hold">
+                                          <p:stCondLst>
+                                            <p:cond delay="0"/>
+                                          </p:stCondLst>
+                                        </p:cTn>
+                                        <p:tgtEl>
+                                          <p:spTgt spid="3">
+                                            <p:txEl>
+                                              <p:pRg st="3" end="3"/>
+                                            </p:txEl>
+                                          </p:spTgt>
+                                        </p:tgtEl>
+                                        <p:attrNameLst>
+                                          <p:attrName>style.visibility</p:attrName>
+                                        </p:attrNameLst>
+                                      </p:cBhvr>
+                                      <p:to>
+                                        <p:strVal val="visible"/>
+                                      </p:to>
+                                    </p:set>
+                                  </p:childTnLst>
+                                </p:cTn>
+                              </p:par>
+                              <p:par>
+                                <p:cTn id="17" presetID="1" presetClass="entr" presetSubtype="0" fill="hold" nodeType="withEffect">
+                                  <p:stCondLst>
+                                    <p:cond delay="0"/>
+                                  </p:stCondLst>
+                                  <p:childTnLst>
+                                    <p:set>
+                                      <p:cBhvr>
+                                        <p:cTn id="18" dur="1" fill="hold">
+                                          <p:stCondLst>
+                                            <p:cond delay="0"/>
+                                          </p:stCondLst>
+                                        </p:cTn>
+                                        <p:tgtEl>
+                                          <p:spTgt spid="6"/>
+                                        </p:tgtEl>
+                                        <p:attrNameLst>
+                                          <p:attrName>style.visibility</p:attrName>
+                                        </p:attrNameLst>
+                                      </p:cBhvr>
+                                      <p:to>
+                                        <p:strVal val="visible"/>
+                                      </p:to>
+                                    </p:set>
+                                  </p:childTnLst>
+                                </p:cTn>
+                              </p:par>
+                            </p:childTnLst>
+                          </p:cTn>
+                        </p:par>
+                      </p:childTnLst>
+                    </p:cTn>
+                  </p:par>
+                  <p:par>
+                    <p:cTn id="19" fill="hold">
+                      <p:stCondLst>
+                        <p:cond delay="indefinite"/>
+                      </p:stCondLst>
+                      <p:childTnLst>
+                        <p:par>
+                          <p:cTn id="20" fill="hold">
+                            <p:stCondLst>
+                              <p:cond delay="0"/>
+                            </p:stCondLst>
+                            <p:childTnLst>
+                              <p:par>
+                                <p:cTn id="21" presetID="1" presetClass="entr" presetSubtype="0" fill="hold" nodeType="clickEffect">
+                                  <p:stCondLst>
+                                    <p:cond delay="0"/>
+                                  </p:stCondLst>
+                                  <p:childTnLst>
+                                    <p:set>
+                                      <p:cBhvr>
+                                        <p:cTn id="22" dur="1" fill="hold">
+                                          <p:stCondLst>
+                                            <p:cond delay="0"/>
+                                          </p:stCondLst>
+                                        </p:cTn>
+                                        <p:tgtEl>
+                                          <p:spTgt spid="3">
+                                            <p:txEl>
+                                              <p:pRg st="4" end="4"/>
+                                            </p:txEl>
+                                          </p:spTgt>
+                                        </p:tgtEl>
+                                        <p:attrNameLst>
+                                          <p:attrName>style.visibility</p:attrName>
+                                        </p:attrNameLst>
+                                      </p:cBhvr>
+                                      <p:to>
+                                        <p:strVal val="visible"/>
+                                      </p:to>
+                                    </p:set>
+                                  </p:childTnLst>
+                                </p:cTn>
+                              </p:par>
+                              <p:par>
+                                <p:cTn id="23" presetID="1" presetClass="entr" presetSubtype="0" fill="hold" nodeType="withEffect">
+                                  <p:stCondLst>
+                                    <p:cond delay="0"/>
+                                  </p:stCondLst>
+                                  <p:childTnLst>
+                                    <p:set>
+                                      <p:cBhvr>
+                                        <p:cTn id="24" dur="1" fill="hold">
+                                          <p:stCondLst>
+                                            <p:cond delay="0"/>
+                                          </p:stCondLst>
+                                        </p:cTn>
+                                        <p:tgtEl>
+                                          <p:spTgt spid="7"/>
+                                        </p:tgtEl>
+                                        <p:attrNameLst>
+                                          <p:attrName>style.visibility</p:attrName>
+                                        </p:attrNameLst>
+                                      </p:cBhvr>
+                                      <p:to>
+                                        <p:strVal val="visible"/>
+                                      </p:to>
+                                    </p:set>
+                                  </p:childTnLst>
+                                </p:cTn>
+                              </p:par>
+                            </p:childTnLst>
+                          </p:cTn>
+                        </p:par>
+                      </p:childTnLst>
+                    </p:cTn>
+                  </p:par>
+                </p:childTnLst>
+              </p:cTn>
+              <p:prevCondLst>
+                <p:cond evt="onPrev" delay="0">
+                  <p:tgtEl>
+                    <p:sldTgt/>
+                  </p:tgtEl>
+                </p:cond>
+              </p:prevCondLst>
+              <p:nextCondLst>
+                <p:cond evt="onNext" delay="0">
+                  <p:tgtEl>
+                    <p:sldTgt/>
+                  </p:tgtEl>
+                </p:cond>
+              </p:nextCondLst>
+            </p:seq>
+          </p:childTnLst>
+        </p:cTn>
+      </p:par>
+    </p:tnLst>
+  </p:timing>
+</p:sld>
+</file>
+
+<file path=ppt/slides/slide12.xml><?xml version="1.0" encoding="utf-8"?>
+<p:sld xmlns:a="http://schemas.openxmlformats.org/drawingml/2006/main" xmlns:r="http://schemas.openxmlformats.org/officeDocument/2006/relationships" xmlns:p="http://schemas.openxmlformats.org/presentationml/2006/main">
+  <p:cSld>
+    <p:spTree>
+      <p:nvGrpSpPr>
+        <p:cNvPr id="1" name=""/>
+        <p:cNvGrpSpPr/>
+        <p:nvPr/>
+      </p:nvGrpSpPr>
+      <p:grpSpPr>
+        <a:xfrm>
+          <a:off x="0" y="0"/>
+          <a:ext cx="0" cy="0"/>
+          <a:chOff x="0" y="0"/>
+          <a:chExt cx="0" cy="0"/>
+        </a:xfrm>
+      </p:grpSpPr>
+      <p:sp>
+        <p:nvSpPr>
+          <p:cNvPr id="2" name="Slide Number Placeholder 1"/>
+          <p:cNvSpPr>
+            <a:spLocks noGrp="1"/>
+          </p:cNvSpPr>
+          <p:nvPr>
+            <p:ph type="sldNum" sz="quarter" idx="5"/>
+          </p:nvPr>
+        </p:nvSpPr>
+        <p:spPr/>
+        <p:txBody>
+          <a:bodyPr/>
+          <a:lstStyle/>
+          <a:p>
+            <a:fld id="{2BF067CD-8E6B-4360-9AA8-C5DF2A48A6D1}" type="slidenum">
+              <a:rPr lang="en-US" noProof="0" smtClean="0"/>
+              <a:pPr/>
+              <a:t>12</a:t>
+            </a:fld>
+            <a:endParaRPr lang="en-US" noProof="0" dirty="0"/>
+          </a:p>
+        </p:txBody>
+      </p:sp>
+      <p:sp>
+        <p:nvSpPr>
+          <p:cNvPr id="3" name="Text Placeholder 2"/>
+          <p:cNvSpPr>
+            <a:spLocks noGrp="1"/>
+          </p:cNvSpPr>
+          <p:nvPr>
+            <p:ph type="body" sz="quarter" idx="10"/>
+          </p:nvPr>
+        </p:nvSpPr>
+        <p:spPr>
+          <a:xfrm>
+            <a:off x="190402" y="1196125"/>
+            <a:ext cx="6940598" cy="5528766"/>
+          </a:xfrm>
+        </p:spPr>
+        <p:txBody>
+          <a:bodyPr/>
+          <a:lstStyle/>
+          <a:p>
+            <a:r>
+              <a:rPr lang="bg-BG" dirty="0" smtClean="0"/>
+              <a:t>Бутонът </a:t>
+            </a:r>
+            <a:r>
+              <a:rPr lang="en-US" dirty="0" smtClean="0"/>
+              <a:t>[</a:t>
+            </a:r>
+            <a:r>
+              <a:rPr lang="en-US" b="1" dirty="0" smtClean="0">
+                <a:solidFill>
+                  <a:schemeClr val="bg1"/>
+                </a:solidFill>
+              </a:rPr>
+              <a:t>Insert Function</a:t>
+            </a:r>
+            <a:r>
+              <a:rPr lang="en-US" dirty="0" smtClean="0"/>
+              <a:t>] </a:t>
+            </a:r>
+            <a:r>
+              <a:rPr lang="bg-BG" dirty="0" smtClean="0"/>
+              <a:t>се намира </a:t>
+            </a:r>
+            <a:r>
+              <a:rPr lang="bg-BG" dirty="0"/>
+              <a:t>вляво от кутията за редактиране на </a:t>
+            </a:r>
+            <a:r>
+              <a:rPr lang="bg-BG" dirty="0" smtClean="0"/>
+              <a:t>клетка</a:t>
+            </a:r>
+          </a:p>
+          <a:p>
+            <a:r>
+              <a:rPr lang="bg-BG" dirty="0" smtClean="0"/>
+              <a:t>Отваря </a:t>
+            </a:r>
+            <a:r>
+              <a:rPr lang="bg-BG" dirty="0"/>
+              <a:t>диалогов прозорец </a:t>
+            </a:r>
+            <a:r>
+              <a:rPr lang="en-US" b="1" dirty="0">
+                <a:solidFill>
+                  <a:schemeClr val="bg1"/>
+                </a:solidFill>
+              </a:rPr>
+              <a:t>Function Arguments</a:t>
+            </a:r>
+          </a:p>
+          <a:p>
+            <a:endParaRPr lang="en-US" dirty="0"/>
+          </a:p>
+        </p:txBody>
+      </p:sp>
+      <p:sp>
+        <p:nvSpPr>
+          <p:cNvPr id="4" name="Title 3"/>
+          <p:cNvSpPr>
+            <a:spLocks noGrp="1"/>
+          </p:cNvSpPr>
+          <p:nvPr>
+            <p:ph type="title"/>
+          </p:nvPr>
+        </p:nvSpPr>
+        <p:spPr/>
+        <p:txBody>
+          <a:bodyPr/>
+          <a:lstStyle/>
+          <a:p>
+            <a:r>
+              <a:rPr lang="en-US" dirty="0"/>
+              <a:t>Insert Function</a:t>
+            </a:r>
+          </a:p>
+        </p:txBody>
+      </p:sp>
+      <p:pic>
+        <p:nvPicPr>
+          <p:cNvPr id="5" name="Picture 4"/>
+          <p:cNvPicPr>
+            <a:picLocks noChangeAspect="1"/>
+          </p:cNvPicPr>
+          <p:nvPr/>
+        </p:nvPicPr>
+        <p:blipFill rotWithShape="1">
+          <a:blip r:embed="rId2"/>
+          <a:srcRect r="14550" b="17944"/>
+          <a:stretch/>
+        </p:blipFill>
+        <p:spPr>
+          <a:xfrm>
+            <a:off x="696000" y="4482000"/>
+            <a:ext cx="4870946" cy="2025000"/>
+          </a:xfrm>
+          <a:prstGeom prst="rect">
+            <a:avLst/>
+          </a:prstGeom>
+          <a:ln>
+            <a:solidFill>
+              <a:schemeClr val="bg2">
+                <a:lumMod val="75000"/>
+              </a:schemeClr>
+            </a:solidFill>
+          </a:ln>
+        </p:spPr>
+      </p:pic>
+      <p:pic>
+        <p:nvPicPr>
+          <p:cNvPr id="7" name="Picture 6"/>
+          <p:cNvPicPr>
+            <a:picLocks noChangeAspect="1"/>
+          </p:cNvPicPr>
+          <p:nvPr/>
+        </p:nvPicPr>
+        <p:blipFill>
+          <a:blip r:embed="rId3"/>
+          <a:stretch>
+            <a:fillRect/>
+          </a:stretch>
+        </p:blipFill>
+        <p:spPr>
+          <a:xfrm>
+            <a:off x="2027118" y="5740145"/>
+            <a:ext cx="789355" cy="789355"/>
+          </a:xfrm>
+          <a:prstGeom prst="rect">
+            <a:avLst/>
+          </a:prstGeom>
+          <a:ln w="38100" cap="sq">
+            <a:solidFill>
+              <a:srgbClr val="000000"/>
+            </a:solidFill>
+            <a:prstDash val="solid"/>
+            <a:miter lim="800000"/>
+          </a:ln>
+          <a:effectLst>
+            <a:outerShdw blurRad="50800" dist="38100" dir="2700000" algn="tl" rotWithShape="0">
+              <a:srgbClr val="000000">
+                <a:alpha val="43000"/>
+              </a:srgbClr>
+            </a:outerShdw>
+          </a:effectLst>
+        </p:spPr>
+      </p:pic>
+      <p:sp>
+        <p:nvSpPr>
+          <p:cNvPr id="8" name="Rectangle 7"/>
+          <p:cNvSpPr/>
+          <p:nvPr/>
+        </p:nvSpPr>
+        <p:spPr bwMode="auto">
+          <a:xfrm>
+            <a:off x="3143651" y="4594500"/>
+            <a:ext cx="399527" cy="315000"/>
+          </a:xfrm>
+          <a:prstGeom prst="rect">
+            <a:avLst/>
+          </a:prstGeom>
+          <a:noFill/>
+          <a:ln w="38100">
+            <a:solidFill>
+              <a:schemeClr val="tx1">
+                <a:lumMod val="75000"/>
+                <a:alpha val="80000"/>
+              </a:schemeClr>
+            </a:solidFill>
+          </a:ln>
+          <a:effectLst/>
+        </p:spPr>
+        <p:style>
+          <a:lnRef idx="2">
+            <a:schemeClr val="accent1">
+              <a:shade val="50000"/>
+            </a:schemeClr>
+          </a:lnRef>
+          <a:fillRef idx="1001">
+            <a:schemeClr val="dk2"/>
+          </a:fillRef>
+          <a:effectRef idx="0">
+            <a:schemeClr val="accent1"/>
+          </a:effectRef>
+          <a:fontRef idx="minor">
+            <a:schemeClr val="lt1"/>
+          </a:fontRef>
+        </p:style>
+        <p:txBody>
+          <a:bodyPr rot="0" spcFirstLastPara="0" vertOverflow="overflow" horzOverflow="overflow" vert="horz" wrap="square" lIns="91440" tIns="45720" rIns="91440" bIns="45720" numCol="1" spcCol="0" rtlCol="0" fromWordArt="0" anchor="ctr" anchorCtr="0" forceAA="0" compatLnSpc="1">
+            <a:prstTxWarp prst="textNoShape">
+              <a:avLst/>
+            </a:prstTxWarp>
+            <a:noAutofit/>
+          </a:bodyPr>
+          <a:lstStyle/>
+          <a:p>
+            <a:pPr algn="ctr"/>
+            <a:endParaRPr lang="en-US" sz="2800" b="1" dirty="0">
+              <a:solidFill>
+                <a:srgbClr val="FFFFFF"/>
+              </a:solidFill>
+              <a:effectLst>
+                <a:outerShdw blurRad="38100" dist="38100" dir="2700000" algn="tl">
+                  <a:srgbClr val="000000">
+                    <a:alpha val="43137"/>
+                  </a:srgbClr>
+                </a:outerShdw>
+              </a:effectLst>
+            </a:endParaRPr>
+          </a:p>
+        </p:txBody>
+      </p:sp>
+      <p:cxnSp>
+        <p:nvCxnSpPr>
+          <p:cNvPr id="10" name="Straight Arrow Connector 9"/>
+          <p:cNvCxnSpPr/>
+          <p:nvPr/>
+        </p:nvCxnSpPr>
+        <p:spPr>
+          <a:xfrm flipH="1">
+            <a:off x="2868178" y="5089500"/>
+            <a:ext cx="275473" cy="495000"/>
+          </a:xfrm>
+          <a:prstGeom prst="straightConnector1">
+            <a:avLst/>
+          </a:prstGeom>
+          <a:ln w="76200">
+            <a:tailEnd type="triangle"/>
+          </a:ln>
+        </p:spPr>
+        <p:style>
+          <a:lnRef idx="1">
+            <a:schemeClr val="dk1"/>
+          </a:lnRef>
+          <a:fillRef idx="0">
+            <a:schemeClr val="dk1"/>
+          </a:fillRef>
+          <a:effectRef idx="0">
+            <a:schemeClr val="dk1"/>
+          </a:effectRef>
+          <a:fontRef idx="minor">
+            <a:schemeClr val="tx1"/>
+          </a:fontRef>
+        </p:style>
+      </p:cxnSp>
+      <p:pic>
+        <p:nvPicPr>
+          <p:cNvPr id="15" name="Picture 14"/>
+          <p:cNvPicPr>
+            <a:picLocks noChangeAspect="1"/>
+          </p:cNvPicPr>
+          <p:nvPr/>
+        </p:nvPicPr>
+        <p:blipFill>
+          <a:blip r:embed="rId4"/>
+          <a:stretch>
+            <a:fillRect/>
+          </a:stretch>
+        </p:blipFill>
+        <p:spPr>
+          <a:xfrm>
+            <a:off x="6726000" y="1989000"/>
+            <a:ext cx="4702836" cy="4141639"/>
+          </a:xfrm>
+          <a:prstGeom prst="rect">
+            <a:avLst/>
+          </a:prstGeom>
+          <a:ln>
+            <a:solidFill>
+              <a:schemeClr val="bg2">
+                <a:lumMod val="75000"/>
+              </a:schemeClr>
+            </a:solidFill>
+          </a:ln>
+        </p:spPr>
+      </p:pic>
+      <p:sp>
+        <p:nvSpPr>
+          <p:cNvPr id="17" name="Rounded Rectangular Callout 16"/>
+          <p:cNvSpPr/>
+          <p:nvPr/>
+        </p:nvSpPr>
+        <p:spPr bwMode="auto">
+          <a:xfrm>
+            <a:off x="8121000" y="1539000"/>
+            <a:ext cx="3510000" cy="1125000"/>
+          </a:xfrm>
+          <a:prstGeom prst="wedgeRoundRectCallout">
+            <a:avLst>
+              <a:gd name="adj1" fmla="val 20031"/>
+              <a:gd name="adj2" fmla="val 103140"/>
+              <a:gd name="adj3" fmla="val 16667"/>
+            </a:avLst>
+          </a:prstGeom>
+          <a:solidFill>
+            <a:schemeClr val="dk2">
+              <a:alpha val="80000"/>
+            </a:schemeClr>
+          </a:solidFill>
+          <a:ln w="19050">
+            <a:solidFill>
+              <a:schemeClr val="tx1">
+                <a:lumMod val="75000"/>
+                <a:alpha val="80000"/>
+              </a:schemeClr>
+            </a:solidFill>
+          </a:ln>
+          <a:effectLst/>
+        </p:spPr>
+        <p:style>
+          <a:lnRef idx="2">
+            <a:schemeClr val="accent1">
+              <a:shade val="50000"/>
+            </a:schemeClr>
+          </a:lnRef>
+          <a:fillRef idx="1001">
+            <a:schemeClr val="dk2"/>
+          </a:fillRef>
+          <a:effectRef idx="0">
+            <a:schemeClr val="accent1"/>
+          </a:effectRef>
+          <a:fontRef idx="minor">
+            <a:schemeClr val="lt1"/>
+          </a:fontRef>
+        </p:style>
+        <p:txBody>
+          <a:bodyPr rot="0" spcFirstLastPara="0" vertOverflow="overflow" horzOverflow="overflow" vert="horz" wrap="square" lIns="91440" tIns="45720" rIns="91440" bIns="45720" numCol="1" spcCol="0" rtlCol="0" fromWordArt="0" anchor="ctr" anchorCtr="0" forceAA="0" compatLnSpc="1">
+            <a:prstTxWarp prst="textNoShape">
+              <a:avLst/>
+            </a:prstTxWarp>
+            <a:noAutofit/>
+          </a:bodyPr>
+          <a:lstStyle/>
+          <a:p>
+            <a:pPr algn="ctr"/>
+            <a:r>
+              <a:rPr lang="bg-BG" sz="2800" b="1" dirty="0">
+                <a:solidFill>
+                  <a:srgbClr val="FFFFFF"/>
+                </a:solidFill>
+                <a:effectLst>
+                  <a:outerShdw blurRad="38100" dist="38100" dir="2700000" algn="tl">
+                    <a:srgbClr val="000000">
+                      <a:alpha val="43137"/>
+                    </a:srgbClr>
+                  </a:outerShdw>
+                </a:effectLst>
+              </a:rPr>
+              <a:t>С</a:t>
+            </a:r>
+            <a:r>
+              <a:rPr lang="bg-BG" sz="2800" b="1" dirty="0" smtClean="0">
+                <a:solidFill>
+                  <a:srgbClr val="FFFFFF"/>
+                </a:solidFill>
+                <a:effectLst>
+                  <a:outerShdw blurRad="38100" dist="38100" dir="2700000" algn="tl">
+                    <a:srgbClr val="000000">
+                      <a:alpha val="43137"/>
+                    </a:srgbClr>
+                  </a:outerShdw>
+                </a:effectLst>
+              </a:rPr>
+              <a:t>писък с вградени функции в </a:t>
+            </a:r>
+            <a:r>
+              <a:rPr lang="en-US" sz="2800" b="1" dirty="0" smtClean="0">
+                <a:solidFill>
+                  <a:srgbClr val="FFFFFF"/>
+                </a:solidFill>
+                <a:effectLst>
+                  <a:outerShdw blurRad="38100" dist="38100" dir="2700000" algn="tl">
+                    <a:srgbClr val="000000">
+                      <a:alpha val="43137"/>
+                    </a:srgbClr>
+                  </a:outerShdw>
+                </a:effectLst>
+              </a:rPr>
+              <a:t>Excel</a:t>
+            </a:r>
+            <a:endParaRPr lang="en-US" sz="2800" b="1" dirty="0">
+              <a:solidFill>
+                <a:srgbClr val="FFFFFF"/>
+              </a:solidFill>
+              <a:effectLst>
+                <a:outerShdw blurRad="38100" dist="38100" dir="2700000" algn="tl">
+                  <a:srgbClr val="000000">
+                    <a:alpha val="43137"/>
+                  </a:srgbClr>
+                </a:outerShdw>
+              </a:effectLst>
+            </a:endParaRPr>
+          </a:p>
+        </p:txBody>
+      </p:sp>
+      <p:sp>
+        <p:nvSpPr>
+          <p:cNvPr id="18" name="Rectangle 17"/>
+          <p:cNvSpPr/>
+          <p:nvPr/>
+        </p:nvSpPr>
+        <p:spPr bwMode="auto">
+          <a:xfrm>
+            <a:off x="6726000" y="3339000"/>
+            <a:ext cx="4702836" cy="1800000"/>
+          </a:xfrm>
+          <a:prstGeom prst="rect">
+            <a:avLst/>
+          </a:prstGeom>
+          <a:noFill/>
+          <a:ln w="38100">
+            <a:solidFill>
+              <a:schemeClr val="tx1">
+                <a:lumMod val="75000"/>
+                <a:alpha val="80000"/>
+              </a:schemeClr>
+            </a:solidFill>
+          </a:ln>
+          <a:effectLst/>
+        </p:spPr>
+        <p:style>
+          <a:lnRef idx="2">
+            <a:schemeClr val="accent1">
+              <a:shade val="50000"/>
+            </a:schemeClr>
+          </a:lnRef>
+          <a:fillRef idx="1001">
+            <a:schemeClr val="dk2"/>
+          </a:fillRef>
+          <a:effectRef idx="0">
+            <a:schemeClr val="accent1"/>
+          </a:effectRef>
+          <a:fontRef idx="minor">
+            <a:schemeClr val="lt1"/>
+          </a:fontRef>
+        </p:style>
+        <p:txBody>
+          <a:bodyPr rot="0" spcFirstLastPara="0" vertOverflow="overflow" horzOverflow="overflow" vert="horz" wrap="square" lIns="91440" tIns="45720" rIns="91440" bIns="45720" numCol="1" spcCol="0" rtlCol="0" fromWordArt="0" anchor="ctr" anchorCtr="0" forceAA="0" compatLnSpc="1">
+            <a:prstTxWarp prst="textNoShape">
+              <a:avLst/>
+            </a:prstTxWarp>
+            <a:noAutofit/>
+          </a:bodyPr>
+          <a:lstStyle/>
+          <a:p>
+            <a:pPr algn="ctr"/>
+            <a:endParaRPr lang="en-US" sz="2800" b="1" dirty="0">
+              <a:solidFill>
+                <a:srgbClr val="FFFFFF"/>
+              </a:solidFill>
+              <a:effectLst>
+                <a:outerShdw blurRad="38100" dist="38100" dir="2700000" algn="tl">
+                  <a:srgbClr val="000000">
+                    <a:alpha val="43137"/>
+                  </a:srgbClr>
+                </a:outerShdw>
+              </a:effectLst>
+            </a:endParaRPr>
+          </a:p>
+        </p:txBody>
+      </p:sp>
+    </p:spTree>
+    <p:extLst>
+      <p:ext uri="{BB962C8B-B14F-4D97-AF65-F5344CB8AC3E}">
+        <p14:creationId xmlns:p14="http://schemas.microsoft.com/office/powerpoint/2010/main" val="4190528575"/>
+      </p:ext>
+    </p:extLst>
+  </p:cSld>
+  <p:clrMapOvr>
+    <a:masterClrMapping/>
+  </p:clrMapOvr>
+  <mc:AlternateContent xmlns:mc="http://schemas.openxmlformats.org/markup-compatibility/2006" xmlns:p14="http://schemas.microsoft.com/office/powerpoint/2010/main">
+    <mc:Choice Requires="p14">
+      <p:transition spd="slow" p14:dur="2000" advClick="0" advTm="5000"/>
+    </mc:Choice>
+    <mc:Fallback xmlns="">
+      <p:transition spd="slow" advClick="0" advTm="5000"/>
+    </mc:Fallback>
+  </mc:AlternateContent>
+  <p:timing>
+    <p:tnLst>
+      <p:par>
+        <p:cTn id="1" dur="indefinite" restart="never" nodeType="tmRoot">
+          <p:childTnLst>
+            <p:seq concurrent="1" nextAc="seek">
+              <p:cTn id="2" dur="indefinite" nodeType="mainSeq">
+                <p:childTnLst>
+                  <p:par>
+                    <p:cTn id="3" fill="hold">
+                      <p:stCondLst>
+                        <p:cond delay="indefinite"/>
+                      </p:stCondLst>
+                      <p:childTnLst>
+                        <p:par>
+                          <p:cTn id="4" fill="hold">
+                            <p:stCondLst>
+                              <p:cond delay="0"/>
+                            </p:stCondLst>
+                            <p:childTnLst>
+                              <p:par>
+                                <p:cTn id="5" presetID="1" presetClass="entr" presetSubtype="0" fill="hold" nodeType="clickEffect">
+                                  <p:stCondLst>
+                                    <p:cond delay="0"/>
+                                  </p:stCondLst>
+                                  <p:childTnLst>
+                                    <p:set>
+                                      <p:cBhvr>
+                                        <p:cTn id="6" dur="1" fill="hold">
+                                          <p:stCondLst>
+                                            <p:cond delay="0"/>
+                                          </p:stCondLst>
+                                        </p:cTn>
+                                        <p:tgtEl>
+                                          <p:spTgt spid="5"/>
+                                        </p:tgtEl>
+                                        <p:attrNameLst>
+                                          <p:attrName>style.visibility</p:attrName>
+                                        </p:attrNameLst>
+                                      </p:cBhvr>
+                                      <p:to>
+                                        <p:strVal val="visible"/>
+                                      </p:to>
+                                    </p:set>
+                                  </p:childTnLst>
+                                </p:cTn>
+                              </p:par>
+                            </p:childTnLst>
+                          </p:cTn>
+                        </p:par>
+                      </p:childTnLst>
+                    </p:cTn>
+                  </p:par>
+                  <p:par>
+                    <p:cTn id="7" fill="hold">
+                      <p:stCondLst>
+                        <p:cond delay="indefinite"/>
+                      </p:stCondLst>
+                      <p:childTnLst>
+                        <p:par>
+                          <p:cTn id="8" fill="hold">
+                            <p:stCondLst>
+                              <p:cond delay="0"/>
+                            </p:stCondLst>
+                            <p:childTnLst>
+                              <p:par>
+                                <p:cTn id="9" presetID="1" presetClass="entr" presetSubtype="0" fill="hold" grpId="0" nodeType="clickEffect">
+                                  <p:stCondLst>
+                                    <p:cond delay="0"/>
+                                  </p:stCondLst>
+                                  <p:childTnLst>
+                                    <p:set>
+                                      <p:cBhvr>
+                                        <p:cTn id="10" dur="1" fill="hold">
+                                          <p:stCondLst>
+                                            <p:cond delay="0"/>
+                                          </p:stCondLst>
+                                        </p:cTn>
+                                        <p:tgtEl>
+                                          <p:spTgt spid="8"/>
+                                        </p:tgtEl>
+                                        <p:attrNameLst>
+                                          <p:attrName>style.visibility</p:attrName>
+                                        </p:attrNameLst>
+                                      </p:cBhvr>
+                                      <p:to>
+                                        <p:strVal val="visible"/>
+                                      </p:to>
+                                    </p:set>
+                                  </p:childTnLst>
+                                </p:cTn>
+                              </p:par>
+                            </p:childTnLst>
+                          </p:cTn>
+                        </p:par>
+                      </p:childTnLst>
+                    </p:cTn>
+                  </p:par>
+                  <p:par>
+                    <p:cTn id="11" fill="hold">
+                      <p:stCondLst>
+                        <p:cond delay="indefinite"/>
+                      </p:stCondLst>
+                      <p:childTnLst>
+                        <p:par>
+                          <p:cTn id="12" fill="hold">
+                            <p:stCondLst>
+                              <p:cond delay="0"/>
+                            </p:stCondLst>
+                            <p:childTnLst>
+                              <p:par>
+                                <p:cTn id="13" presetID="1" presetClass="entr" presetSubtype="0" fill="hold" nodeType="clickEffect">
+                                  <p:stCondLst>
+                                    <p:cond delay="0"/>
+                                  </p:stCondLst>
+                                  <p:childTnLst>
+                                    <p:set>
+                                      <p:cBhvr>
+                                        <p:cTn id="14" dur="1" fill="hold">
+                                          <p:stCondLst>
+                                            <p:cond delay="0"/>
+                                          </p:stCondLst>
+                                        </p:cTn>
+                                        <p:tgtEl>
+                                          <p:spTgt spid="10"/>
+                                        </p:tgtEl>
+                                        <p:attrNameLst>
+                                          <p:attrName>style.visibility</p:attrName>
+                                        </p:attrNameLst>
+                                      </p:cBhvr>
+                                      <p:to>
+                                        <p:strVal val="visible"/>
+                                      </p:to>
+                                    </p:set>
+                                  </p:childTnLst>
+                                </p:cTn>
+                              </p:par>
+                            </p:childTnLst>
+                          </p:cTn>
+                        </p:par>
+                      </p:childTnLst>
+                    </p:cTn>
+                  </p:par>
+                  <p:par>
+                    <p:cTn id="15" fill="hold">
+                      <p:stCondLst>
+                        <p:cond delay="indefinite"/>
+                      </p:stCondLst>
+                      <p:childTnLst>
+                        <p:par>
+                          <p:cTn id="16" fill="hold">
+                            <p:stCondLst>
+                              <p:cond delay="0"/>
+                            </p:stCondLst>
+                            <p:childTnLst>
+                              <p:par>
+                                <p:cTn id="17" presetID="1" presetClass="entr" presetSubtype="0" fill="hold" nodeType="clickEffect">
+                                  <p:stCondLst>
+                                    <p:cond delay="0"/>
+                                  </p:stCondLst>
+                                  <p:childTnLst>
+                                    <p:set>
+                                      <p:cBhvr>
+                                        <p:cTn id="18" dur="1" fill="hold">
+                                          <p:stCondLst>
+                                            <p:cond delay="0"/>
+                                          </p:stCondLst>
+                                        </p:cTn>
+                                        <p:tgtEl>
+                                          <p:spTgt spid="7"/>
+                                        </p:tgtEl>
+                                        <p:attrNameLst>
+                                          <p:attrName>style.visibility</p:attrName>
+                                        </p:attrNameLst>
+                                      </p:cBhvr>
+                                      <p:to>
+                                        <p:strVal val="visible"/>
+                                      </p:to>
+                                    </p:set>
+                                  </p:childTnLst>
+                                </p:cTn>
+                              </p:par>
+                            </p:childTnLst>
+                          </p:cTn>
+                        </p:par>
+                      </p:childTnLst>
+                    </p:cTn>
+                  </p:par>
+                  <p:par>
+                    <p:cTn id="19" fill="hold">
+                      <p:stCondLst>
+                        <p:cond delay="indefinite"/>
+                      </p:stCondLst>
+                      <p:childTnLst>
+                        <p:par>
+                          <p:cTn id="20" fill="hold">
+                            <p:stCondLst>
+                              <p:cond delay="0"/>
+                            </p:stCondLst>
+                            <p:childTnLst>
+                              <p:par>
+                                <p:cTn id="21" presetID="1" presetClass="entr" presetSubtype="0" fill="hold" nodeType="clickEffect">
+                                  <p:stCondLst>
+                                    <p:cond delay="0"/>
+                                  </p:stCondLst>
+                                  <p:childTnLst>
+                                    <p:set>
+                                      <p:cBhvr>
+                                        <p:cTn id="22" dur="1" fill="hold">
+                                          <p:stCondLst>
+                                            <p:cond delay="0"/>
+                                          </p:stCondLst>
+                                        </p:cTn>
+                                        <p:tgtEl>
+                                          <p:spTgt spid="3">
+                                            <p:txEl>
+                                              <p:pRg st="1" end="1"/>
+                                            </p:txEl>
+                                          </p:spTgt>
+                                        </p:tgtEl>
+                                        <p:attrNameLst>
+                                          <p:attrName>style.visibility</p:attrName>
+                                        </p:attrNameLst>
+                                      </p:cBhvr>
+                                      <p:to>
+                                        <p:strVal val="visible"/>
+                                      </p:to>
+                                    </p:set>
+                                  </p:childTnLst>
+                                </p:cTn>
+                              </p:par>
+                            </p:childTnLst>
+                          </p:cTn>
+                        </p:par>
+                      </p:childTnLst>
+                    </p:cTn>
+                  </p:par>
+                  <p:par>
+                    <p:cTn id="23" fill="hold">
+                      <p:stCondLst>
+                        <p:cond delay="indefinite"/>
+                      </p:stCondLst>
+                      <p:childTnLst>
+                        <p:par>
+                          <p:cTn id="24" fill="hold">
+                            <p:stCondLst>
+                              <p:cond delay="0"/>
+                            </p:stCondLst>
+                            <p:childTnLst>
+                              <p:par>
+                                <p:cTn id="25" presetID="1" presetClass="entr" presetSubtype="0" fill="hold" nodeType="clickEffect">
+                                  <p:stCondLst>
+                                    <p:cond delay="0"/>
+                                  </p:stCondLst>
+                                  <p:childTnLst>
+                                    <p:set>
+                                      <p:cBhvr>
+                                        <p:cTn id="26" dur="1" fill="hold">
+                                          <p:stCondLst>
+                                            <p:cond delay="0"/>
+                                          </p:stCondLst>
+                                        </p:cTn>
+                                        <p:tgtEl>
+                                          <p:spTgt spid="15"/>
+                                        </p:tgtEl>
+                                        <p:attrNameLst>
+                                          <p:attrName>style.visibility</p:attrName>
+                                        </p:attrNameLst>
+                                      </p:cBhvr>
+                                      <p:to>
+                                        <p:strVal val="visible"/>
+                                      </p:to>
+                                    </p:set>
+                                  </p:childTnLst>
+                                </p:cTn>
+                              </p:par>
+                            </p:childTnLst>
+                          </p:cTn>
+                        </p:par>
+                      </p:childTnLst>
+                    </p:cTn>
+                  </p:par>
+                  <p:par>
+                    <p:cTn id="27" fill="hold">
+                      <p:stCondLst>
+                        <p:cond delay="indefinite"/>
+                      </p:stCondLst>
+                      <p:childTnLst>
+                        <p:par>
+                          <p:cTn id="28" fill="hold">
+                            <p:stCondLst>
+                              <p:cond delay="0"/>
+                            </p:stCondLst>
+                            <p:childTnLst>
+                              <p:par>
+                                <p:cTn id="29" presetID="1" presetClass="entr" presetSubtype="0" fill="hold" grpId="0" nodeType="clickEffect">
+                                  <p:stCondLst>
+                                    <p:cond delay="0"/>
+                                  </p:stCondLst>
+                                  <p:childTnLst>
+                                    <p:set>
+                                      <p:cBhvr>
+                                        <p:cTn id="30" dur="1" fill="hold">
+                                          <p:stCondLst>
+                                            <p:cond delay="0"/>
+                                          </p:stCondLst>
+                                        </p:cTn>
+                                        <p:tgtEl>
+                                          <p:spTgt spid="18"/>
+                                        </p:tgtEl>
+                                        <p:attrNameLst>
+                                          <p:attrName>style.visibility</p:attrName>
+                                        </p:attrNameLst>
+                                      </p:cBhvr>
+                                      <p:to>
+                                        <p:strVal val="visible"/>
+                                      </p:to>
+                                    </p:set>
+                                  </p:childTnLst>
+                                </p:cTn>
+                              </p:par>
+                            </p:childTnLst>
+                          </p:cTn>
+                        </p:par>
+                      </p:childTnLst>
+                    </p:cTn>
+                  </p:par>
+                  <p:par>
+                    <p:cTn id="31" fill="hold">
+                      <p:stCondLst>
+                        <p:cond delay="indefinite"/>
+                      </p:stCondLst>
+                      <p:childTnLst>
+                        <p:par>
+                          <p:cTn id="32" fill="hold">
+                            <p:stCondLst>
+                              <p:cond delay="0"/>
+                            </p:stCondLst>
+                            <p:childTnLst>
+                              <p:par>
+                                <p:cTn id="33" presetID="1" presetClass="entr" presetSubtype="0" fill="hold" grpId="0" nodeType="clickEffect">
+                                  <p:stCondLst>
+                                    <p:cond delay="0"/>
+                                  </p:stCondLst>
+                                  <p:childTnLst>
+                                    <p:set>
+                                      <p:cBhvr>
+                                        <p:cTn id="34" dur="1" fill="hold">
+                                          <p:stCondLst>
+                                            <p:cond delay="0"/>
+                                          </p:stCondLst>
+                                        </p:cTn>
+                                        <p:tgtEl>
+                                          <p:spTgt spid="17"/>
+                                        </p:tgtEl>
+                                        <p:attrNameLst>
+                                          <p:attrName>style.visibility</p:attrName>
+                                        </p:attrNameLst>
+                                      </p:cBhvr>
+                                      <p:to>
+                                        <p:strVal val="visible"/>
+                                      </p:to>
+                                    </p:set>
+                                  </p:childTnLst>
+                                </p:cTn>
+                              </p:par>
+                            </p:childTnLst>
+                          </p:cTn>
+                        </p:par>
+                      </p:childTnLst>
+                    </p:cTn>
+                  </p:par>
+                </p:childTnLst>
+              </p:cTn>
+              <p:prevCondLst>
+                <p:cond evt="onPrev" delay="0">
+                  <p:tgtEl>
+                    <p:sldTgt/>
+                  </p:tgtEl>
+                </p:cond>
+              </p:prevCondLst>
+              <p:nextCondLst>
+                <p:cond evt="onNext" delay="0">
+                  <p:tgtEl>
+                    <p:sldTgt/>
+                  </p:tgtEl>
+                </p:cond>
+              </p:nextCondLst>
+            </p:seq>
+          </p:childTnLst>
+        </p:cTn>
+      </p:par>
+    </p:tnLst>
+    <p:bldLst>
+      <p:bldP spid="8" grpId="0" animBg="1"/>
+      <p:bldP spid="17" grpId="0" animBg="1"/>
+      <p:bldP spid="18" grpId="0" animBg="1"/>
+    </p:bldLst>
+  </p:timing>
+</p:sld>
+</file>
+
+<file path=ppt/slides/slide13.xml><?xml version="1.0" encoding="utf-8"?>
+<p:sld xmlns:a="http://schemas.openxmlformats.org/drawingml/2006/main" xmlns:r="http://schemas.openxmlformats.org/officeDocument/2006/relationships" xmlns:p="http://schemas.openxmlformats.org/presentationml/2006/main">
+  <p:cSld>
+    <p:spTree>
+      <p:nvGrpSpPr>
+        <p:cNvPr id="1" name=""/>
+        <p:cNvGrpSpPr/>
+        <p:nvPr/>
+      </p:nvGrpSpPr>
+      <p:grpSpPr>
+        <a:xfrm>
+          <a:off x="0" y="0"/>
+          <a:ext cx="0" cy="0"/>
+          <a:chOff x="0" y="0"/>
+          <a:chExt cx="0" cy="0"/>
+        </a:xfrm>
+      </p:grpSpPr>
+      <p:sp>
+        <p:nvSpPr>
+          <p:cNvPr id="2" name="Slide Number Placeholder 1"/>
+          <p:cNvSpPr>
+            <a:spLocks noGrp="1"/>
+          </p:cNvSpPr>
+          <p:nvPr>
+            <p:ph type="sldNum" sz="quarter" idx="5"/>
+          </p:nvPr>
+        </p:nvSpPr>
+        <p:spPr/>
+        <p:txBody>
+          <a:bodyPr/>
+          <a:lstStyle/>
+          <a:p>
+            <a:fld id="{2BF067CD-8E6B-4360-9AA8-C5DF2A48A6D1}" type="slidenum">
+              <a:rPr lang="en-US" noProof="0" smtClean="0"/>
+              <a:pPr/>
+              <a:t>13</a:t>
+            </a:fld>
+            <a:endParaRPr lang="en-US" noProof="0" dirty="0"/>
+          </a:p>
+        </p:txBody>
+      </p:sp>
+      <p:sp>
+        <p:nvSpPr>
+          <p:cNvPr id="3" name="Text Placeholder 2"/>
+          <p:cNvSpPr>
+            <a:spLocks noGrp="1"/>
+          </p:cNvSpPr>
+          <p:nvPr>
+            <p:ph type="body" sz="quarter" idx="10"/>
+          </p:nvPr>
+        </p:nvSpPr>
+        <p:spPr/>
+        <p:txBody>
+          <a:bodyPr/>
+          <a:lstStyle/>
+          <a:p>
+            <a:r>
+              <a:rPr lang="bg-BG" dirty="0" smtClean="0"/>
+              <a:t>След като изберем функцията, която желаем, трябва да въведем аргументите за изчислението на функцията</a:t>
+            </a:r>
+            <a:endParaRPr lang="en-US" dirty="0"/>
+          </a:p>
+        </p:txBody>
+      </p:sp>
+      <p:sp>
+        <p:nvSpPr>
+          <p:cNvPr id="4" name="Title 3"/>
+          <p:cNvSpPr>
+            <a:spLocks noGrp="1"/>
+          </p:cNvSpPr>
+          <p:nvPr>
+            <p:ph type="title"/>
+          </p:nvPr>
+        </p:nvSpPr>
+        <p:spPr/>
+        <p:txBody>
+          <a:bodyPr/>
+          <a:lstStyle/>
+          <a:p>
+            <a:r>
+              <a:rPr lang="en-US" dirty="0"/>
+              <a:t>Insert Function</a:t>
+            </a:r>
+          </a:p>
+        </p:txBody>
+      </p:sp>
+      <p:pic>
+        <p:nvPicPr>
+          <p:cNvPr id="5" name="Picture 4"/>
+          <p:cNvPicPr>
+            <a:picLocks noChangeAspect="1"/>
+          </p:cNvPicPr>
+          <p:nvPr/>
+        </p:nvPicPr>
+        <p:blipFill>
+          <a:blip r:embed="rId2"/>
+          <a:stretch>
+            <a:fillRect/>
+          </a:stretch>
+        </p:blipFill>
+        <p:spPr>
+          <a:xfrm>
+            <a:off x="3041175" y="2844000"/>
+            <a:ext cx="6116550" cy="3564472"/>
+          </a:xfrm>
+          <a:prstGeom prst="rect">
+            <a:avLst/>
+          </a:prstGeom>
+          <a:ln>
+            <a:solidFill>
+              <a:schemeClr val="bg2">
+                <a:lumMod val="75000"/>
+              </a:schemeClr>
+            </a:solidFill>
+          </a:ln>
+        </p:spPr>
+      </p:pic>
+    </p:spTree>
+    <p:extLst>
+      <p:ext uri="{BB962C8B-B14F-4D97-AF65-F5344CB8AC3E}">
+        <p14:creationId xmlns:p14="http://schemas.microsoft.com/office/powerpoint/2010/main" val="2875565093"/>
+      </p:ext>
+    </p:extLst>
+  </p:cSld>
+  <p:clrMapOvr>
+    <a:masterClrMapping/>
+  </p:clrMapOvr>
+  <mc:AlternateContent xmlns:mc="http://schemas.openxmlformats.org/markup-compatibility/2006" xmlns:p14="http://schemas.microsoft.com/office/powerpoint/2010/main">
+    <mc:Choice Requires="p14">
+      <p:transition spd="slow" p14:dur="2000" advClick="0" advTm="5000"/>
+    </mc:Choice>
+    <mc:Fallback xmlns="">
+      <p:transition spd="slow" advClick="0" advTm="5000"/>
+    </mc:Fallback>
+  </mc:AlternateContent>
+  <p:timing>
+    <p:tnLst>
+      <p:par>
+        <p:cTn id="1" dur="indefinite" restart="never" nodeType="tmRoot"/>
+      </p:par>
+    </p:tnLst>
+  </p:timing>
+</p:sld>
+</file>
+
+<file path=ppt/slides/slide14.xml><?xml version="1.0" encoding="utf-8"?>
+<p:sld xmlns:a="http://schemas.openxmlformats.org/drawingml/2006/main" xmlns:r="http://schemas.openxmlformats.org/officeDocument/2006/relationships" xmlns:p="http://schemas.openxmlformats.org/presentationml/2006/main">
+  <p:cSld>
+    <p:spTree>
+      <p:nvGrpSpPr>
+        <p:cNvPr id="1" name=""/>
+        <p:cNvGrpSpPr/>
+        <p:nvPr/>
+      </p:nvGrpSpPr>
+      <p:grpSpPr>
+        <a:xfrm>
+          <a:off x="0" y="0"/>
+          <a:ext cx="0" cy="0"/>
+          <a:chOff x="0" y="0"/>
+          <a:chExt cx="0" cy="0"/>
+        </a:xfrm>
+      </p:grpSpPr>
+      <p:sp>
+        <p:nvSpPr>
+          <p:cNvPr id="2" name="Slide Number Placeholder 1"/>
+          <p:cNvSpPr>
+            <a:spLocks noGrp="1"/>
+          </p:cNvSpPr>
+          <p:nvPr>
+            <p:ph type="sldNum" sz="quarter" idx="5"/>
+          </p:nvPr>
+        </p:nvSpPr>
+        <p:spPr/>
+        <p:txBody>
+          <a:bodyPr/>
+          <a:lstStyle/>
+          <a:p>
+            <a:fld id="{2BF067CD-8E6B-4360-9AA8-C5DF2A48A6D1}" type="slidenum">
+              <a:rPr lang="en-US" noProof="0" smtClean="0"/>
+              <a:pPr/>
+              <a:t>14</a:t>
+            </a:fld>
+            <a:endParaRPr lang="en-US" noProof="0" dirty="0"/>
+          </a:p>
+        </p:txBody>
+      </p:sp>
+      <p:sp>
+        <p:nvSpPr>
+          <p:cNvPr id="3" name="Text Placeholder 2"/>
+          <p:cNvSpPr>
+            <a:spLocks noGrp="1"/>
+          </p:cNvSpPr>
+          <p:nvPr>
+            <p:ph type="body" sz="quarter" idx="10"/>
+          </p:nvPr>
+        </p:nvSpPr>
+        <p:spPr/>
+        <p:txBody>
+          <a:bodyPr/>
+          <a:lstStyle/>
+          <a:p>
+            <a:pPr lvl="2"/>
+            <a:r>
+              <a:rPr lang="bg-BG" dirty="0"/>
+              <a:t>Изписва формулата в </a:t>
+            </a:r>
+            <a:r>
+              <a:rPr lang="bg-BG" dirty="0" smtClean="0"/>
+              <a:t>клетка </a:t>
+            </a:r>
+            <a:r>
+              <a:rPr lang="bg-BG" dirty="0"/>
+              <a:t>без попълнени аргументи</a:t>
+            </a:r>
+          </a:p>
+          <a:p>
+            <a:endParaRPr lang="en-US" dirty="0"/>
+          </a:p>
+        </p:txBody>
+      </p:sp>
+      <p:sp>
+        <p:nvSpPr>
+          <p:cNvPr id="4" name="Title 3"/>
+          <p:cNvSpPr>
+            <a:spLocks noGrp="1"/>
+          </p:cNvSpPr>
+          <p:nvPr>
+            <p:ph type="title"/>
+          </p:nvPr>
+        </p:nvSpPr>
+        <p:spPr/>
+        <p:txBody>
+          <a:bodyPr/>
+          <a:lstStyle/>
+          <a:p>
+            <a:r>
+              <a:rPr lang="en-US" dirty="0"/>
+              <a:t>AutoSum</a:t>
+            </a:r>
+          </a:p>
+        </p:txBody>
+      </p:sp>
+    </p:spTree>
+    <p:extLst>
+      <p:ext uri="{BB962C8B-B14F-4D97-AF65-F5344CB8AC3E}">
+        <p14:creationId xmlns:p14="http://schemas.microsoft.com/office/powerpoint/2010/main" val="2291882359"/>
+      </p:ext>
+    </p:extLst>
+  </p:cSld>
+  <p:clrMapOvr>
+    <a:masterClrMapping/>
+  </p:clrMapOvr>
+  <mc:AlternateContent xmlns:mc="http://schemas.openxmlformats.org/markup-compatibility/2006" xmlns:p14="http://schemas.microsoft.com/office/powerpoint/2010/main">
+    <mc:Choice Requires="p14">
+      <p:transition spd="slow" p14:dur="2000" advClick="0" advTm="5000"/>
+    </mc:Choice>
+    <mc:Fallback xmlns="">
+      <p:transition spd="slow" advClick="0" advTm="5000"/>
+    </mc:Fallback>
+  </mc:AlternateContent>
+  <p:timing>
+    <p:tnLst>
+      <p:par>
+        <p:cTn id="1" dur="indefinite" restart="never" nodeType="tmRoot"/>
+      </p:par>
+    </p:tnLst>
+  </p:timing>
+</p:sld>
+</file>
+
+<file path=ppt/slides/slide15.xml><?xml version="1.0" encoding="utf-8"?>
+<p:sld xmlns:a="http://schemas.openxmlformats.org/drawingml/2006/main" xmlns:r="http://schemas.openxmlformats.org/officeDocument/2006/relationships" xmlns:p="http://schemas.openxmlformats.org/presentationml/2006/main">
+  <p:cSld>
+    <p:spTree>
+      <p:nvGrpSpPr>
+        <p:cNvPr id="1" name=""/>
+        <p:cNvGrpSpPr/>
+        <p:nvPr/>
+      </p:nvGrpSpPr>
+      <p:grpSpPr>
+        <a:xfrm>
+          <a:off x="0" y="0"/>
+          <a:ext cx="0" cy="0"/>
+          <a:chOff x="0" y="0"/>
+          <a:chExt cx="0" cy="0"/>
+        </a:xfrm>
+      </p:grpSpPr>
+      <p:sp>
+        <p:nvSpPr>
+          <p:cNvPr id="2" name="Slide Number Placeholder 1"/>
+          <p:cNvSpPr>
+            <a:spLocks noGrp="1"/>
+          </p:cNvSpPr>
+          <p:nvPr>
+            <p:ph type="sldNum" sz="quarter" idx="5"/>
+          </p:nvPr>
+        </p:nvSpPr>
+        <p:spPr/>
+        <p:txBody>
+          <a:bodyPr/>
+          <a:lstStyle/>
+          <a:p>
+            <a:fld id="{2BF067CD-8E6B-4360-9AA8-C5DF2A48A6D1}" type="slidenum">
+              <a:rPr lang="en-US" noProof="0" smtClean="0"/>
+              <a:pPr/>
+              <a:t>15</a:t>
+            </a:fld>
+            <a:endParaRPr lang="en-US" noProof="0" dirty="0"/>
+          </a:p>
+        </p:txBody>
+      </p:sp>
+      <p:sp>
+        <p:nvSpPr>
+          <p:cNvPr id="3" name="Text Placeholder 2"/>
+          <p:cNvSpPr>
+            <a:spLocks noGrp="1"/>
+          </p:cNvSpPr>
+          <p:nvPr>
+            <p:ph type="body" sz="quarter" idx="10"/>
+          </p:nvPr>
+        </p:nvSpPr>
+        <p:spPr/>
+        <p:txBody>
+          <a:bodyPr/>
+          <a:lstStyle/>
+          <a:p>
+            <a:endParaRPr lang="en-US" dirty="0"/>
+          </a:p>
+        </p:txBody>
+      </p:sp>
+      <p:sp>
+        <p:nvSpPr>
+          <p:cNvPr id="4" name="Title 3"/>
+          <p:cNvSpPr>
+            <a:spLocks noGrp="1"/>
+          </p:cNvSpPr>
+          <p:nvPr>
+            <p:ph type="title"/>
+          </p:nvPr>
+        </p:nvSpPr>
+        <p:spPr/>
+        <p:txBody>
+          <a:bodyPr/>
+          <a:lstStyle/>
+          <a:p>
+            <a:r>
+              <a:rPr lang="bg-BG" dirty="0"/>
+              <a:t>Ръчно писане на формулите</a:t>
+            </a:r>
+            <a:endParaRPr lang="en-US" dirty="0"/>
+          </a:p>
+        </p:txBody>
+      </p:sp>
+    </p:spTree>
+    <p:extLst>
+      <p:ext uri="{BB962C8B-B14F-4D97-AF65-F5344CB8AC3E}">
+        <p14:creationId xmlns:p14="http://schemas.microsoft.com/office/powerpoint/2010/main" val="4088005791"/>
+      </p:ext>
+    </p:extLst>
+  </p:cSld>
+  <p:clrMapOvr>
+    <a:masterClrMapping/>
+  </p:clrMapOvr>
+  <mc:AlternateContent xmlns:mc="http://schemas.openxmlformats.org/markup-compatibility/2006" xmlns:p14="http://schemas.microsoft.com/office/powerpoint/2010/main">
+    <mc:Choice Requires="p14">
+      <p:transition spd="slow" p14:dur="2000" advClick="0" advTm="5000"/>
+    </mc:Choice>
+    <mc:Fallback xmlns="">
+      <p:transition spd="slow" advClick="0" advTm="5000"/>
+    </mc:Fallback>
+  </mc:AlternateContent>
+  <p:timing>
+    <p:tnLst>
+      <p:par>
+        <p:cTn id="1" dur="indefinite" restart="never" nodeType="tmRoot"/>
+      </p:par>
+    </p:tnLst>
+  </p:timing>
+</p:sld>
+</file>
+
+<file path=ppt/slides/slide16.xml><?xml version="1.0" encoding="utf-8"?>
+<p:sld xmlns:a="http://schemas.openxmlformats.org/drawingml/2006/main" xmlns:r="http://schemas.openxmlformats.org/officeDocument/2006/relationships" xmlns:p="http://schemas.openxmlformats.org/presentationml/2006/main">
+  <p:cSld>
+    <p:spTree>
+      <p:nvGrpSpPr>
+        <p:cNvPr id="1" name=""/>
+        <p:cNvGrpSpPr/>
+        <p:nvPr/>
+      </p:nvGrpSpPr>
+      <p:grpSpPr>
+        <a:xfrm>
+          <a:off x="0" y="0"/>
+          <a:ext cx="0" cy="0"/>
+          <a:chOff x="0" y="0"/>
+          <a:chExt cx="0" cy="0"/>
+        </a:xfrm>
+      </p:grpSpPr>
+      <p:sp>
+        <p:nvSpPr>
+          <p:cNvPr id="14" name="Text Placeholder 4">
+            <a:extLst>
+              <a:ext uri="{FF2B5EF4-FFF2-40B4-BE49-F238E27FC236}">
+                <a16:creationId xmlns:a16="http://schemas.microsoft.com/office/drawing/2014/main" id="{0E49D336-45B6-44D3-97C4-E28F8DEA2022}"/>
+              </a:ext>
+            </a:extLst>
+          </p:cNvPr>
+          <p:cNvSpPr>
+            <a:spLocks noGrp="1"/>
+          </p:cNvSpPr>
+          <p:nvPr>
+            <p:ph type="body" sz="quarter" idx="10"/>
+          </p:nvPr>
+        </p:nvSpPr>
+        <p:spPr>
+          <a:xfrm>
+            <a:off x="869725" y="1577986"/>
+            <a:ext cx="7581212" cy="4772369"/>
+          </a:xfrm>
+        </p:spPr>
+        <p:txBody>
+          <a:bodyPr/>
+          <a:lstStyle>
+            <a:lvl1pPr marL="514350" indent="-514350">
+              <a:buFont typeface="Wingdings" panose="05000000000000000000" pitchFamily="2" charset="2"/>
+              <a:buChar char="§"/>
+              <a:defRPr>
+                <a:solidFill>
+                  <a:schemeClr val="bg2"/>
+                </a:solidFill>
+              </a:defRPr>
+            </a:lvl1pPr>
+            <a:lvl2pPr marL="1123935" indent="-514350">
+              <a:buFont typeface="Wingdings" panose="05000000000000000000" pitchFamily="2" charset="2"/>
+              <a:buChar char="§"/>
+              <a:defRPr>
+                <a:solidFill>
+                  <a:schemeClr val="tx1"/>
+                </a:solidFill>
+              </a:defRPr>
+            </a:lvl2pPr>
+            <a:lvl3pPr marL="1733520" indent="-514350">
+              <a:buFont typeface="Wingdings" panose="05000000000000000000" pitchFamily="2" charset="2"/>
+              <a:buChar char="§"/>
+              <a:defRPr>
+                <a:solidFill>
+                  <a:schemeClr val="tx1"/>
+                </a:solidFill>
+              </a:defRPr>
+            </a:lvl3pPr>
+            <a:lvl4pPr marL="2343105" indent="-514350">
+              <a:buFont typeface="Wingdings" panose="05000000000000000000" pitchFamily="2" charset="2"/>
+              <a:buChar char="§"/>
+              <a:defRPr>
+                <a:solidFill>
+                  <a:schemeClr val="tx1"/>
+                </a:solidFill>
+              </a:defRPr>
+            </a:lvl4pPr>
+            <a:lvl5pPr marL="2952689" indent="-514350">
+              <a:buFont typeface="Wingdings" panose="05000000000000000000" pitchFamily="2" charset="2"/>
+              <a:buChar char="§"/>
+              <a:defRPr>
+                <a:solidFill>
+                  <a:schemeClr val="tx1"/>
+                </a:solidFill>
+              </a:defRPr>
+            </a:lvl5pPr>
+          </a:lstStyle>
+          <a:p>
+            <a:pPr lvl="0"/>
+            <a:r>
+              <a:rPr lang="en-US" dirty="0"/>
+              <a:t>…</a:t>
+            </a:r>
+          </a:p>
+          <a:p>
+            <a:pPr lvl="0"/>
+            <a:r>
+              <a:rPr lang="en-GB" dirty="0"/>
+              <a:t>…</a:t>
+            </a:r>
+            <a:endParaRPr lang="en-US" dirty="0"/>
+          </a:p>
+          <a:p>
+            <a:pPr lvl="0"/>
+            <a:r>
+              <a:rPr lang="en-GB" dirty="0"/>
+              <a:t>…</a:t>
+            </a:r>
+            <a:endParaRPr lang="en-US" dirty="0"/>
+          </a:p>
+          <a:p>
+            <a:pPr lvl="0"/>
+            <a:endParaRPr lang="en-US" dirty="0"/>
+          </a:p>
+        </p:txBody>
+      </p:sp>
+      <p:sp>
+        <p:nvSpPr>
+          <p:cNvPr id="4" name="Title 3"/>
+          <p:cNvSpPr>
+            <a:spLocks noGrp="1"/>
+          </p:cNvSpPr>
+          <p:nvPr>
+            <p:ph type="title"/>
+          </p:nvPr>
+        </p:nvSpPr>
+        <p:spPr/>
+        <p:txBody>
+          <a:bodyPr>
+            <a:normAutofit/>
+          </a:bodyPr>
+          <a:lstStyle/>
+          <a:p>
+            <a:r>
+              <a:rPr lang="bg-BG" dirty="0"/>
+              <a:t>Какво научихме днес?</a:t>
+            </a:r>
+            <a:endParaRPr lang="en-US" dirty="0"/>
+          </a:p>
+        </p:txBody>
+      </p:sp>
+      <p:sp>
+        <p:nvSpPr>
+          <p:cNvPr id="6" name="Slide Number Placeholder 5"/>
+          <p:cNvSpPr>
+            <a:spLocks noGrp="1"/>
+          </p:cNvSpPr>
+          <p:nvPr>
+            <p:ph type="sldNum" sz="quarter" idx="13"/>
+          </p:nvPr>
+        </p:nvSpPr>
+        <p:spPr>
+          <a:xfrm>
+            <a:off x="11566412" y="6397196"/>
+            <a:ext cx="428822" cy="308845"/>
+          </a:xfrm>
+          <a:prstGeom prst="rect">
+            <a:avLst/>
+          </a:prstGeom>
+        </p:spPr>
+        <p:txBody>
+          <a:bodyPr vert="horz" lIns="36000" tIns="36000" rIns="36000" bIns="36000" rtlCol="0" anchor="ctr"/>
+          <a:lstStyle>
+            <a:defPPr>
+              <a:defRPr lang="en-US"/>
+            </a:defPPr>
+            <a:lvl1pPr marL="0" algn="r" defTabSz="914400" rtl="0" eaLnBrk="1" latinLnBrk="0" hangingPunct="1">
+              <a:defRPr sz="1000" kern="1200">
+                <a:solidFill>
+                  <a:schemeClr val="tx1"/>
+                </a:solidFill>
+                <a:latin typeface="+mn-lt"/>
+                <a:ea typeface="+mn-ea"/>
+                <a:cs typeface="+mn-cs"/>
+              </a:defRPr>
+            </a:lvl1pPr>
+            <a:lvl2pPr marL="457200" algn="l" defTabSz="914400" rtl="0" eaLnBrk="1" latinLnBrk="0" hangingPunct="1">
+              <a:defRPr sz="1800" kern="1200">
+                <a:solidFill>
+                  <a:schemeClr val="tx1"/>
+                </a:solidFill>
+                <a:latin typeface="+mn-lt"/>
+                <a:ea typeface="+mn-ea"/>
+                <a:cs typeface="+mn-cs"/>
+              </a:defRPr>
+            </a:lvl2pPr>
+            <a:lvl3pPr marL="914400" algn="l" defTabSz="914400" rtl="0" eaLnBrk="1" latinLnBrk="0" hangingPunct="1">
+              <a:defRPr sz="1800" kern="1200">
+                <a:solidFill>
+                  <a:schemeClr val="tx1"/>
+                </a:solidFill>
+                <a:latin typeface="+mn-lt"/>
+                <a:ea typeface="+mn-ea"/>
+                <a:cs typeface="+mn-cs"/>
+              </a:defRPr>
+            </a:lvl3pPr>
+            <a:lvl4pPr marL="1371600" algn="l" defTabSz="914400" rtl="0" eaLnBrk="1" latinLnBrk="0" hangingPunct="1">
+              <a:defRPr sz="1800" kern="1200">
+                <a:solidFill>
+                  <a:schemeClr val="tx1"/>
+                </a:solidFill>
+                <a:latin typeface="+mn-lt"/>
+                <a:ea typeface="+mn-ea"/>
+                <a:cs typeface="+mn-cs"/>
+              </a:defRPr>
+            </a:lvl4pPr>
+            <a:lvl5pPr marL="1828800" algn="l" defTabSz="914400" rtl="0" eaLnBrk="1" latinLnBrk="0" hangingPunct="1">
+              <a:defRPr sz="1800" kern="1200">
+                <a:solidFill>
+                  <a:schemeClr val="tx1"/>
+                </a:solidFill>
+                <a:latin typeface="+mn-lt"/>
+                <a:ea typeface="+mn-ea"/>
+                <a:cs typeface="+mn-cs"/>
+              </a:defRPr>
+            </a:lvl5pPr>
+            <a:lvl6pPr marL="2286000" algn="l" defTabSz="914400" rtl="0" eaLnBrk="1" latinLnBrk="0" hangingPunct="1">
+              <a:defRPr sz="1800" kern="1200">
+                <a:solidFill>
+                  <a:schemeClr val="tx1"/>
+                </a:solidFill>
+                <a:latin typeface="+mn-lt"/>
+                <a:ea typeface="+mn-ea"/>
+                <a:cs typeface="+mn-cs"/>
+              </a:defRPr>
+            </a:lvl6pPr>
+            <a:lvl7pPr marL="2743200" algn="l" defTabSz="914400" rtl="0" eaLnBrk="1" latinLnBrk="0" hangingPunct="1">
+              <a:defRPr sz="1800" kern="1200">
+                <a:solidFill>
+                  <a:schemeClr val="tx1"/>
+                </a:solidFill>
+                <a:latin typeface="+mn-lt"/>
+                <a:ea typeface="+mn-ea"/>
+                <a:cs typeface="+mn-cs"/>
+              </a:defRPr>
+            </a:lvl7pPr>
+            <a:lvl8pPr marL="3200400" algn="l" defTabSz="914400" rtl="0" eaLnBrk="1" latinLnBrk="0" hangingPunct="1">
+              <a:defRPr sz="1800" kern="1200">
+                <a:solidFill>
+                  <a:schemeClr val="tx1"/>
+                </a:solidFill>
+                <a:latin typeface="+mn-lt"/>
+                <a:ea typeface="+mn-ea"/>
+                <a:cs typeface="+mn-cs"/>
+              </a:defRPr>
+            </a:lvl8pPr>
+            <a:lvl9pPr marL="3657600" algn="l" defTabSz="914400" rtl="0" eaLnBrk="1" latinLnBrk="0" hangingPunct="1">
+              <a:defRPr sz="1800" kern="1200">
+                <a:solidFill>
+                  <a:schemeClr val="tx1"/>
+                </a:solidFill>
+                <a:latin typeface="+mn-lt"/>
+                <a:ea typeface="+mn-ea"/>
+                <a:cs typeface="+mn-cs"/>
+              </a:defRPr>
+            </a:lvl9pPr>
+          </a:lstStyle>
+          <a:p>
+            <a:fld id="{C014DD1E-5D91-48A3-AD6D-45FBA980D106}" type="slidenum">
+              <a:rPr lang="en-US" smtClean="0"/>
+              <a:pPr/>
+              <a:t>16</a:t>
+            </a:fld>
+            <a:endParaRPr lang="en-US" dirty="0"/>
+          </a:p>
+        </p:txBody>
+      </p:sp>
+      <p:grpSp>
+        <p:nvGrpSpPr>
+          <p:cNvPr id="9" name="Group 8">
+            <a:extLst>
+              <a:ext uri="{FF2B5EF4-FFF2-40B4-BE49-F238E27FC236}">
+                <a16:creationId xmlns:a16="http://schemas.microsoft.com/office/drawing/2014/main" id="{EBAFE522-EB7D-4931-A015-9A7E8A98517D}"/>
+              </a:ext>
+            </a:extLst>
+          </p:cNvPr>
+          <p:cNvGrpSpPr/>
+          <p:nvPr/>
+        </p:nvGrpSpPr>
+        <p:grpSpPr>
+          <a:xfrm>
+            <a:off x="196766" y="1314000"/>
+            <a:ext cx="11798468" cy="5300339"/>
+            <a:chOff x="472011" y="1508786"/>
+            <a:chExt cx="3799787" cy="4865561"/>
+          </a:xfrm>
+        </p:grpSpPr>
+        <p:sp>
+          <p:nvSpPr>
+            <p:cNvPr id="10" name="Rounded Rectangle 10">
+              <a:extLst>
+                <a:ext uri="{FF2B5EF4-FFF2-40B4-BE49-F238E27FC236}">
+                  <a16:creationId xmlns:a16="http://schemas.microsoft.com/office/drawing/2014/main" id="{18F78F23-3D09-4B63-8DF9-D49CFBB145EE}"/>
+                </a:ext>
+              </a:extLst>
+            </p:cNvPr>
+            <p:cNvSpPr/>
+            <p:nvPr userDrawn="1"/>
+          </p:nvSpPr>
+          <p:spPr>
+            <a:xfrm>
+              <a:off x="472011" y="1508786"/>
+              <a:ext cx="3799787" cy="4865561"/>
+            </a:xfrm>
+            <a:prstGeom prst="roundRect">
+              <a:avLst>
+                <a:gd name="adj" fmla="val 3968"/>
+              </a:avLst>
+            </a:prstGeom>
+            <a:solidFill>
+              <a:schemeClr val="tx2"/>
+            </a:solidFill>
+            <a:ln>
+              <a:noFill/>
+            </a:ln>
+          </p:spPr>
+          <p:style>
+            <a:lnRef idx="2">
+              <a:schemeClr val="accent1">
+                <a:shade val="50000"/>
+              </a:schemeClr>
+            </a:lnRef>
+            <a:fillRef idx="1">
+              <a:schemeClr val="accent1"/>
+            </a:fillRef>
+            <a:effectRef idx="0">
+              <a:schemeClr val="accent1"/>
+            </a:effectRef>
+            <a:fontRef idx="minor">
+              <a:schemeClr val="lt1"/>
+            </a:fontRef>
+          </p:style>
+          <p:txBody>
+            <a:bodyPr rtlCol="0" anchor="ctr"/>
+            <a:lstStyle/>
+            <a:p>
+              <a:pPr algn="ctr"/>
+              <a:endParaRPr lang="ko-KR" altLang="en-US" sz="2399" dirty="0"/>
+            </a:p>
+          </p:txBody>
+        </p:sp>
+        <p:sp>
+          <p:nvSpPr>
+            <p:cNvPr id="11" name="Rounded Rectangle 16">
+              <a:extLst>
+                <a:ext uri="{FF2B5EF4-FFF2-40B4-BE49-F238E27FC236}">
+                  <a16:creationId xmlns:a16="http://schemas.microsoft.com/office/drawing/2014/main" id="{F12C06CE-2BBE-46C2-B718-813794C58DF9}"/>
+                </a:ext>
+              </a:extLst>
+            </p:cNvPr>
+            <p:cNvSpPr/>
+            <p:nvPr userDrawn="1"/>
+          </p:nvSpPr>
+          <p:spPr>
+            <a:xfrm>
+              <a:off x="540767" y="1781251"/>
+              <a:ext cx="85794" cy="4320631"/>
+            </a:xfrm>
+            <a:prstGeom prst="roundRect">
+              <a:avLst>
+                <a:gd name="adj" fmla="val 50000"/>
+              </a:avLst>
+            </a:prstGeom>
+            <a:solidFill>
+              <a:schemeClr val="bg2">
+                <a:alpha val="41000"/>
+              </a:schemeClr>
+            </a:solidFill>
+            <a:ln>
+              <a:noFill/>
+            </a:ln>
+          </p:spPr>
+          <p:style>
+            <a:lnRef idx="2">
+              <a:schemeClr val="accent1">
+                <a:shade val="50000"/>
+              </a:schemeClr>
+            </a:lnRef>
+            <a:fillRef idx="1">
+              <a:schemeClr val="accent1"/>
+            </a:fillRef>
+            <a:effectRef idx="0">
+              <a:schemeClr val="accent1"/>
+            </a:effectRef>
+            <a:fontRef idx="minor">
+              <a:schemeClr val="lt1"/>
+            </a:fontRef>
+          </p:style>
+          <p:txBody>
+            <a:bodyPr rtlCol="0" anchor="ctr"/>
+            <a:lstStyle/>
+            <a:p>
+              <a:pPr algn="ctr"/>
+              <a:endParaRPr lang="ko-KR" altLang="en-US" sz="2399">
+                <a:solidFill>
+                  <a:schemeClr val="bg1"/>
+                </a:solidFill>
+              </a:endParaRPr>
+            </a:p>
+          </p:txBody>
+        </p:sp>
+        <p:sp>
+          <p:nvSpPr>
+            <p:cNvPr id="12" name="Half Frame 11">
+              <a:extLst>
+                <a:ext uri="{FF2B5EF4-FFF2-40B4-BE49-F238E27FC236}">
+                  <a16:creationId xmlns:a16="http://schemas.microsoft.com/office/drawing/2014/main" id="{66CDBB1E-AF3C-43FC-9F34-2DD691F81726}"/>
+                </a:ext>
+              </a:extLst>
+            </p:cNvPr>
+            <p:cNvSpPr/>
+            <p:nvPr userDrawn="1"/>
+          </p:nvSpPr>
+          <p:spPr>
+            <a:xfrm rot="5400000">
+              <a:off x="3762569" y="1912372"/>
+              <a:ext cx="669775" cy="238503"/>
+            </a:xfrm>
+            <a:prstGeom prst="halfFrame">
+              <a:avLst>
+                <a:gd name="adj1" fmla="val 23728"/>
+                <a:gd name="adj2" fmla="val 24642"/>
+              </a:avLst>
+            </a:prstGeom>
+            <a:solidFill>
+              <a:schemeClr val="bg2">
+                <a:alpha val="23000"/>
+              </a:schemeClr>
+            </a:solidFill>
+            <a:ln>
+              <a:noFill/>
+            </a:ln>
+          </p:spPr>
+          <p:style>
+            <a:lnRef idx="2">
+              <a:schemeClr val="accent1">
+                <a:shade val="50000"/>
+              </a:schemeClr>
+            </a:lnRef>
+            <a:fillRef idx="1">
+              <a:schemeClr val="accent1"/>
+            </a:fillRef>
+            <a:effectRef idx="0">
+              <a:schemeClr val="accent1"/>
+            </a:effectRef>
+            <a:fontRef idx="minor">
+              <a:schemeClr val="lt1"/>
+            </a:fontRef>
+          </p:style>
+          <p:txBody>
+            <a:bodyPr rtlCol="0" anchor="ctr"/>
+            <a:lstStyle/>
+            <a:p>
+              <a:pPr algn="ctr"/>
+              <a:endParaRPr lang="ko-KR" altLang="en-US" sz="2399">
+                <a:solidFill>
+                  <a:schemeClr val="tx1"/>
+                </a:solidFill>
+              </a:endParaRPr>
+            </a:p>
+          </p:txBody>
+        </p:sp>
+      </p:grpSp>
+      <p:sp>
+        <p:nvSpPr>
+          <p:cNvPr id="15" name="Content Placeholder 4">
+            <a:extLst>
+              <a:ext uri="{FF2B5EF4-FFF2-40B4-BE49-F238E27FC236}">
+                <a16:creationId xmlns:a16="http://schemas.microsoft.com/office/drawing/2014/main" id="{B96A0DF8-27E7-4DC8-BBE3-7238AAAEB845}"/>
+              </a:ext>
+            </a:extLst>
+          </p:cNvPr>
+          <p:cNvSpPr txBox="1">
+            <a:spLocks/>
+          </p:cNvSpPr>
+          <p:nvPr/>
+        </p:nvSpPr>
+        <p:spPr>
+          <a:xfrm>
+            <a:off x="741000" y="1610812"/>
+            <a:ext cx="11040744" cy="4894130"/>
+          </a:xfrm>
+          <a:prstGeom prst="rect">
+            <a:avLst/>
+          </a:prstGeom>
+        </p:spPr>
+        <p:txBody>
+          <a:bodyPr vert="horz" lIns="108000" tIns="36000" rIns="108000" bIns="36000" rtlCol="0">
+            <a:noAutofit/>
+          </a:bodyPr>
+          <a:lstStyle>
+            <a:lvl1pPr marL="456915" indent="-456915" algn="l" defTabSz="1218438" rtl="0" eaLnBrk="1" latinLnBrk="0" hangingPunct="1">
+              <a:lnSpc>
+                <a:spcPct val="105000"/>
+              </a:lnSpc>
+              <a:spcBef>
+                <a:spcPts val="600"/>
+              </a:spcBef>
+              <a:spcAft>
+                <a:spcPts val="600"/>
+              </a:spcAft>
+              <a:buFont typeface="Wingdings" panose="05000000000000000000" pitchFamily="2" charset="2"/>
+              <a:buChar char="§"/>
+              <a:defRPr sz="3398" kern="1200">
+                <a:solidFill>
+                  <a:schemeClr val="tx1"/>
+                </a:solidFill>
+                <a:latin typeface="+mn-lt"/>
+                <a:ea typeface="+mn-ea"/>
+                <a:cs typeface="+mn-cs"/>
+              </a:defRPr>
+            </a:lvl1pPr>
+            <a:lvl2pPr marL="989981" indent="-380762" algn="l" defTabSz="1218438" rtl="0" eaLnBrk="1" latinLnBrk="0" hangingPunct="1">
+              <a:lnSpc>
+                <a:spcPct val="105000"/>
+              </a:lnSpc>
+              <a:spcBef>
+                <a:spcPts val="600"/>
+              </a:spcBef>
+              <a:spcAft>
+                <a:spcPts val="600"/>
+              </a:spcAft>
+              <a:buFont typeface="Wingdings" panose="05000000000000000000" pitchFamily="2" charset="2"/>
+              <a:buChar char="§"/>
+              <a:defRPr sz="3198" kern="1200">
+                <a:solidFill>
+                  <a:schemeClr val="tx1"/>
+                </a:solidFill>
+                <a:latin typeface="+mn-lt"/>
+                <a:ea typeface="+mn-ea"/>
+                <a:cs typeface="+mn-cs"/>
+              </a:defRPr>
+            </a:lvl2pPr>
+            <a:lvl3pPr marL="1523048" indent="-304610" algn="l" defTabSz="1218438" rtl="0" eaLnBrk="1" latinLnBrk="0" hangingPunct="1">
+              <a:lnSpc>
+                <a:spcPct val="105000"/>
+              </a:lnSpc>
+              <a:spcBef>
+                <a:spcPts val="600"/>
+              </a:spcBef>
+              <a:spcAft>
+                <a:spcPts val="600"/>
+              </a:spcAft>
+              <a:buFont typeface="Wingdings" panose="05000000000000000000" pitchFamily="2" charset="2"/>
+              <a:buChar char="§"/>
+              <a:defRPr sz="2998" kern="1200">
+                <a:solidFill>
+                  <a:schemeClr val="tx1"/>
+                </a:solidFill>
+                <a:latin typeface="+mn-lt"/>
+                <a:ea typeface="+mn-ea"/>
+                <a:cs typeface="+mn-cs"/>
+              </a:defRPr>
+            </a:lvl3pPr>
+            <a:lvl4pPr marL="2132267" indent="-304610" algn="l" defTabSz="1218438" rtl="0" eaLnBrk="1" latinLnBrk="0" hangingPunct="1">
+              <a:lnSpc>
+                <a:spcPct val="105000"/>
+              </a:lnSpc>
+              <a:spcBef>
+                <a:spcPts val="600"/>
+              </a:spcBef>
+              <a:spcAft>
+                <a:spcPts val="600"/>
+              </a:spcAft>
+              <a:buFont typeface="Wingdings" panose="05000000000000000000" pitchFamily="2" charset="2"/>
+              <a:buChar char="§"/>
+              <a:defRPr sz="2798" kern="1200">
+                <a:solidFill>
+                  <a:schemeClr val="tx1"/>
+                </a:solidFill>
+                <a:latin typeface="+mn-lt"/>
+                <a:ea typeface="+mn-ea"/>
+                <a:cs typeface="+mn-cs"/>
+              </a:defRPr>
+            </a:lvl4pPr>
+            <a:lvl5pPr marL="2741485" indent="-304610" algn="l" defTabSz="1218438" rtl="0" eaLnBrk="1" latinLnBrk="0" hangingPunct="1">
+              <a:lnSpc>
+                <a:spcPct val="105000"/>
+              </a:lnSpc>
+              <a:spcBef>
+                <a:spcPts val="600"/>
+              </a:spcBef>
+              <a:spcAft>
+                <a:spcPts val="600"/>
+              </a:spcAft>
+              <a:buFont typeface="Wingdings" panose="05000000000000000000" pitchFamily="2" charset="2"/>
+              <a:buChar char="§"/>
+              <a:defRPr sz="2598" kern="1200">
+                <a:solidFill>
+                  <a:schemeClr val="tx1"/>
+                </a:solidFill>
+                <a:latin typeface="+mn-lt"/>
+                <a:ea typeface="+mn-ea"/>
+                <a:cs typeface="+mn-cs"/>
+              </a:defRPr>
+            </a:lvl5pPr>
+            <a:lvl6pPr marL="3350704" indent="-304610" algn="l" defTabSz="1218438" rtl="0" eaLnBrk="1" latinLnBrk="0" hangingPunct="1">
+              <a:spcBef>
+                <a:spcPct val="20000"/>
+              </a:spcBef>
+              <a:buFont typeface="Arial" pitchFamily="34" charset="0"/>
+              <a:buChar char="•"/>
+              <a:defRPr sz="2665" kern="1200">
+                <a:solidFill>
+                  <a:schemeClr val="tx1"/>
+                </a:solidFill>
+                <a:latin typeface="+mn-lt"/>
+                <a:ea typeface="+mn-ea"/>
+                <a:cs typeface="+mn-cs"/>
+              </a:defRPr>
+            </a:lvl6pPr>
+            <a:lvl7pPr marL="3959924" indent="-304610" algn="l" defTabSz="1218438" rtl="0" eaLnBrk="1" latinLnBrk="0" hangingPunct="1">
+              <a:spcBef>
+                <a:spcPct val="20000"/>
+              </a:spcBef>
+              <a:buFont typeface="Arial" pitchFamily="34" charset="0"/>
+              <a:buChar char="•"/>
+              <a:defRPr sz="2665" kern="1200">
+                <a:solidFill>
+                  <a:schemeClr val="tx1"/>
+                </a:solidFill>
+                <a:latin typeface="+mn-lt"/>
+                <a:ea typeface="+mn-ea"/>
+                <a:cs typeface="+mn-cs"/>
+              </a:defRPr>
+            </a:lvl7pPr>
+            <a:lvl8pPr marL="4569143" indent="-304610" algn="l" defTabSz="1218438" rtl="0" eaLnBrk="1" latinLnBrk="0" hangingPunct="1">
+              <a:spcBef>
+                <a:spcPct val="20000"/>
+              </a:spcBef>
+              <a:buFont typeface="Arial" pitchFamily="34" charset="0"/>
+              <a:buChar char="•"/>
+              <a:defRPr sz="2665" kern="1200">
+                <a:solidFill>
+                  <a:schemeClr val="tx1"/>
+                </a:solidFill>
+                <a:latin typeface="+mn-lt"/>
+                <a:ea typeface="+mn-ea"/>
+                <a:cs typeface="+mn-cs"/>
+              </a:defRPr>
+            </a:lvl8pPr>
+            <a:lvl9pPr marL="5178362" indent="-304610" algn="l" defTabSz="1218438" rtl="0" eaLnBrk="1" latinLnBrk="0" hangingPunct="1">
+              <a:spcBef>
+                <a:spcPct val="20000"/>
+              </a:spcBef>
+              <a:buFont typeface="Arial" pitchFamily="34" charset="0"/>
+              <a:buChar char="•"/>
+              <a:defRPr sz="2665" kern="1200">
+                <a:solidFill>
+                  <a:schemeClr val="tx1"/>
+                </a:solidFill>
+                <a:latin typeface="+mn-lt"/>
+                <a:ea typeface="+mn-ea"/>
+                <a:cs typeface="+mn-cs"/>
+              </a:defRPr>
+            </a:lvl9pPr>
+          </a:lstStyle>
+          <a:p>
+            <a:pPr marL="355600" indent="-355600">
+              <a:lnSpc>
+                <a:spcPct val="100000"/>
+              </a:lnSpc>
+              <a:buClr>
+                <a:schemeClr val="bg2"/>
+              </a:buClr>
+            </a:pPr>
+            <a:r>
+              <a:rPr lang="ru-RU" sz="2600" b="1" dirty="0" smtClean="0">
+                <a:solidFill>
+                  <a:schemeClr val="bg1">
+                    <a:lumMod val="60000"/>
+                    <a:lumOff val="40000"/>
+                  </a:schemeClr>
+                </a:solidFill>
+              </a:rPr>
+              <a:t>ТОДО</a:t>
+            </a:r>
+            <a:endParaRPr lang="ru-RU" sz="2600" b="1" dirty="0">
+              <a:solidFill>
+                <a:schemeClr val="bg2"/>
+              </a:solidFill>
+            </a:endParaRPr>
+          </a:p>
+          <a:p>
+            <a:pPr marL="355600" indent="-355600">
+              <a:lnSpc>
+                <a:spcPct val="100000"/>
+              </a:lnSpc>
+              <a:buClr>
+                <a:schemeClr val="bg2"/>
+              </a:buClr>
+            </a:pPr>
+            <a:endParaRPr lang="ru-RU" sz="2800" b="1" dirty="0" smtClean="0">
+              <a:solidFill>
+                <a:schemeClr val="bg2"/>
+              </a:solidFill>
+            </a:endParaRPr>
+          </a:p>
+          <a:p>
+            <a:pPr marL="355600" indent="-355600">
+              <a:lnSpc>
+                <a:spcPct val="100000"/>
+              </a:lnSpc>
+              <a:buClr>
+                <a:schemeClr val="bg2"/>
+              </a:buClr>
+            </a:pPr>
+            <a:endParaRPr lang="ru-RU" sz="2800" b="1" dirty="0">
+              <a:solidFill>
+                <a:schemeClr val="bg2"/>
+              </a:solidFill>
+            </a:endParaRPr>
+          </a:p>
+          <a:p>
+            <a:pPr marL="355600" indent="-355600">
+              <a:lnSpc>
+                <a:spcPct val="100000"/>
+              </a:lnSpc>
+              <a:buClr>
+                <a:schemeClr val="bg2"/>
+              </a:buClr>
+            </a:pPr>
+            <a:endParaRPr lang="en-US" sz="2400" dirty="0" smtClean="0">
+              <a:solidFill>
+                <a:schemeClr val="bg2"/>
+              </a:solidFill>
+            </a:endParaRPr>
+          </a:p>
+        </p:txBody>
+      </p:sp>
+    </p:spTree>
+    <p:extLst>
+      <p:ext uri="{BB962C8B-B14F-4D97-AF65-F5344CB8AC3E}">
+        <p14:creationId xmlns:p14="http://schemas.microsoft.com/office/powerpoint/2010/main" val="3528394487"/>
+      </p:ext>
+    </p:extLst>
+  </p:cSld>
+  <p:clrMapOvr>
+    <a:masterClrMapping/>
+  </p:clrMapOvr>
+  <mc:AlternateContent xmlns:mc="http://schemas.openxmlformats.org/markup-compatibility/2006" xmlns:p14="http://schemas.microsoft.com/office/powerpoint/2010/main">
+    <mc:Choice Requires="p14">
+      <p:transition spd="slow" p14:dur="2000" advClick="0" advTm="5000"/>
+    </mc:Choice>
+    <mc:Fallback xmlns="">
+      <p:transition spd="slow" advClick="0" advTm="5000"/>
+    </mc:Fallback>
+  </mc:AlternateContent>
+  <p:timing>
+    <p:tnLst>
+      <p:par>
+        <p:cTn id="1" dur="indefinite" restart="never" nodeType="tmRoot">
+          <p:childTnLst>
+            <p:seq concurrent="1" nextAc="seek">
+              <p:cTn id="2" dur="indefinite" nodeType="mainSeq">
+                <p:childTnLst>
+                  <p:par>
+                    <p:cTn id="3" fill="hold">
+                      <p:stCondLst>
+                        <p:cond delay="indefinite"/>
+                      </p:stCondLst>
+                      <p:childTnLst>
+                        <p:par>
+                          <p:cTn id="4" fill="hold">
+                            <p:stCondLst>
+                              <p:cond delay="0"/>
+                            </p:stCondLst>
+                            <p:childTnLst>
+                              <p:par>
+                                <p:cTn id="5" presetID="1" presetClass="entr" presetSubtype="0" fill="hold" nodeType="clickEffect">
+                                  <p:stCondLst>
+                                    <p:cond delay="0"/>
+                                  </p:stCondLst>
+                                  <p:childTnLst>
+                                    <p:set>
+                                      <p:cBhvr>
+                                        <p:cTn id="6" dur="1" fill="hold">
+                                          <p:stCondLst>
+                                            <p:cond delay="0"/>
+                                          </p:stCondLst>
+                                        </p:cTn>
+                                        <p:tgtEl>
+                                          <p:spTgt spid="15">
+                                            <p:txEl>
+                                              <p:pRg st="0" end="0"/>
+                                            </p:txEl>
+                                          </p:spTgt>
+                                        </p:tgtEl>
+                                        <p:attrNameLst>
+                                          <p:attrName>style.visibility</p:attrName>
+                                        </p:attrNameLst>
+                                      </p:cBhvr>
+                                      <p:to>
+                                        <p:strVal val="visible"/>
+                                      </p:to>
+                                    </p:set>
+                                  </p:childTnLst>
+                                </p:cTn>
+                              </p:par>
+                            </p:childTnLst>
+                          </p:cTn>
+                        </p:par>
+                      </p:childTnLst>
+                    </p:cTn>
+                  </p:par>
+                </p:childTnLst>
+              </p:cTn>
+              <p:prevCondLst>
+                <p:cond evt="onPrev" delay="0">
+                  <p:tgtEl>
+                    <p:sldTgt/>
+                  </p:tgtEl>
+                </p:cond>
+              </p:prevCondLst>
+              <p:nextCondLst>
+                <p:cond evt="onNext" delay="0">
+                  <p:tgtEl>
+                    <p:sldTgt/>
+                  </p:tgtEl>
+                </p:cond>
+              </p:nextCondLst>
+            </p:seq>
+          </p:childTnLst>
+        </p:cTn>
+      </p:par>
+    </p:tnLst>
+  </p:timing>
+</p:sld>
+</file>
+
+<file path=ppt/slides/slide17.xml><?xml version="1.0" encoding="utf-8"?>
+<p:sld xmlns:a="http://schemas.openxmlformats.org/drawingml/2006/main" xmlns:r="http://schemas.openxmlformats.org/officeDocument/2006/relationships" xmlns:p="http://schemas.openxmlformats.org/presentationml/2006/main">
+  <p:cSld>
+    <p:spTree>
+      <p:nvGrpSpPr>
+        <p:cNvPr id="1" name=""/>
+        <p:cNvGrpSpPr/>
+        <p:nvPr/>
+      </p:nvGrpSpPr>
+      <p:grpSpPr>
+        <a:xfrm>
+          <a:off x="0" y="0"/>
+          <a:ext cx="0" cy="0"/>
+          <a:chOff x="0" y="0"/>
+          <a:chExt cx="0" cy="0"/>
+        </a:xfrm>
+      </p:grpSpPr>
+      <p:sp>
+        <p:nvSpPr>
+          <p:cNvPr id="5" name="Slide Title">
+            <a:extLst>
+              <a:ext uri="{FF2B5EF4-FFF2-40B4-BE49-F238E27FC236}">
+                <a16:creationId xmlns:a16="http://schemas.microsoft.com/office/drawing/2014/main" id="{FA0703FC-0F8F-4C80-A615-E4B381EC0E0C}"/>
+              </a:ext>
+            </a:extLst>
+          </p:cNvPr>
+          <p:cNvSpPr>
+            <a:spLocks noGrp="1"/>
+          </p:cNvSpPr>
+          <p:nvPr>
+            <p:ph type="title"/>
+          </p:nvPr>
+        </p:nvSpPr>
+        <p:spPr/>
+        <p:txBody>
+          <a:bodyPr/>
+          <a:lstStyle/>
+          <a:p>
+            <a:r>
+              <a:rPr lang="bg-BG" dirty="0"/>
+              <a:t>Въпроси</a:t>
+            </a:r>
+            <a:r>
+              <a:rPr lang="en-US" dirty="0"/>
+              <a:t>?</a:t>
+            </a:r>
+          </a:p>
+        </p:txBody>
+      </p:sp>
+      <p:sp>
+        <p:nvSpPr>
+          <p:cNvPr id="2" name="Rectangle Bottom Copyright">
+            <a:extLst>
+              <a:ext uri="{FF2B5EF4-FFF2-40B4-BE49-F238E27FC236}">
+                <a16:creationId xmlns:a16="http://schemas.microsoft.com/office/drawing/2014/main" id="{664812A4-2991-44D1-BFE9-32E55AADF8A5}"/>
+              </a:ext>
+            </a:extLst>
+          </p:cNvPr>
+          <p:cNvSpPr/>
+          <p:nvPr/>
+        </p:nvSpPr>
+        <p:spPr>
+          <a:xfrm>
+            <a:off x="111000" y="6454758"/>
+            <a:ext cx="11970000" cy="304242"/>
+          </a:xfrm>
+          <a:prstGeom prst="rect">
+            <a:avLst/>
+          </a:prstGeom>
+        </p:spPr>
+        <p:txBody>
+          <a:bodyPr wrap="square">
+            <a:noAutofit/>
+          </a:bodyPr>
+          <a:lstStyle/>
+          <a:p>
+            <a:pPr algn="ctr">
+              <a:lnSpc>
+                <a:spcPct val="100000"/>
+              </a:lnSpc>
+              <a:spcBef>
+                <a:spcPts val="0"/>
+              </a:spcBef>
+              <a:spcAft>
+                <a:spcPts val="0"/>
+              </a:spcAft>
+            </a:pPr>
+            <a:r>
+              <a:rPr lang="bg-BG" sz="1600" dirty="0">
+                <a:solidFill>
+                  <a:schemeClr val="bg2"/>
+                </a:solidFill>
+                <a:effectLst/>
+                <a:latin typeface="Calibri" panose="020F0502020204030204" pitchFamily="34" charset="0"/>
+                <a:ea typeface="Calibri" panose="020F0502020204030204" pitchFamily="34" charset="0"/>
+                <a:cs typeface="Arial" panose="020B0604020202020204" pitchFamily="34" charset="0"/>
+              </a:rPr>
+              <a:t>Проект "</a:t>
+            </a:r>
+            <a:r>
+              <a:rPr lang="bg-BG" sz="1600" dirty="0">
+                <a:solidFill>
+                  <a:schemeClr val="bg1">
+                    <a:lumMod val="20000"/>
+                    <a:lumOff val="80000"/>
+                  </a:schemeClr>
+                </a:solidFill>
+                <a:effectLst/>
+                <a:latin typeface="Calibri" panose="020F0502020204030204" pitchFamily="34" charset="0"/>
+                <a:ea typeface="Calibri" panose="020F0502020204030204" pitchFamily="34" charset="0"/>
+                <a:cs typeface="Arial" panose="020B0604020202020204" pitchFamily="34" charset="0"/>
+                <a:hlinkClick r:id="rId3">
+                  <a:extLst>
+                    <a:ext uri="{A12FA001-AC4F-418D-AE19-62706E023703}">
+                      <ahyp:hlinkClr xmlns:ahyp="http://schemas.microsoft.com/office/drawing/2018/hyperlinkcolor" xmlns="" val="tx"/>
+                    </a:ext>
+                  </a:extLst>
+                </a:hlinkClick>
+              </a:rPr>
+              <a:t>Отворено учебно съдържание по програмиране и ИТ</a:t>
+            </a:r>
+            <a:r>
+              <a:rPr lang="bg-BG" sz="1600" dirty="0">
+                <a:solidFill>
+                  <a:schemeClr val="bg2"/>
+                </a:solidFill>
+                <a:effectLst/>
+                <a:latin typeface="Calibri" panose="020F0502020204030204" pitchFamily="34" charset="0"/>
+                <a:ea typeface="Calibri" panose="020F0502020204030204" pitchFamily="34" charset="0"/>
+                <a:cs typeface="Arial" panose="020B0604020202020204" pitchFamily="34" charset="0"/>
+              </a:rPr>
+              <a:t>", СофтУни Фондация (лиценз </a:t>
+            </a:r>
+            <a:r>
+              <a:rPr lang="en-US" sz="1600" dirty="0">
+                <a:solidFill>
+                  <a:schemeClr val="bg2"/>
+                </a:solidFill>
+                <a:effectLst/>
+                <a:latin typeface="Calibri" panose="020F0502020204030204" pitchFamily="34" charset="0"/>
+                <a:ea typeface="Calibri" panose="020F0502020204030204" pitchFamily="34" charset="0"/>
+                <a:cs typeface="Arial" panose="020B0604020202020204" pitchFamily="34" charset="0"/>
+              </a:rPr>
+              <a:t>CC-BY-NC-SA</a:t>
+            </a:r>
+            <a:r>
+              <a:rPr lang="bg-BG" sz="1600" dirty="0">
+                <a:solidFill>
+                  <a:schemeClr val="bg2"/>
+                </a:solidFill>
+                <a:effectLst/>
+                <a:latin typeface="Calibri" panose="020F0502020204030204" pitchFamily="34" charset="0"/>
+                <a:ea typeface="Calibri" panose="020F0502020204030204" pitchFamily="34" charset="0"/>
+                <a:cs typeface="Arial" panose="020B0604020202020204" pitchFamily="34" charset="0"/>
+              </a:rPr>
+              <a:t>)</a:t>
+            </a:r>
+            <a:endParaRPr lang="bg-BG" sz="2400" dirty="0">
+              <a:solidFill>
+                <a:schemeClr val="bg2"/>
+              </a:solidFill>
+              <a:effectLst/>
+              <a:latin typeface="Calibri" panose="020F0502020204030204" pitchFamily="34" charset="0"/>
+              <a:ea typeface="Calibri" panose="020F0502020204030204" pitchFamily="34" charset="0"/>
+              <a:cs typeface="Arial" panose="020B0604020202020204" pitchFamily="34" charset="0"/>
+            </a:endParaRPr>
+          </a:p>
+        </p:txBody>
+      </p:sp>
+    </p:spTree>
+    <p:extLst>
+      <p:ext uri="{BB962C8B-B14F-4D97-AF65-F5344CB8AC3E}">
+        <p14:creationId xmlns:p14="http://schemas.microsoft.com/office/powerpoint/2010/main" val="1472534970"/>
+      </p:ext>
+    </p:extLst>
+  </p:cSld>
+  <p:clrMapOvr>
+    <a:masterClrMapping/>
+  </p:clrMapOvr>
+  <mc:AlternateContent xmlns:mc="http://schemas.openxmlformats.org/markup-compatibility/2006" xmlns:p14="http://schemas.microsoft.com/office/powerpoint/2010/main">
+    <mc:Choice Requires="p14">
+      <p:transition spd="slow" p14:dur="2000" advClick="0" advTm="5000"/>
+    </mc:Choice>
+    <mc:Fallback xmlns="">
+      <p:transition spd="slow" advClick="0" advTm="5000"/>
+    </mc:Fallback>
+  </mc:AlternateContent>
+  <p:timing>
+    <p:tnLst>
+      <p:par>
+        <p:cTn id="1" dur="indefinite" restart="never" nodeType="tmRoot"/>
+      </p:par>
+    </p:tnLst>
+  </p:timing>
+</p:sld>
+</file>
+
+<file path=ppt/slides/slide18.xml><?xml version="1.0" encoding="utf-8"?>
+<p:sld xmlns:a="http://schemas.openxmlformats.org/drawingml/2006/main" xmlns:r="http://schemas.openxmlformats.org/officeDocument/2006/relationships" xmlns:p="http://schemas.openxmlformats.org/presentationml/2006/main">
+  <p:cSld>
+    <p:spTree>
+      <p:nvGrpSpPr>
+        <p:cNvPr id="1" name=""/>
+        <p:cNvGrpSpPr/>
+        <p:nvPr/>
+      </p:nvGrpSpPr>
+      <p:grpSpPr>
+        <a:xfrm>
+          <a:off x="0" y="0"/>
+          <a:ext cx="0" cy="0"/>
+          <a:chOff x="0" y="0"/>
+          <a:chExt cx="0" cy="0"/>
+        </a:xfrm>
+      </p:grpSpPr>
+      <p:sp>
+        <p:nvSpPr>
           <p:cNvPr id="5" name="Slide Number">
             <a:extLst>
               <a:ext uri="{FF2B5EF4-FFF2-40B4-BE49-F238E27FC236}">
@@ -7198,7 +10949,7 @@
             <a:fld id="{2BF067CD-8E6B-4360-9AA8-C5DF2A48A6D1}" type="slidenum">
               <a:rPr lang="en-US" smtClean="0"/>
               <a:pPr/>
-              <a:t>10</a:t>
+              <a:t>18</a:t>
             </a:fld>
             <a:endParaRPr lang="en-US" dirty="0"/>
           </a:p>
@@ -7714,13 +11465,12 @@
           <a:p>
             <a:r>
               <a:rPr lang="bg-BG" dirty="0" smtClean="0"/>
-              <a:t>Използване на вградени </a:t>
+              <a:t>Вградени </a:t>
             </a:r>
             <a:r>
               <a:rPr lang="bg-BG" b="1" dirty="0" smtClean="0"/>
               <a:t>функции</a:t>
             </a:r>
-            <a:endParaRPr lang="bg-BG" b="1" dirty="0" smtClean="0"/>
           </a:p>
         </p:txBody>
       </p:sp>
@@ -8919,18 +12669,6 @@
               </a:rPr>
               <a:t>Изберете клетката, в която искате да получите резултат</a:t>
             </a:r>
-            <a:endParaRPr lang="ru-RU" sz="2800" b="1" dirty="0">
-              <a:solidFill>
-                <a:srgbClr val="FFFFFF"/>
-              </a:solidFill>
-              <a:effectLst>
-                <a:outerShdw blurRad="38100" dist="38100" dir="2700000" algn="tl">
-                  <a:srgbClr val="000000">
-                    <a:alpha val="43137"/>
-                  </a:srgbClr>
-                </a:outerShdw>
-              </a:effectLst>
-            </a:endParaRPr>
           </a:p>
         </p:txBody>
       </p:sp>
@@ -9134,18 +12872,6 @@
               </a:rPr>
               <a:t>(=) в началото</a:t>
             </a:r>
-            <a:endParaRPr lang="bg-BG" sz="2800" b="1" dirty="0">
-              <a:solidFill>
-                <a:srgbClr val="FFFFFF"/>
-              </a:solidFill>
-              <a:effectLst>
-                <a:outerShdw blurRad="38100" dist="38100" dir="2700000" algn="tl">
-                  <a:srgbClr val="000000">
-                    <a:alpha val="43137"/>
-                  </a:srgbClr>
-                </a:outerShdw>
-              </a:effectLst>
-            </a:endParaRPr>
           </a:p>
         </p:txBody>
       </p:sp>
@@ -11301,6 +15027,118 @@
           <a:bodyPr/>
           <a:lstStyle/>
           <a:p>
+            <a:r>
+              <a:rPr lang="ru-RU" dirty="0"/>
+              <a:t>Когато трябва да приложите </a:t>
+            </a:r>
+            <a:r>
+              <a:rPr lang="ru-RU" b="1" dirty="0"/>
+              <a:t>една </a:t>
+            </a:r>
+            <a:r>
+              <a:rPr lang="ru-RU" dirty="0"/>
+              <a:t>и</a:t>
+            </a:r>
+            <a:r>
+              <a:rPr lang="ru-RU" b="1" dirty="0"/>
+              <a:t> съща формула </a:t>
+            </a:r>
+            <a:r>
+              <a:rPr lang="ru-RU" dirty="0"/>
+              <a:t>за </a:t>
+            </a:r>
+            <a:r>
+              <a:rPr lang="ru-RU" b="1" dirty="0" smtClean="0"/>
+              <a:t>аналогични </a:t>
+            </a:r>
+            <a:r>
+              <a:rPr lang="ru-RU" b="1" dirty="0"/>
+              <a:t>данни</a:t>
+            </a:r>
+            <a:r>
+              <a:rPr lang="ru-RU" dirty="0"/>
+              <a:t>, </a:t>
+            </a:r>
+            <a:r>
+              <a:rPr lang="ru-RU" dirty="0" smtClean="0"/>
+              <a:t>можете </a:t>
+            </a:r>
+            <a:r>
+              <a:rPr lang="ru-RU" dirty="0"/>
+              <a:t>да </a:t>
+            </a:r>
+            <a:r>
+              <a:rPr lang="ru-RU" b="1" dirty="0" smtClean="0"/>
+              <a:t>копирате</a:t>
+            </a:r>
+            <a:r>
+              <a:rPr lang="ru-RU" dirty="0" smtClean="0"/>
+              <a:t> формулата</a:t>
+            </a:r>
+          </a:p>
+          <a:p>
+            <a:r>
+              <a:rPr lang="ru-RU" dirty="0" smtClean="0"/>
+              <a:t>Това може да се изпълни по следните начини:</a:t>
+            </a:r>
+          </a:p>
+          <a:p>
+            <a:pPr lvl="1"/>
+            <a:r>
+              <a:rPr lang="en-US" dirty="0" smtClean="0"/>
+              <a:t>[</a:t>
+            </a:r>
+            <a:r>
+              <a:rPr lang="en-US" b="1" dirty="0" smtClean="0"/>
+              <a:t>Ctrl </a:t>
+            </a:r>
+            <a:r>
+              <a:rPr lang="en-US" dirty="0" smtClean="0"/>
+              <a:t>+</a:t>
+            </a:r>
+            <a:r>
+              <a:rPr lang="en-US" b="1" dirty="0" smtClean="0"/>
+              <a:t> C</a:t>
+            </a:r>
+            <a:r>
+              <a:rPr lang="en-US" dirty="0" smtClean="0"/>
+              <a:t>] + [</a:t>
+            </a:r>
+            <a:r>
+              <a:rPr lang="en-US" b="1" dirty="0" smtClean="0"/>
+              <a:t>Ctrl</a:t>
+            </a:r>
+            <a:r>
+              <a:rPr lang="en-US" dirty="0" smtClean="0"/>
+              <a:t> + </a:t>
+            </a:r>
+            <a:r>
+              <a:rPr lang="en-US" b="1" dirty="0" smtClean="0"/>
+              <a:t>V</a:t>
+            </a:r>
+            <a:r>
+              <a:rPr lang="en-US" dirty="0" smtClean="0"/>
+              <a:t>] – </a:t>
+            </a:r>
+            <a:r>
+              <a:rPr lang="bg-BG" dirty="0" smtClean="0"/>
+              <a:t>стандартно копиране</a:t>
+            </a:r>
+          </a:p>
+          <a:p>
+            <a:pPr lvl="1"/>
+            <a:r>
+              <a:rPr lang="bg-BG" dirty="0" smtClean="0"/>
+              <a:t>Приплъзване на </a:t>
+            </a:r>
+            <a:r>
+              <a:rPr lang="bg-BG" b="1" dirty="0" smtClean="0"/>
+              <a:t>долния десен ъгъл </a:t>
+            </a:r>
+            <a:r>
+              <a:rPr lang="bg-BG" dirty="0" smtClean="0"/>
+              <a:t>към всички желани клетки</a:t>
+            </a:r>
             <a:endParaRPr lang="en-US" dirty="0"/>
           </a:p>
         </p:txBody>
@@ -11320,829 +15158,86 @@
           <a:bodyPr/>
           <a:lstStyle/>
           <a:p>
-            <a:endParaRPr lang="en-US"/>
+            <a:r>
+              <a:rPr lang="bg-BG" dirty="0" smtClean="0"/>
+              <a:t>Преизползване </a:t>
+            </a:r>
+            <a:r>
+              <a:rPr lang="bg-BG" dirty="0"/>
+              <a:t>на формули</a:t>
+            </a:r>
+            <a:endParaRPr lang="en-US" dirty="0"/>
           </a:p>
         </p:txBody>
       </p:sp>
-      <p:sp>
-        <p:nvSpPr>
-          <p:cNvPr id="5" name="TextBox 4"/>
-          <p:cNvSpPr txBox="1"/>
+      <p:pic>
+        <p:nvPicPr>
+          <p:cNvPr id="6" name="Picture 5"/>
+          <p:cNvPicPr>
+            <a:picLocks noChangeAspect="1"/>
+          </p:cNvPicPr>
           <p:nvPr/>
-        </p:nvSpPr>
+        </p:nvPicPr>
+        <p:blipFill>
+          <a:blip r:embed="rId2"/>
+          <a:stretch>
+            <a:fillRect/>
+          </a:stretch>
+        </p:blipFill>
         <p:spPr>
           <a:xfrm>
-            <a:off x="2856000" y="3384000"/>
-            <a:ext cx="6300000" cy="2046302"/>
+            <a:off x="3547993" y="4807103"/>
+            <a:ext cx="5068007" cy="1771897"/>
           </a:xfrm>
           <a:prstGeom prst="rect">
             <a:avLst/>
           </a:prstGeom>
-          <a:ln/>
+          <a:ln>
+            <a:solidFill>
+              <a:schemeClr val="bg2">
+                <a:lumMod val="75000"/>
+              </a:schemeClr>
+            </a:solidFill>
+          </a:ln>
+        </p:spPr>
+      </p:pic>
+      <p:cxnSp>
+        <p:nvCxnSpPr>
+          <p:cNvPr id="8" name="Straight Arrow Connector 7"/>
+          <p:cNvCxnSpPr/>
+          <p:nvPr/>
+        </p:nvCxnSpPr>
+        <p:spPr>
+          <a:xfrm flipH="1">
+            <a:off x="8616000" y="5544000"/>
+            <a:ext cx="1485000" cy="819000"/>
+          </a:xfrm>
+          <a:prstGeom prst="straightConnector1">
+            <a:avLst/>
+          </a:prstGeom>
+          <a:ln w="76200">
+            <a:tailEnd type="triangle"/>
+          </a:ln>
         </p:spPr>
         <p:style>
-          <a:lnRef idx="2">
-            <a:schemeClr val="accent1"/>
+          <a:lnRef idx="1">
+            <a:schemeClr val="dk1"/>
           </a:lnRef>
-          <a:fillRef idx="1">
-            <a:schemeClr val="lt1"/>
+          <a:fillRef idx="0">
+            <a:schemeClr val="dk1"/>
           </a:fillRef>
           <a:effectRef idx="0">
-            <a:schemeClr val="accent1"/>
+            <a:schemeClr val="dk1"/>
           </a:effectRef>
           <a:fontRef idx="minor">
-            <a:schemeClr val="dk1"/>
+            <a:schemeClr val="tx1"/>
           </a:fontRef>
         </p:style>
-        <p:txBody>
-          <a:bodyPr vert="horz" wrap="square" lIns="144000" tIns="108000" rIns="144000" bIns="108000" rtlCol="0">
-            <a:spAutoFit/>
-          </a:bodyPr>
-          <a:lstStyle/>
-          <a:p>
-            <a:pPr algn="l" eaLnBrk="0" hangingPunct="0">
-              <a:lnSpc>
-                <a:spcPct val="110000"/>
-              </a:lnSpc>
-              <a:buClr>
-                <a:schemeClr val="accent5">
-                  <a:lumMod val="40000"/>
-                  <a:lumOff val="60000"/>
-                </a:schemeClr>
-              </a:buClr>
-              <a:buSzPct val="70000"/>
-            </a:pPr>
-            <a:r>
-              <a:rPr lang="bg-BG" sz="5400" dirty="0" smtClean="0"/>
-              <a:t>Презиползване на формули</a:t>
-            </a:r>
-            <a:endParaRPr lang="en-US" sz="5400" dirty="0"/>
-          </a:p>
-        </p:txBody>
-      </p:sp>
+      </p:cxnSp>
     </p:spTree>
     <p:extLst>
       <p:ext uri="{BB962C8B-B14F-4D97-AF65-F5344CB8AC3E}">
         <p14:creationId xmlns:p14="http://schemas.microsoft.com/office/powerpoint/2010/main" val="81954704"/>
-      </p:ext>
-    </p:extLst>
-  </p:cSld>
-  <p:clrMapOvr>
-    <a:masterClrMapping/>
-  </p:clrMapOvr>
-  <mc:AlternateContent xmlns:mc="http://schemas.openxmlformats.org/markup-compatibility/2006" xmlns:p14="http://schemas.microsoft.com/office/powerpoint/2010/main">
-    <mc:Choice Requires="p14">
-      <p:transition spd="slow" p14:dur="2000" advClick="0" advTm="5000"/>
-    </mc:Choice>
-    <mc:Fallback xmlns="">
-      <p:transition spd="slow" advClick="0" advTm="5000"/>
-    </mc:Fallback>
-  </mc:AlternateContent>
-  <p:timing>
-    <p:tnLst>
-      <p:par>
-        <p:cTn id="1" dur="indefinite" restart="never" nodeType="tmRoot"/>
-      </p:par>
-    </p:tnLst>
-  </p:timing>
-</p:sld>
-</file>
-
-<file path=ppt/slides/slide8.xml><?xml version="1.0" encoding="utf-8"?>
-<p:sld xmlns:a="http://schemas.openxmlformats.org/drawingml/2006/main" xmlns:r="http://schemas.openxmlformats.org/officeDocument/2006/relationships" xmlns:p="http://schemas.openxmlformats.org/presentationml/2006/main">
-  <p:cSld>
-    <p:spTree>
-      <p:nvGrpSpPr>
-        <p:cNvPr id="1" name=""/>
-        <p:cNvGrpSpPr/>
-        <p:nvPr/>
-      </p:nvGrpSpPr>
-      <p:grpSpPr>
-        <a:xfrm>
-          <a:off x="0" y="0"/>
-          <a:ext cx="0" cy="0"/>
-          <a:chOff x="0" y="0"/>
-          <a:chExt cx="0" cy="0"/>
-        </a:xfrm>
-      </p:grpSpPr>
-      <p:sp>
-        <p:nvSpPr>
-          <p:cNvPr id="14" name="Text Placeholder 4">
-            <a:extLst>
-              <a:ext uri="{FF2B5EF4-FFF2-40B4-BE49-F238E27FC236}">
-                <a16:creationId xmlns:a16="http://schemas.microsoft.com/office/drawing/2014/main" id="{0E49D336-45B6-44D3-97C4-E28F8DEA2022}"/>
-              </a:ext>
-            </a:extLst>
-          </p:cNvPr>
-          <p:cNvSpPr>
-            <a:spLocks noGrp="1"/>
-          </p:cNvSpPr>
-          <p:nvPr>
-            <p:ph type="body" sz="quarter" idx="10"/>
-          </p:nvPr>
-        </p:nvSpPr>
-        <p:spPr>
-          <a:xfrm>
-            <a:off x="869725" y="1577986"/>
-            <a:ext cx="7581212" cy="4772369"/>
-          </a:xfrm>
-        </p:spPr>
-        <p:txBody>
-          <a:bodyPr/>
-          <a:lstStyle>
-            <a:lvl1pPr marL="514350" indent="-514350">
-              <a:buFont typeface="Wingdings" panose="05000000000000000000" pitchFamily="2" charset="2"/>
-              <a:buChar char="§"/>
-              <a:defRPr>
-                <a:solidFill>
-                  <a:schemeClr val="bg2"/>
-                </a:solidFill>
-              </a:defRPr>
-            </a:lvl1pPr>
-            <a:lvl2pPr marL="1123935" indent="-514350">
-              <a:buFont typeface="Wingdings" panose="05000000000000000000" pitchFamily="2" charset="2"/>
-              <a:buChar char="§"/>
-              <a:defRPr>
-                <a:solidFill>
-                  <a:schemeClr val="tx1"/>
-                </a:solidFill>
-              </a:defRPr>
-            </a:lvl2pPr>
-            <a:lvl3pPr marL="1733520" indent="-514350">
-              <a:buFont typeface="Wingdings" panose="05000000000000000000" pitchFamily="2" charset="2"/>
-              <a:buChar char="§"/>
-              <a:defRPr>
-                <a:solidFill>
-                  <a:schemeClr val="tx1"/>
-                </a:solidFill>
-              </a:defRPr>
-            </a:lvl3pPr>
-            <a:lvl4pPr marL="2343105" indent="-514350">
-              <a:buFont typeface="Wingdings" panose="05000000000000000000" pitchFamily="2" charset="2"/>
-              <a:buChar char="§"/>
-              <a:defRPr>
-                <a:solidFill>
-                  <a:schemeClr val="tx1"/>
-                </a:solidFill>
-              </a:defRPr>
-            </a:lvl4pPr>
-            <a:lvl5pPr marL="2952689" indent="-514350">
-              <a:buFont typeface="Wingdings" panose="05000000000000000000" pitchFamily="2" charset="2"/>
-              <a:buChar char="§"/>
-              <a:defRPr>
-                <a:solidFill>
-                  <a:schemeClr val="tx1"/>
-                </a:solidFill>
-              </a:defRPr>
-            </a:lvl5pPr>
-          </a:lstStyle>
-          <a:p>
-            <a:pPr lvl="0"/>
-            <a:r>
-              <a:rPr lang="en-US" dirty="0"/>
-              <a:t>…</a:t>
-            </a:r>
-          </a:p>
-          <a:p>
-            <a:pPr lvl="0"/>
-            <a:r>
-              <a:rPr lang="en-GB" dirty="0"/>
-              <a:t>…</a:t>
-            </a:r>
-            <a:endParaRPr lang="en-US" dirty="0"/>
-          </a:p>
-          <a:p>
-            <a:pPr lvl="0"/>
-            <a:r>
-              <a:rPr lang="en-GB" dirty="0"/>
-              <a:t>…</a:t>
-            </a:r>
-            <a:endParaRPr lang="en-US" dirty="0"/>
-          </a:p>
-          <a:p>
-            <a:pPr lvl="0"/>
-            <a:endParaRPr lang="en-US" dirty="0"/>
-          </a:p>
-        </p:txBody>
-      </p:sp>
-      <p:sp>
-        <p:nvSpPr>
-          <p:cNvPr id="4" name="Title 3"/>
-          <p:cNvSpPr>
-            <a:spLocks noGrp="1"/>
-          </p:cNvSpPr>
-          <p:nvPr>
-            <p:ph type="title"/>
-          </p:nvPr>
-        </p:nvSpPr>
-        <p:spPr/>
-        <p:txBody>
-          <a:bodyPr>
-            <a:normAutofit/>
-          </a:bodyPr>
-          <a:lstStyle/>
-          <a:p>
-            <a:r>
-              <a:rPr lang="bg-BG" dirty="0"/>
-              <a:t>Какво научихме днес?</a:t>
-            </a:r>
-            <a:endParaRPr lang="en-US" dirty="0"/>
-          </a:p>
-        </p:txBody>
-      </p:sp>
-      <p:sp>
-        <p:nvSpPr>
-          <p:cNvPr id="6" name="Slide Number Placeholder 5"/>
-          <p:cNvSpPr>
-            <a:spLocks noGrp="1"/>
-          </p:cNvSpPr>
-          <p:nvPr>
-            <p:ph type="sldNum" sz="quarter" idx="13"/>
-          </p:nvPr>
-        </p:nvSpPr>
-        <p:spPr>
-          <a:xfrm>
-            <a:off x="11566412" y="6397196"/>
-            <a:ext cx="428822" cy="308845"/>
-          </a:xfrm>
-          <a:prstGeom prst="rect">
-            <a:avLst/>
-          </a:prstGeom>
-        </p:spPr>
-        <p:txBody>
-          <a:bodyPr vert="horz" lIns="36000" tIns="36000" rIns="36000" bIns="36000" rtlCol="0" anchor="ctr"/>
-          <a:lstStyle>
-            <a:defPPr>
-              <a:defRPr lang="en-US"/>
-            </a:defPPr>
-            <a:lvl1pPr marL="0" algn="r" defTabSz="914400" rtl="0" eaLnBrk="1" latinLnBrk="0" hangingPunct="1">
-              <a:defRPr sz="1000" kern="1200">
-                <a:solidFill>
-                  <a:schemeClr val="tx1"/>
-                </a:solidFill>
-                <a:latin typeface="+mn-lt"/>
-                <a:ea typeface="+mn-ea"/>
-                <a:cs typeface="+mn-cs"/>
-              </a:defRPr>
-            </a:lvl1pPr>
-            <a:lvl2pPr marL="457200" algn="l" defTabSz="914400" rtl="0" eaLnBrk="1" latinLnBrk="0" hangingPunct="1">
-              <a:defRPr sz="1800" kern="1200">
-                <a:solidFill>
-                  <a:schemeClr val="tx1"/>
-                </a:solidFill>
-                <a:latin typeface="+mn-lt"/>
-                <a:ea typeface="+mn-ea"/>
-                <a:cs typeface="+mn-cs"/>
-              </a:defRPr>
-            </a:lvl2pPr>
-            <a:lvl3pPr marL="914400" algn="l" defTabSz="914400" rtl="0" eaLnBrk="1" latinLnBrk="0" hangingPunct="1">
-              <a:defRPr sz="1800" kern="1200">
-                <a:solidFill>
-                  <a:schemeClr val="tx1"/>
-                </a:solidFill>
-                <a:latin typeface="+mn-lt"/>
-                <a:ea typeface="+mn-ea"/>
-                <a:cs typeface="+mn-cs"/>
-              </a:defRPr>
-            </a:lvl3pPr>
-            <a:lvl4pPr marL="1371600" algn="l" defTabSz="914400" rtl="0" eaLnBrk="1" latinLnBrk="0" hangingPunct="1">
-              <a:defRPr sz="1800" kern="1200">
-                <a:solidFill>
-                  <a:schemeClr val="tx1"/>
-                </a:solidFill>
-                <a:latin typeface="+mn-lt"/>
-                <a:ea typeface="+mn-ea"/>
-                <a:cs typeface="+mn-cs"/>
-              </a:defRPr>
-            </a:lvl4pPr>
-            <a:lvl5pPr marL="1828800" algn="l" defTabSz="914400" rtl="0" eaLnBrk="1" latinLnBrk="0" hangingPunct="1">
-              <a:defRPr sz="1800" kern="1200">
-                <a:solidFill>
-                  <a:schemeClr val="tx1"/>
-                </a:solidFill>
-                <a:latin typeface="+mn-lt"/>
-                <a:ea typeface="+mn-ea"/>
-                <a:cs typeface="+mn-cs"/>
-              </a:defRPr>
-            </a:lvl5pPr>
-            <a:lvl6pPr marL="2286000" algn="l" defTabSz="914400" rtl="0" eaLnBrk="1" latinLnBrk="0" hangingPunct="1">
-              <a:defRPr sz="1800" kern="1200">
-                <a:solidFill>
-                  <a:schemeClr val="tx1"/>
-                </a:solidFill>
-                <a:latin typeface="+mn-lt"/>
-                <a:ea typeface="+mn-ea"/>
-                <a:cs typeface="+mn-cs"/>
-              </a:defRPr>
-            </a:lvl6pPr>
-            <a:lvl7pPr marL="2743200" algn="l" defTabSz="914400" rtl="0" eaLnBrk="1" latinLnBrk="0" hangingPunct="1">
-              <a:defRPr sz="1800" kern="1200">
-                <a:solidFill>
-                  <a:schemeClr val="tx1"/>
-                </a:solidFill>
-                <a:latin typeface="+mn-lt"/>
-                <a:ea typeface="+mn-ea"/>
-                <a:cs typeface="+mn-cs"/>
-              </a:defRPr>
-            </a:lvl7pPr>
-            <a:lvl8pPr marL="3200400" algn="l" defTabSz="914400" rtl="0" eaLnBrk="1" latinLnBrk="0" hangingPunct="1">
-              <a:defRPr sz="1800" kern="1200">
-                <a:solidFill>
-                  <a:schemeClr val="tx1"/>
-                </a:solidFill>
-                <a:latin typeface="+mn-lt"/>
-                <a:ea typeface="+mn-ea"/>
-                <a:cs typeface="+mn-cs"/>
-              </a:defRPr>
-            </a:lvl8pPr>
-            <a:lvl9pPr marL="3657600" algn="l" defTabSz="914400" rtl="0" eaLnBrk="1" latinLnBrk="0" hangingPunct="1">
-              <a:defRPr sz="1800" kern="1200">
-                <a:solidFill>
-                  <a:schemeClr val="tx1"/>
-                </a:solidFill>
-                <a:latin typeface="+mn-lt"/>
-                <a:ea typeface="+mn-ea"/>
-                <a:cs typeface="+mn-cs"/>
-              </a:defRPr>
-            </a:lvl9pPr>
-          </a:lstStyle>
-          <a:p>
-            <a:fld id="{C014DD1E-5D91-48A3-AD6D-45FBA980D106}" type="slidenum">
-              <a:rPr lang="en-US" smtClean="0"/>
-              <a:pPr/>
-              <a:t>8</a:t>
-            </a:fld>
-            <a:endParaRPr lang="en-US" dirty="0"/>
-          </a:p>
-        </p:txBody>
-      </p:sp>
-      <p:grpSp>
-        <p:nvGrpSpPr>
-          <p:cNvPr id="9" name="Group 8">
-            <a:extLst>
-              <a:ext uri="{FF2B5EF4-FFF2-40B4-BE49-F238E27FC236}">
-                <a16:creationId xmlns:a16="http://schemas.microsoft.com/office/drawing/2014/main" id="{EBAFE522-EB7D-4931-A015-9A7E8A98517D}"/>
-              </a:ext>
-            </a:extLst>
-          </p:cNvPr>
-          <p:cNvGrpSpPr/>
-          <p:nvPr/>
-        </p:nvGrpSpPr>
-        <p:grpSpPr>
-          <a:xfrm>
-            <a:off x="196766" y="1314000"/>
-            <a:ext cx="11798468" cy="5300339"/>
-            <a:chOff x="472011" y="1508786"/>
-            <a:chExt cx="3799787" cy="4865561"/>
-          </a:xfrm>
-        </p:grpSpPr>
-        <p:sp>
-          <p:nvSpPr>
-            <p:cNvPr id="10" name="Rounded Rectangle 10">
-              <a:extLst>
-                <a:ext uri="{FF2B5EF4-FFF2-40B4-BE49-F238E27FC236}">
-                  <a16:creationId xmlns:a16="http://schemas.microsoft.com/office/drawing/2014/main" id="{18F78F23-3D09-4B63-8DF9-D49CFBB145EE}"/>
-                </a:ext>
-              </a:extLst>
-            </p:cNvPr>
-            <p:cNvSpPr/>
-            <p:nvPr userDrawn="1"/>
-          </p:nvSpPr>
-          <p:spPr>
-            <a:xfrm>
-              <a:off x="472011" y="1508786"/>
-              <a:ext cx="3799787" cy="4865561"/>
-            </a:xfrm>
-            <a:prstGeom prst="roundRect">
-              <a:avLst>
-                <a:gd name="adj" fmla="val 3968"/>
-              </a:avLst>
-            </a:prstGeom>
-            <a:solidFill>
-              <a:schemeClr val="tx2"/>
-            </a:solidFill>
-            <a:ln>
-              <a:noFill/>
-            </a:ln>
-          </p:spPr>
-          <p:style>
-            <a:lnRef idx="2">
-              <a:schemeClr val="accent1">
-                <a:shade val="50000"/>
-              </a:schemeClr>
-            </a:lnRef>
-            <a:fillRef idx="1">
-              <a:schemeClr val="accent1"/>
-            </a:fillRef>
-            <a:effectRef idx="0">
-              <a:schemeClr val="accent1"/>
-            </a:effectRef>
-            <a:fontRef idx="minor">
-              <a:schemeClr val="lt1"/>
-            </a:fontRef>
-          </p:style>
-          <p:txBody>
-            <a:bodyPr rtlCol="0" anchor="ctr"/>
-            <a:lstStyle/>
-            <a:p>
-              <a:pPr algn="ctr"/>
-              <a:endParaRPr lang="ko-KR" altLang="en-US" sz="2399" dirty="0"/>
-            </a:p>
-          </p:txBody>
-        </p:sp>
-        <p:sp>
-          <p:nvSpPr>
-            <p:cNvPr id="11" name="Rounded Rectangle 16">
-              <a:extLst>
-                <a:ext uri="{FF2B5EF4-FFF2-40B4-BE49-F238E27FC236}">
-                  <a16:creationId xmlns:a16="http://schemas.microsoft.com/office/drawing/2014/main" id="{F12C06CE-2BBE-46C2-B718-813794C58DF9}"/>
-                </a:ext>
-              </a:extLst>
-            </p:cNvPr>
-            <p:cNvSpPr/>
-            <p:nvPr userDrawn="1"/>
-          </p:nvSpPr>
-          <p:spPr>
-            <a:xfrm>
-              <a:off x="540767" y="1781251"/>
-              <a:ext cx="85794" cy="4320631"/>
-            </a:xfrm>
-            <a:prstGeom prst="roundRect">
-              <a:avLst>
-                <a:gd name="adj" fmla="val 50000"/>
-              </a:avLst>
-            </a:prstGeom>
-            <a:solidFill>
-              <a:schemeClr val="bg2">
-                <a:alpha val="41000"/>
-              </a:schemeClr>
-            </a:solidFill>
-            <a:ln>
-              <a:noFill/>
-            </a:ln>
-          </p:spPr>
-          <p:style>
-            <a:lnRef idx="2">
-              <a:schemeClr val="accent1">
-                <a:shade val="50000"/>
-              </a:schemeClr>
-            </a:lnRef>
-            <a:fillRef idx="1">
-              <a:schemeClr val="accent1"/>
-            </a:fillRef>
-            <a:effectRef idx="0">
-              <a:schemeClr val="accent1"/>
-            </a:effectRef>
-            <a:fontRef idx="minor">
-              <a:schemeClr val="lt1"/>
-            </a:fontRef>
-          </p:style>
-          <p:txBody>
-            <a:bodyPr rtlCol="0" anchor="ctr"/>
-            <a:lstStyle/>
-            <a:p>
-              <a:pPr algn="ctr"/>
-              <a:endParaRPr lang="ko-KR" altLang="en-US" sz="2399">
-                <a:solidFill>
-                  <a:schemeClr val="bg1"/>
-                </a:solidFill>
-              </a:endParaRPr>
-            </a:p>
-          </p:txBody>
-        </p:sp>
-        <p:sp>
-          <p:nvSpPr>
-            <p:cNvPr id="12" name="Half Frame 11">
-              <a:extLst>
-                <a:ext uri="{FF2B5EF4-FFF2-40B4-BE49-F238E27FC236}">
-                  <a16:creationId xmlns:a16="http://schemas.microsoft.com/office/drawing/2014/main" id="{66CDBB1E-AF3C-43FC-9F34-2DD691F81726}"/>
-                </a:ext>
-              </a:extLst>
-            </p:cNvPr>
-            <p:cNvSpPr/>
-            <p:nvPr userDrawn="1"/>
-          </p:nvSpPr>
-          <p:spPr>
-            <a:xfrm rot="5400000">
-              <a:off x="3762569" y="1912372"/>
-              <a:ext cx="669775" cy="238503"/>
-            </a:xfrm>
-            <a:prstGeom prst="halfFrame">
-              <a:avLst>
-                <a:gd name="adj1" fmla="val 23728"/>
-                <a:gd name="adj2" fmla="val 24642"/>
-              </a:avLst>
-            </a:prstGeom>
-            <a:solidFill>
-              <a:schemeClr val="bg2">
-                <a:alpha val="23000"/>
-              </a:schemeClr>
-            </a:solidFill>
-            <a:ln>
-              <a:noFill/>
-            </a:ln>
-          </p:spPr>
-          <p:style>
-            <a:lnRef idx="2">
-              <a:schemeClr val="accent1">
-                <a:shade val="50000"/>
-              </a:schemeClr>
-            </a:lnRef>
-            <a:fillRef idx="1">
-              <a:schemeClr val="accent1"/>
-            </a:fillRef>
-            <a:effectRef idx="0">
-              <a:schemeClr val="accent1"/>
-            </a:effectRef>
-            <a:fontRef idx="minor">
-              <a:schemeClr val="lt1"/>
-            </a:fontRef>
-          </p:style>
-          <p:txBody>
-            <a:bodyPr rtlCol="0" anchor="ctr"/>
-            <a:lstStyle/>
-            <a:p>
-              <a:pPr algn="ctr"/>
-              <a:endParaRPr lang="ko-KR" altLang="en-US" sz="2399">
-                <a:solidFill>
-                  <a:schemeClr val="tx1"/>
-                </a:solidFill>
-              </a:endParaRPr>
-            </a:p>
-          </p:txBody>
-        </p:sp>
-      </p:grpSp>
-      <p:sp>
-        <p:nvSpPr>
-          <p:cNvPr id="15" name="Content Placeholder 4">
-            <a:extLst>
-              <a:ext uri="{FF2B5EF4-FFF2-40B4-BE49-F238E27FC236}">
-                <a16:creationId xmlns:a16="http://schemas.microsoft.com/office/drawing/2014/main" id="{B96A0DF8-27E7-4DC8-BBE3-7238AAAEB845}"/>
-              </a:ext>
-            </a:extLst>
-          </p:cNvPr>
-          <p:cNvSpPr txBox="1">
-            <a:spLocks/>
-          </p:cNvSpPr>
-          <p:nvPr/>
-        </p:nvSpPr>
-        <p:spPr>
-          <a:xfrm>
-            <a:off x="741000" y="1610812"/>
-            <a:ext cx="11040744" cy="4894130"/>
-          </a:xfrm>
-          <a:prstGeom prst="rect">
-            <a:avLst/>
-          </a:prstGeom>
-        </p:spPr>
-        <p:txBody>
-          <a:bodyPr vert="horz" lIns="108000" tIns="36000" rIns="108000" bIns="36000" rtlCol="0">
-            <a:noAutofit/>
-          </a:bodyPr>
-          <a:lstStyle>
-            <a:lvl1pPr marL="456915" indent="-456915" algn="l" defTabSz="1218438" rtl="0" eaLnBrk="1" latinLnBrk="0" hangingPunct="1">
-              <a:lnSpc>
-                <a:spcPct val="105000"/>
-              </a:lnSpc>
-              <a:spcBef>
-                <a:spcPts val="600"/>
-              </a:spcBef>
-              <a:spcAft>
-                <a:spcPts val="600"/>
-              </a:spcAft>
-              <a:buFont typeface="Wingdings" panose="05000000000000000000" pitchFamily="2" charset="2"/>
-              <a:buChar char="§"/>
-              <a:defRPr sz="3398" kern="1200">
-                <a:solidFill>
-                  <a:schemeClr val="tx1"/>
-                </a:solidFill>
-                <a:latin typeface="+mn-lt"/>
-                <a:ea typeface="+mn-ea"/>
-                <a:cs typeface="+mn-cs"/>
-              </a:defRPr>
-            </a:lvl1pPr>
-            <a:lvl2pPr marL="989981" indent="-380762" algn="l" defTabSz="1218438" rtl="0" eaLnBrk="1" latinLnBrk="0" hangingPunct="1">
-              <a:lnSpc>
-                <a:spcPct val="105000"/>
-              </a:lnSpc>
-              <a:spcBef>
-                <a:spcPts val="600"/>
-              </a:spcBef>
-              <a:spcAft>
-                <a:spcPts val="600"/>
-              </a:spcAft>
-              <a:buFont typeface="Wingdings" panose="05000000000000000000" pitchFamily="2" charset="2"/>
-              <a:buChar char="§"/>
-              <a:defRPr sz="3198" kern="1200">
-                <a:solidFill>
-                  <a:schemeClr val="tx1"/>
-                </a:solidFill>
-                <a:latin typeface="+mn-lt"/>
-                <a:ea typeface="+mn-ea"/>
-                <a:cs typeface="+mn-cs"/>
-              </a:defRPr>
-            </a:lvl2pPr>
-            <a:lvl3pPr marL="1523048" indent="-304610" algn="l" defTabSz="1218438" rtl="0" eaLnBrk="1" latinLnBrk="0" hangingPunct="1">
-              <a:lnSpc>
-                <a:spcPct val="105000"/>
-              </a:lnSpc>
-              <a:spcBef>
-                <a:spcPts val="600"/>
-              </a:spcBef>
-              <a:spcAft>
-                <a:spcPts val="600"/>
-              </a:spcAft>
-              <a:buFont typeface="Wingdings" panose="05000000000000000000" pitchFamily="2" charset="2"/>
-              <a:buChar char="§"/>
-              <a:defRPr sz="2998" kern="1200">
-                <a:solidFill>
-                  <a:schemeClr val="tx1"/>
-                </a:solidFill>
-                <a:latin typeface="+mn-lt"/>
-                <a:ea typeface="+mn-ea"/>
-                <a:cs typeface="+mn-cs"/>
-              </a:defRPr>
-            </a:lvl3pPr>
-            <a:lvl4pPr marL="2132267" indent="-304610" algn="l" defTabSz="1218438" rtl="0" eaLnBrk="1" latinLnBrk="0" hangingPunct="1">
-              <a:lnSpc>
-                <a:spcPct val="105000"/>
-              </a:lnSpc>
-              <a:spcBef>
-                <a:spcPts val="600"/>
-              </a:spcBef>
-              <a:spcAft>
-                <a:spcPts val="600"/>
-              </a:spcAft>
-              <a:buFont typeface="Wingdings" panose="05000000000000000000" pitchFamily="2" charset="2"/>
-              <a:buChar char="§"/>
-              <a:defRPr sz="2798" kern="1200">
-                <a:solidFill>
-                  <a:schemeClr val="tx1"/>
-                </a:solidFill>
-                <a:latin typeface="+mn-lt"/>
-                <a:ea typeface="+mn-ea"/>
-                <a:cs typeface="+mn-cs"/>
-              </a:defRPr>
-            </a:lvl4pPr>
-            <a:lvl5pPr marL="2741485" indent="-304610" algn="l" defTabSz="1218438" rtl="0" eaLnBrk="1" latinLnBrk="0" hangingPunct="1">
-              <a:lnSpc>
-                <a:spcPct val="105000"/>
-              </a:lnSpc>
-              <a:spcBef>
-                <a:spcPts val="600"/>
-              </a:spcBef>
-              <a:spcAft>
-                <a:spcPts val="600"/>
-              </a:spcAft>
-              <a:buFont typeface="Wingdings" panose="05000000000000000000" pitchFamily="2" charset="2"/>
-              <a:buChar char="§"/>
-              <a:defRPr sz="2598" kern="1200">
-                <a:solidFill>
-                  <a:schemeClr val="tx1"/>
-                </a:solidFill>
-                <a:latin typeface="+mn-lt"/>
-                <a:ea typeface="+mn-ea"/>
-                <a:cs typeface="+mn-cs"/>
-              </a:defRPr>
-            </a:lvl5pPr>
-            <a:lvl6pPr marL="3350704" indent="-304610" algn="l" defTabSz="1218438" rtl="0" eaLnBrk="1" latinLnBrk="0" hangingPunct="1">
-              <a:spcBef>
-                <a:spcPct val="20000"/>
-              </a:spcBef>
-              <a:buFont typeface="Arial" pitchFamily="34" charset="0"/>
-              <a:buChar char="•"/>
-              <a:defRPr sz="2665" kern="1200">
-                <a:solidFill>
-                  <a:schemeClr val="tx1"/>
-                </a:solidFill>
-                <a:latin typeface="+mn-lt"/>
-                <a:ea typeface="+mn-ea"/>
-                <a:cs typeface="+mn-cs"/>
-              </a:defRPr>
-            </a:lvl6pPr>
-            <a:lvl7pPr marL="3959924" indent="-304610" algn="l" defTabSz="1218438" rtl="0" eaLnBrk="1" latinLnBrk="0" hangingPunct="1">
-              <a:spcBef>
-                <a:spcPct val="20000"/>
-              </a:spcBef>
-              <a:buFont typeface="Arial" pitchFamily="34" charset="0"/>
-              <a:buChar char="•"/>
-              <a:defRPr sz="2665" kern="1200">
-                <a:solidFill>
-                  <a:schemeClr val="tx1"/>
-                </a:solidFill>
-                <a:latin typeface="+mn-lt"/>
-                <a:ea typeface="+mn-ea"/>
-                <a:cs typeface="+mn-cs"/>
-              </a:defRPr>
-            </a:lvl7pPr>
-            <a:lvl8pPr marL="4569143" indent="-304610" algn="l" defTabSz="1218438" rtl="0" eaLnBrk="1" latinLnBrk="0" hangingPunct="1">
-              <a:spcBef>
-                <a:spcPct val="20000"/>
-              </a:spcBef>
-              <a:buFont typeface="Arial" pitchFamily="34" charset="0"/>
-              <a:buChar char="•"/>
-              <a:defRPr sz="2665" kern="1200">
-                <a:solidFill>
-                  <a:schemeClr val="tx1"/>
-                </a:solidFill>
-                <a:latin typeface="+mn-lt"/>
-                <a:ea typeface="+mn-ea"/>
-                <a:cs typeface="+mn-cs"/>
-              </a:defRPr>
-            </a:lvl8pPr>
-            <a:lvl9pPr marL="5178362" indent="-304610" algn="l" defTabSz="1218438" rtl="0" eaLnBrk="1" latinLnBrk="0" hangingPunct="1">
-              <a:spcBef>
-                <a:spcPct val="20000"/>
-              </a:spcBef>
-              <a:buFont typeface="Arial" pitchFamily="34" charset="0"/>
-              <a:buChar char="•"/>
-              <a:defRPr sz="2665" kern="1200">
-                <a:solidFill>
-                  <a:schemeClr val="tx1"/>
-                </a:solidFill>
-                <a:latin typeface="+mn-lt"/>
-                <a:ea typeface="+mn-ea"/>
-                <a:cs typeface="+mn-cs"/>
-              </a:defRPr>
-            </a:lvl9pPr>
-          </a:lstStyle>
-          <a:p>
-            <a:pPr marL="355600" indent="-355600">
-              <a:lnSpc>
-                <a:spcPct val="100000"/>
-              </a:lnSpc>
-              <a:buClr>
-                <a:schemeClr val="bg2"/>
-              </a:buClr>
-            </a:pPr>
-            <a:r>
-              <a:rPr lang="ru-RU" sz="2600" b="1" dirty="0" smtClean="0">
-                <a:solidFill>
-                  <a:schemeClr val="bg1">
-                    <a:lumMod val="60000"/>
-                    <a:lumOff val="40000"/>
-                  </a:schemeClr>
-                </a:solidFill>
-              </a:rPr>
-              <a:t>ТОДО</a:t>
-            </a:r>
-            <a:endParaRPr lang="ru-RU" sz="2600" b="1" dirty="0">
-              <a:solidFill>
-                <a:schemeClr val="bg2"/>
-              </a:solidFill>
-            </a:endParaRPr>
-          </a:p>
-          <a:p>
-            <a:pPr marL="355600" indent="-355600">
-              <a:lnSpc>
-                <a:spcPct val="100000"/>
-              </a:lnSpc>
-              <a:buClr>
-                <a:schemeClr val="bg2"/>
-              </a:buClr>
-            </a:pPr>
-            <a:endParaRPr lang="ru-RU" sz="2800" b="1" dirty="0" smtClean="0">
-              <a:solidFill>
-                <a:schemeClr val="bg2"/>
-              </a:solidFill>
-            </a:endParaRPr>
-          </a:p>
-          <a:p>
-            <a:pPr marL="355600" indent="-355600">
-              <a:lnSpc>
-                <a:spcPct val="100000"/>
-              </a:lnSpc>
-              <a:buClr>
-                <a:schemeClr val="bg2"/>
-              </a:buClr>
-            </a:pPr>
-            <a:endParaRPr lang="ru-RU" sz="2800" b="1" dirty="0">
-              <a:solidFill>
-                <a:schemeClr val="bg2"/>
-              </a:solidFill>
-            </a:endParaRPr>
-          </a:p>
-          <a:p>
-            <a:pPr marL="355600" indent="-355600">
-              <a:lnSpc>
-                <a:spcPct val="100000"/>
-              </a:lnSpc>
-              <a:buClr>
-                <a:schemeClr val="bg2"/>
-              </a:buClr>
-            </a:pPr>
-            <a:endParaRPr lang="en-US" sz="2400" dirty="0" smtClean="0">
-              <a:solidFill>
-                <a:schemeClr val="bg2"/>
-              </a:solidFill>
-            </a:endParaRPr>
-          </a:p>
-        </p:txBody>
-      </p:sp>
-    </p:spTree>
-    <p:extLst>
-      <p:ext uri="{BB962C8B-B14F-4D97-AF65-F5344CB8AC3E}">
-        <p14:creationId xmlns:p14="http://schemas.microsoft.com/office/powerpoint/2010/main" val="3528394487"/>
       </p:ext>
     </p:extLst>
   </p:cSld>
@@ -12191,11 +15286,199 @@
                                           </p:stCondLst>
                                         </p:cTn>
                                         <p:tgtEl>
-                                          <p:spTgt spid="15">
+                                          <p:spTgt spid="3">
                                             <p:txEl>
-                                              <p:pRg st="0" end="0"/>
+                                              <p:pRg st="1" end="1"/>
                                             </p:txEl>
                                           </p:spTgt>
+                                        </p:tgtEl>
+                                        <p:attrNameLst>
+                                          <p:attrName>style.visibility</p:attrName>
+                                        </p:attrNameLst>
+                                      </p:cBhvr>
+                                      <p:to>
+                                        <p:strVal val="visible"/>
+                                      </p:to>
+                                    </p:set>
+                                  </p:childTnLst>
+                                </p:cTn>
+                              </p:par>
+                            </p:childTnLst>
+                          </p:cTn>
+                        </p:par>
+                      </p:childTnLst>
+                    </p:cTn>
+                  </p:par>
+                  <p:par>
+                    <p:cTn id="7" fill="hold">
+                      <p:stCondLst>
+                        <p:cond delay="indefinite"/>
+                      </p:stCondLst>
+                      <p:childTnLst>
+                        <p:par>
+                          <p:cTn id="8" fill="hold">
+                            <p:stCondLst>
+                              <p:cond delay="0"/>
+                            </p:stCondLst>
+                            <p:childTnLst>
+                              <p:par>
+                                <p:cTn id="9" presetID="1" presetClass="entr" presetSubtype="0" fill="hold" nodeType="clickEffect">
+                                  <p:stCondLst>
+                                    <p:cond delay="0"/>
+                                  </p:stCondLst>
+                                  <p:childTnLst>
+                                    <p:set>
+                                      <p:cBhvr>
+                                        <p:cTn id="10" dur="1" fill="hold">
+                                          <p:stCondLst>
+                                            <p:cond delay="0"/>
+                                          </p:stCondLst>
+                                        </p:cTn>
+                                        <p:tgtEl>
+                                          <p:spTgt spid="3">
+                                            <p:txEl>
+                                              <p:pRg st="2" end="2"/>
+                                            </p:txEl>
+                                          </p:spTgt>
+                                        </p:tgtEl>
+                                        <p:attrNameLst>
+                                          <p:attrName>style.visibility</p:attrName>
+                                        </p:attrNameLst>
+                                      </p:cBhvr>
+                                      <p:to>
+                                        <p:strVal val="visible"/>
+                                      </p:to>
+                                    </p:set>
+                                  </p:childTnLst>
+                                </p:cTn>
+                              </p:par>
+                            </p:childTnLst>
+                          </p:cTn>
+                        </p:par>
+                      </p:childTnLst>
+                    </p:cTn>
+                  </p:par>
+                  <p:par>
+                    <p:cTn id="11" fill="hold">
+                      <p:stCondLst>
+                        <p:cond delay="indefinite"/>
+                      </p:stCondLst>
+                      <p:childTnLst>
+                        <p:par>
+                          <p:cTn id="12" fill="hold">
+                            <p:stCondLst>
+                              <p:cond delay="0"/>
+                            </p:stCondLst>
+                            <p:childTnLst>
+                              <p:par>
+                                <p:cTn id="13" presetID="1" presetClass="entr" presetSubtype="0" fill="hold" nodeType="clickEffect">
+                                  <p:stCondLst>
+                                    <p:cond delay="0"/>
+                                  </p:stCondLst>
+                                  <p:childTnLst>
+                                    <p:set>
+                                      <p:cBhvr>
+                                        <p:cTn id="14" dur="1" fill="hold">
+                                          <p:stCondLst>
+                                            <p:cond delay="0"/>
+                                          </p:stCondLst>
+                                        </p:cTn>
+                                        <p:tgtEl>
+                                          <p:spTgt spid="3">
+                                            <p:txEl>
+                                              <p:pRg st="3" end="3"/>
+                                            </p:txEl>
+                                          </p:spTgt>
+                                        </p:tgtEl>
+                                        <p:attrNameLst>
+                                          <p:attrName>style.visibility</p:attrName>
+                                        </p:attrNameLst>
+                                      </p:cBhvr>
+                                      <p:to>
+                                        <p:strVal val="visible"/>
+                                      </p:to>
+                                    </p:set>
+                                  </p:childTnLst>
+                                </p:cTn>
+                              </p:par>
+                            </p:childTnLst>
+                          </p:cTn>
+                        </p:par>
+                      </p:childTnLst>
+                    </p:cTn>
+                  </p:par>
+                  <p:par>
+                    <p:cTn id="15" fill="hold">
+                      <p:stCondLst>
+                        <p:cond delay="indefinite"/>
+                      </p:stCondLst>
+                      <p:childTnLst>
+                        <p:par>
+                          <p:cTn id="16" fill="hold">
+                            <p:stCondLst>
+                              <p:cond delay="0"/>
+                            </p:stCondLst>
+                            <p:childTnLst>
+                              <p:par>
+                                <p:cTn id="17" presetID="1" presetClass="entr" presetSubtype="0" fill="hold" nodeType="clickEffect">
+                                  <p:stCondLst>
+                                    <p:cond delay="0"/>
+                                  </p:stCondLst>
+                                  <p:childTnLst>
+                                    <p:set>
+                                      <p:cBhvr>
+                                        <p:cTn id="18" dur="1" fill="hold">
+                                          <p:stCondLst>
+                                            <p:cond delay="0"/>
+                                          </p:stCondLst>
+                                        </p:cTn>
+                                        <p:tgtEl>
+                                          <p:spTgt spid="6"/>
+                                        </p:tgtEl>
+                                        <p:attrNameLst>
+                                          <p:attrName>style.visibility</p:attrName>
+                                        </p:attrNameLst>
+                                      </p:cBhvr>
+                                      <p:to>
+                                        <p:strVal val="visible"/>
+                                      </p:to>
+                                    </p:set>
+                                  </p:childTnLst>
+                                </p:cTn>
+                              </p:par>
+                            </p:childTnLst>
+                          </p:cTn>
+                        </p:par>
+                      </p:childTnLst>
+                    </p:cTn>
+                  </p:par>
+                  <p:par>
+                    <p:cTn id="19" fill="hold">
+                      <p:stCondLst>
+                        <p:cond delay="indefinite"/>
+                      </p:stCondLst>
+                      <p:childTnLst>
+                        <p:par>
+                          <p:cTn id="20" fill="hold">
+                            <p:stCondLst>
+                              <p:cond delay="0"/>
+                            </p:stCondLst>
+                            <p:childTnLst>
+                              <p:par>
+                                <p:cTn id="21" presetID="1" presetClass="entr" presetSubtype="0" fill="hold" nodeType="clickEffect">
+                                  <p:stCondLst>
+                                    <p:cond delay="0"/>
+                                  </p:stCondLst>
+                                  <p:childTnLst>
+                                    <p:set>
+                                      <p:cBhvr>
+                                        <p:cTn id="22" dur="1" fill="hold">
+                                          <p:stCondLst>
+                                            <p:cond delay="0"/>
+                                          </p:stCondLst>
+                                        </p:cTn>
+                                        <p:tgtEl>
+                                          <p:spTgt spid="8"/>
                                         </p:tgtEl>
                                         <p:attrNameLst>
                                           <p:attrName>style.visibility</p:attrName>
@@ -12239,7 +15522,7 @@
 </p:sld>
 </file>
 
-<file path=ppt/slides/slide9.xml><?xml version="1.0" encoding="utf-8"?>
+<file path=ppt/slides/slide8.xml><?xml version="1.0" encoding="utf-8"?>
 <p:sld xmlns:a="http://schemas.openxmlformats.org/drawingml/2006/main" xmlns:r="http://schemas.openxmlformats.org/officeDocument/2006/relationships" xmlns:p="http://schemas.openxmlformats.org/presentationml/2006/main">
   <p:cSld>
     <p:spTree>
@@ -12258,160 +15541,70 @@
       </p:grpSpPr>
       <p:sp>
         <p:nvSpPr>
-          <p:cNvPr id="5" name="Slide Title">
-            <a:extLst>
-              <a:ext uri="{FF2B5EF4-FFF2-40B4-BE49-F238E27FC236}">
-                <a16:creationId xmlns:a16="http://schemas.microsoft.com/office/drawing/2014/main" id="{FA0703FC-0F8F-4C80-A615-E4B381EC0E0C}"/>
-              </a:ext>
-            </a:extLst>
-          </p:cNvPr>
+          <p:cNvPr id="5" name="Title 4"/>
           <p:cNvSpPr>
             <a:spLocks noGrp="1"/>
           </p:cNvSpPr>
           <p:nvPr>
-            <p:ph type="title"/>
+            <p:ph type="title" sz="quarter" idx="10"/>
           </p:nvPr>
         </p:nvSpPr>
-        <p:spPr/>
+        <p:spPr>
+          <a:xfrm>
+            <a:off x="615109" y="5360916"/>
+            <a:ext cx="10961783" cy="768084"/>
+          </a:xfrm>
+        </p:spPr>
         <p:txBody>
           <a:bodyPr/>
           <a:lstStyle/>
           <a:p>
             <a:r>
+              <a:rPr lang="bg-BG" dirty="0" smtClean="0"/>
+              <a:t>Вградени </a:t>
+            </a:r>
+            <a:r>
               <a:rPr lang="bg-BG" dirty="0"/>
-              <a:t>Въпроси</a:t>
-            </a:r>
-            <a:r>
-              <a:rPr lang="en-US" dirty="0"/>
-              <a:t>?</a:t>
-            </a:r>
+              <a:t>функции</a:t>
+            </a:r>
+            <a:endParaRPr lang="en-US" dirty="0"/>
           </a:p>
         </p:txBody>
       </p:sp>
-      <p:sp>
-        <p:nvSpPr>
-          <p:cNvPr id="2" name="Rectangle Bottom Copyright">
+      <p:pic>
+        <p:nvPicPr>
+          <p:cNvPr id="7" name="Picture 6"/>
+          <p:cNvPicPr>
+            <a:picLocks noChangeAspect="1"/>
+          </p:cNvPicPr>
+          <p:nvPr/>
+        </p:nvPicPr>
+        <p:blipFill>
+          <a:blip r:embed="rId2">
             <a:extLst>
-              <a:ext uri="{FF2B5EF4-FFF2-40B4-BE49-F238E27FC236}">
-                <a16:creationId xmlns:a16="http://schemas.microsoft.com/office/drawing/2014/main" id="{664812A4-2991-44D1-BFE9-32E55AADF8A5}"/>
+              <a:ext uri="{28A0092B-C50C-407E-A947-70E740481C1C}">
+                <a14:useLocalDpi xmlns:a14="http://schemas.microsoft.com/office/drawing/2010/main" val="0"/>
               </a:ext>
             </a:extLst>
-          </p:cNvPr>
-          <p:cNvSpPr/>
-          <p:nvPr/>
-        </p:nvSpPr>
+          </a:blip>
+          <a:stretch>
+            <a:fillRect/>
+          </a:stretch>
+        </p:blipFill>
         <p:spPr>
           <a:xfrm>
-            <a:off x="111000" y="6454758"/>
-            <a:ext cx="11970000" cy="304242"/>
+            <a:off x="4804568" y="1269000"/>
+            <a:ext cx="2582864" cy="2786916"/>
           </a:xfrm>
           <a:prstGeom prst="rect">
             <a:avLst/>
           </a:prstGeom>
         </p:spPr>
-        <p:txBody>
-          <a:bodyPr wrap="square">
-            <a:noAutofit/>
-          </a:bodyPr>
-          <a:lstStyle/>
-          <a:p>
-            <a:pPr algn="ctr">
-              <a:lnSpc>
-                <a:spcPct val="100000"/>
-              </a:lnSpc>
-              <a:spcBef>
-                <a:spcPts val="0"/>
-              </a:spcBef>
-              <a:spcAft>
-                <a:spcPts val="0"/>
-              </a:spcAft>
-            </a:pPr>
-            <a:r>
-              <a:rPr lang="bg-BG" sz="1600" dirty="0">
-                <a:solidFill>
-                  <a:schemeClr val="bg2"/>
-                </a:solidFill>
-                <a:effectLst/>
-                <a:latin typeface="Calibri" panose="020F0502020204030204" pitchFamily="34" charset="0"/>
-                <a:ea typeface="Calibri" panose="020F0502020204030204" pitchFamily="34" charset="0"/>
-                <a:cs typeface="Arial" panose="020B0604020202020204" pitchFamily="34" charset="0"/>
-              </a:rPr>
-              <a:t>Проект "</a:t>
-            </a:r>
-            <a:r>
-              <a:rPr lang="bg-BG" sz="1600" dirty="0">
-                <a:solidFill>
-                  <a:schemeClr val="bg1">
-                    <a:lumMod val="20000"/>
-                    <a:lumOff val="80000"/>
-                  </a:schemeClr>
-                </a:solidFill>
-                <a:effectLst/>
-                <a:latin typeface="Calibri" panose="020F0502020204030204" pitchFamily="34" charset="0"/>
-                <a:ea typeface="Calibri" panose="020F0502020204030204" pitchFamily="34" charset="0"/>
-                <a:cs typeface="Arial" panose="020B0604020202020204" pitchFamily="34" charset="0"/>
-                <a:hlinkClick r:id="rId3">
-                  <a:extLst>
-                    <a:ext uri="{A12FA001-AC4F-418D-AE19-62706E023703}">
-                      <ahyp:hlinkClr xmlns="" xmlns:ahyp="http://schemas.microsoft.com/office/drawing/2018/hyperlinkcolor" val="tx"/>
-                    </a:ext>
-                  </a:extLst>
-                </a:hlinkClick>
-              </a:rPr>
-              <a:t>Отворено учебно съдържание по програмиране и ИТ</a:t>
-            </a:r>
-            <a:r>
-              <a:rPr lang="bg-BG" sz="1600" dirty="0">
-                <a:solidFill>
-                  <a:schemeClr val="bg2"/>
-                </a:solidFill>
-                <a:effectLst/>
-                <a:latin typeface="Calibri" panose="020F0502020204030204" pitchFamily="34" charset="0"/>
-                <a:ea typeface="Calibri" panose="020F0502020204030204" pitchFamily="34" charset="0"/>
-                <a:cs typeface="Arial" panose="020B0604020202020204" pitchFamily="34" charset="0"/>
-              </a:rPr>
-              <a:t>", СофтУни Фондация (лиценз </a:t>
-            </a:r>
-            <a:r>
-              <a:rPr lang="en-US" sz="1600" dirty="0">
-                <a:solidFill>
-                  <a:schemeClr val="bg2"/>
-                </a:solidFill>
-                <a:effectLst/>
-                <a:latin typeface="Calibri" panose="020F0502020204030204" pitchFamily="34" charset="0"/>
-                <a:ea typeface="Calibri" panose="020F0502020204030204" pitchFamily="34" charset="0"/>
-                <a:cs typeface="Arial" panose="020B0604020202020204" pitchFamily="34" charset="0"/>
-              </a:rPr>
-              <a:t>CC-BY-NC-SA</a:t>
-            </a:r>
-            <a:r>
-              <a:rPr lang="bg-BG" sz="1600" dirty="0">
-                <a:solidFill>
-                  <a:schemeClr val="bg2"/>
-                </a:solidFill>
-                <a:effectLst/>
-                <a:latin typeface="Calibri" panose="020F0502020204030204" pitchFamily="34" charset="0"/>
-                <a:ea typeface="Calibri" panose="020F0502020204030204" pitchFamily="34" charset="0"/>
-                <a:cs typeface="Arial" panose="020B0604020202020204" pitchFamily="34" charset="0"/>
-              </a:rPr>
-              <a:t>)</a:t>
-            </a:r>
-            <a:endParaRPr lang="bg-BG" sz="2400" dirty="0">
-              <a:solidFill>
-                <a:schemeClr val="bg2"/>
-              </a:solidFill>
-              <a:effectLst/>
-              <a:latin typeface="Calibri" panose="020F0502020204030204" pitchFamily="34" charset="0"/>
-              <a:ea typeface="Calibri" panose="020F0502020204030204" pitchFamily="34" charset="0"/>
-              <a:cs typeface="Arial" panose="020B0604020202020204" pitchFamily="34" charset="0"/>
-            </a:endParaRPr>
-          </a:p>
-        </p:txBody>
-      </p:sp>
+      </p:pic>
     </p:spTree>
     <p:extLst>
       <p:ext uri="{BB962C8B-B14F-4D97-AF65-F5344CB8AC3E}">
-        <p14:creationId xmlns:p14="http://schemas.microsoft.com/office/powerpoint/2010/main" val="1472534970"/>
+        <p14:creationId xmlns:p14="http://schemas.microsoft.com/office/powerpoint/2010/main" val="1866150698"/>
       </p:ext>
     </p:extLst>
   </p:cSld>
@@ -12430,6 +15623,440 @@
     <p:tnLst>
       <p:par>
         <p:cTn id="1" dur="indefinite" restart="never" nodeType="tmRoot"/>
+      </p:par>
+    </p:tnLst>
+  </p:timing>
+</p:sld>
+</file>
+
+<file path=ppt/slides/slide9.xml><?xml version="1.0" encoding="utf-8"?>
+<p:sld xmlns:a="http://schemas.openxmlformats.org/drawingml/2006/main" xmlns:r="http://schemas.openxmlformats.org/officeDocument/2006/relationships" xmlns:p="http://schemas.openxmlformats.org/presentationml/2006/main">
+  <p:cSld>
+    <p:spTree>
+      <p:nvGrpSpPr>
+        <p:cNvPr id="1" name=""/>
+        <p:cNvGrpSpPr/>
+        <p:nvPr/>
+      </p:nvGrpSpPr>
+      <p:grpSpPr>
+        <a:xfrm>
+          <a:off x="0" y="0"/>
+          <a:ext cx="0" cy="0"/>
+          <a:chOff x="0" y="0"/>
+          <a:chExt cx="0" cy="0"/>
+        </a:xfrm>
+      </p:grpSpPr>
+      <p:sp>
+        <p:nvSpPr>
+          <p:cNvPr id="5" name="Text Placeholder 4"/>
+          <p:cNvSpPr>
+            <a:spLocks noGrp="1"/>
+          </p:cNvSpPr>
+          <p:nvPr>
+            <p:ph type="body" sz="quarter" idx="10"/>
+          </p:nvPr>
+        </p:nvSpPr>
+        <p:spPr/>
+        <p:txBody>
+          <a:bodyPr/>
+          <a:lstStyle/>
+          <a:p>
+            <a:r>
+              <a:rPr lang="bg-BG" dirty="0" smtClean="0"/>
+              <a:t>В </a:t>
+            </a:r>
+            <a:r>
+              <a:rPr lang="en-US" b="1" dirty="0" smtClean="0"/>
+              <a:t>Excel</a:t>
+            </a:r>
+            <a:r>
+              <a:rPr lang="en-US" dirty="0" smtClean="0"/>
+              <a:t> </a:t>
+            </a:r>
+            <a:r>
+              <a:rPr lang="bg-BG" dirty="0" smtClean="0"/>
+              <a:t>има </a:t>
+            </a:r>
+            <a:r>
+              <a:rPr lang="bg-BG" b="1" dirty="0" smtClean="0"/>
+              <a:t>вградени функции</a:t>
+            </a:r>
+          </a:p>
+          <a:p>
+            <a:pPr lvl="1"/>
+            <a:r>
+              <a:rPr lang="bg-BG" dirty="0" smtClean="0"/>
+              <a:t>Те се задават с </a:t>
+            </a:r>
+            <a:r>
+              <a:rPr lang="bg-BG" b="1" dirty="0" smtClean="0"/>
+              <a:t>име</a:t>
+            </a:r>
+            <a:r>
+              <a:rPr lang="bg-BG" dirty="0" smtClean="0"/>
+              <a:t> и </a:t>
+            </a:r>
+            <a:r>
+              <a:rPr lang="bg-BG" b="1" dirty="0" smtClean="0"/>
+              <a:t>аргументи</a:t>
+            </a:r>
+          </a:p>
+          <a:p>
+            <a:r>
+              <a:rPr lang="bg-BG" dirty="0" smtClean="0"/>
+              <a:t>͏</a:t>
+            </a:r>
+            <a:r>
+              <a:rPr lang="bg-BG" b="1" dirty="0" smtClean="0">
+                <a:solidFill>
+                  <a:schemeClr val="bg1"/>
+                </a:solidFill>
+              </a:rPr>
+              <a:t>Агрументи</a:t>
+            </a:r>
+            <a:r>
+              <a:rPr lang="bg-BG" dirty="0" smtClean="0"/>
+              <a:t> – конкретни стойности, върху които се изчислява формулата</a:t>
+            </a:r>
+          </a:p>
+          <a:p>
+            <a:pPr lvl="1"/>
+            <a:r>
+              <a:rPr lang="bg-BG" dirty="0" smtClean="0"/>
+              <a:t>Могат да бъдат </a:t>
+            </a:r>
+            <a:r>
+              <a:rPr lang="bg-BG" b="1" dirty="0" smtClean="0"/>
+              <a:t>константи</a:t>
+            </a:r>
+            <a:r>
+              <a:rPr lang="bg-BG" dirty="0" smtClean="0"/>
+              <a:t>, </a:t>
+            </a:r>
+            <a:r>
+              <a:rPr lang="bg-BG" b="1" dirty="0" smtClean="0"/>
+              <a:t>адреси на клетки </a:t>
+            </a:r>
+            <a:r>
+              <a:rPr lang="bg-BG" dirty="0" smtClean="0"/>
+              <a:t>и </a:t>
+            </a:r>
+            <a:r>
+              <a:rPr lang="bg-BG" b="1" dirty="0" smtClean="0"/>
+              <a:t>др</a:t>
+            </a:r>
+            <a:r>
+              <a:rPr lang="bg-BG" dirty="0" smtClean="0"/>
+              <a:t>.</a:t>
+            </a:r>
+          </a:p>
+        </p:txBody>
+      </p:sp>
+      <p:sp>
+        <p:nvSpPr>
+          <p:cNvPr id="4" name="Title 3"/>
+          <p:cNvSpPr>
+            <a:spLocks noGrp="1"/>
+          </p:cNvSpPr>
+          <p:nvPr>
+            <p:ph type="title"/>
+          </p:nvPr>
+        </p:nvSpPr>
+        <p:spPr/>
+        <p:txBody>
+          <a:bodyPr/>
+          <a:lstStyle/>
+          <a:p>
+            <a:r>
+              <a:rPr lang="bg-BG" dirty="0" smtClean="0"/>
+              <a:t>Използване на вградени </a:t>
+            </a:r>
+            <a:r>
+              <a:rPr lang="bg-BG" dirty="0"/>
+              <a:t>функции</a:t>
+            </a:r>
+            <a:endParaRPr lang="en-US" dirty="0"/>
+          </a:p>
+        </p:txBody>
+      </p:sp>
+      <p:pic>
+        <p:nvPicPr>
+          <p:cNvPr id="1026" name="Picture 2" descr="The 15 Basic Excel Formulas Everyone Needs to Know | DataCamp"/>
+          <p:cNvPicPr>
+            <a:picLocks noChangeAspect="1" noChangeArrowheads="1"/>
+          </p:cNvPicPr>
+          <p:nvPr/>
+        </p:nvPicPr>
+        <p:blipFill>
+          <a:blip r:embed="rId2">
+            <a:extLst>
+              <a:ext uri="{28A0092B-C50C-407E-A947-70E740481C1C}">
+                <a14:useLocalDpi xmlns:a14="http://schemas.microsoft.com/office/drawing/2010/main" val="0"/>
+              </a:ext>
+            </a:extLst>
+          </a:blip>
+          <a:srcRect/>
+          <a:stretch>
+            <a:fillRect/>
+          </a:stretch>
+        </p:blipFill>
+        <p:spPr bwMode="auto">
+          <a:xfrm>
+            <a:off x="2790225" y="4510381"/>
+            <a:ext cx="6611550" cy="2203850"/>
+          </a:xfrm>
+          <a:prstGeom prst="rect">
+            <a:avLst/>
+          </a:prstGeom>
+          <a:noFill/>
+          <a:extLst>
+            <a:ext uri="{909E8E84-426E-40DD-AFC4-6F175D3DCCD1}">
+              <a14:hiddenFill xmlns:a14="http://schemas.microsoft.com/office/drawing/2010/main">
+                <a:solidFill>
+                  <a:srgbClr val="FFFFFF"/>
+                </a:solidFill>
+              </a14:hiddenFill>
+            </a:ext>
+          </a:extLst>
+        </p:spPr>
+      </p:pic>
+    </p:spTree>
+    <p:extLst>
+      <p:ext uri="{BB962C8B-B14F-4D97-AF65-F5344CB8AC3E}">
+        <p14:creationId xmlns:p14="http://schemas.microsoft.com/office/powerpoint/2010/main" val="1169605363"/>
+      </p:ext>
+    </p:extLst>
+  </p:cSld>
+  <p:clrMapOvr>
+    <a:masterClrMapping/>
+  </p:clrMapOvr>
+  <mc:AlternateContent xmlns:mc="http://schemas.openxmlformats.org/markup-compatibility/2006" xmlns:p14="http://schemas.microsoft.com/office/powerpoint/2010/main">
+    <mc:Choice Requires="p14">
+      <p:transition spd="slow" p14:dur="2000" advClick="0" advTm="5000"/>
+    </mc:Choice>
+    <mc:Fallback xmlns="">
+      <p:transition spd="slow" advClick="0" advTm="5000"/>
+    </mc:Fallback>
+  </mc:AlternateContent>
+  <p:timing>
+    <p:tnLst>
+      <p:par>
+        <p:cTn id="1" dur="indefinite" restart="never" nodeType="tmRoot">
+          <p:childTnLst>
+            <p:seq concurrent="1" nextAc="seek">
+              <p:cTn id="2" dur="indefinite" nodeType="mainSeq">
+                <p:childTnLst>
+                  <p:par>
+                    <p:cTn id="3" fill="hold">
+                      <p:stCondLst>
+                        <p:cond delay="indefinite"/>
+                      </p:stCondLst>
+                      <p:childTnLst>
+                        <p:par>
+                          <p:cTn id="4" fill="hold">
+                            <p:stCondLst>
+                              <p:cond delay="0"/>
+                            </p:stCondLst>
+                            <p:childTnLst>
+                              <p:par>
+                                <p:cTn id="5" presetID="1" presetClass="entr" presetSubtype="0" fill="hold" nodeType="clickEffect">
+                                  <p:stCondLst>
+                                    <p:cond delay="0"/>
+                                  </p:stCondLst>
+                                  <p:childTnLst>
+                                    <p:set>
+                                      <p:cBhvr>
+                                        <p:cTn id="6" dur="1" fill="hold">
+                                          <p:stCondLst>
+                                            <p:cond delay="0"/>
+                                          </p:stCondLst>
+                                        </p:cTn>
+                                        <p:tgtEl>
+                                          <p:spTgt spid="5">
+                                            <p:txEl>
+                                              <p:pRg st="1" end="1"/>
+                                            </p:txEl>
+                                          </p:spTgt>
+                                        </p:tgtEl>
+                                        <p:attrNameLst>
+                                          <p:attrName>style.visibility</p:attrName>
+                                        </p:attrNameLst>
+                                      </p:cBhvr>
+                                      <p:to>
+                                        <p:strVal val="visible"/>
+                                      </p:to>
+                                    </p:set>
+                                  </p:childTnLst>
+                                </p:cTn>
+                              </p:par>
+                            </p:childTnLst>
+                          </p:cTn>
+                        </p:par>
+                      </p:childTnLst>
+                    </p:cTn>
+                  </p:par>
+                  <p:par>
+                    <p:cTn id="7" fill="hold">
+                      <p:stCondLst>
+                        <p:cond delay="indefinite"/>
+                      </p:stCondLst>
+                      <p:childTnLst>
+                        <p:par>
+                          <p:cTn id="8" fill="hold">
+                            <p:stCondLst>
+                              <p:cond delay="0"/>
+                            </p:stCondLst>
+                            <p:childTnLst>
+                              <p:par>
+                                <p:cTn id="9" presetID="1" presetClass="entr" presetSubtype="0" fill="hold" nodeType="clickEffect">
+                                  <p:stCondLst>
+                                    <p:cond delay="0"/>
+                                  </p:stCondLst>
+                                  <p:childTnLst>
+                                    <p:set>
+                                      <p:cBhvr>
+                                        <p:cTn id="10" dur="1" fill="hold">
+                                          <p:stCondLst>
+                                            <p:cond delay="0"/>
+                                          </p:stCondLst>
+                                        </p:cTn>
+                                        <p:tgtEl>
+                                          <p:spTgt spid="5">
+                                            <p:txEl>
+                                              <p:pRg st="2" end="2"/>
+                                            </p:txEl>
+                                          </p:spTgt>
+                                        </p:tgtEl>
+                                        <p:attrNameLst>
+                                          <p:attrName>style.visibility</p:attrName>
+                                        </p:attrNameLst>
+                                      </p:cBhvr>
+                                      <p:to>
+                                        <p:strVal val="visible"/>
+                                      </p:to>
+                                    </p:set>
+                                  </p:childTnLst>
+                                </p:cTn>
+                              </p:par>
+                            </p:childTnLst>
+                          </p:cTn>
+                        </p:par>
+                      </p:childTnLst>
+                    </p:cTn>
+                  </p:par>
+                  <p:par>
+                    <p:cTn id="11" fill="hold">
+                      <p:stCondLst>
+                        <p:cond delay="indefinite"/>
+                      </p:stCondLst>
+                      <p:childTnLst>
+                        <p:par>
+                          <p:cTn id="12" fill="hold">
+                            <p:stCondLst>
+                              <p:cond delay="0"/>
+                            </p:stCondLst>
+                            <p:childTnLst>
+                              <p:par>
+                                <p:cTn id="13" presetID="1" presetClass="entr" presetSubtype="0" fill="hold" nodeType="clickEffect">
+                                  <p:stCondLst>
+                                    <p:cond delay="0"/>
+                                  </p:stCondLst>
+                                  <p:childTnLst>
+                                    <p:set>
+                                      <p:cBhvr>
+                                        <p:cTn id="14" dur="1" fill="hold">
+                                          <p:stCondLst>
+                                            <p:cond delay="0"/>
+                                          </p:stCondLst>
+                                        </p:cTn>
+                                        <p:tgtEl>
+                                          <p:spTgt spid="5">
+                                            <p:txEl>
+                                              <p:pRg st="3" end="3"/>
+                                            </p:txEl>
+                                          </p:spTgt>
+                                        </p:tgtEl>
+                                        <p:attrNameLst>
+                                          <p:attrName>style.visibility</p:attrName>
+                                        </p:attrNameLst>
+                                      </p:cBhvr>
+                                      <p:to>
+                                        <p:strVal val="visible"/>
+                                      </p:to>
+                                    </p:set>
+                                  </p:childTnLst>
+                                </p:cTn>
+                              </p:par>
+                            </p:childTnLst>
+                          </p:cTn>
+                        </p:par>
+                      </p:childTnLst>
+                    </p:cTn>
+                  </p:par>
+                  <p:par>
+                    <p:cTn id="15" fill="hold">
+                      <p:stCondLst>
+                        <p:cond delay="indefinite"/>
+                      </p:stCondLst>
+                      <p:childTnLst>
+                        <p:par>
+                          <p:cTn id="16" fill="hold">
+                            <p:stCondLst>
+                              <p:cond delay="0"/>
+                            </p:stCondLst>
+                            <p:childTnLst>
+                              <p:par>
+                                <p:cTn id="17" presetID="1" presetClass="entr" presetSubtype="0" fill="hold" nodeType="clickEffect">
+                                  <p:stCondLst>
+                                    <p:cond delay="0"/>
+                                  </p:stCondLst>
+                                  <p:childTnLst>
+                                    <p:set>
+                                      <p:cBhvr>
+                                        <p:cTn id="18" dur="1" fill="hold">
+                                          <p:stCondLst>
+                                            <p:cond delay="0"/>
+                                          </p:stCondLst>
+                                        </p:cTn>
+                                        <p:tgtEl>
+                                          <p:spTgt spid="1026"/>
+                                        </p:tgtEl>
+                                        <p:attrNameLst>
+                                          <p:attrName>style.visibility</p:attrName>
+                                        </p:attrNameLst>
+                                      </p:cBhvr>
+                                      <p:to>
+                                        <p:strVal val="visible"/>
+                                      </p:to>
+                                    </p:set>
+                                  </p:childTnLst>
+                                </p:cTn>
+                              </p:par>
+                            </p:childTnLst>
+                          </p:cTn>
+                        </p:par>
+                      </p:childTnLst>
+                    </p:cTn>
+                  </p:par>
+                </p:childTnLst>
+              </p:cTn>
+              <p:prevCondLst>
+                <p:cond evt="onPrev" delay="0">
+                  <p:tgtEl>
+                    <p:sldTgt/>
+                  </p:tgtEl>
+                </p:cond>
+              </p:prevCondLst>
+              <p:nextCondLst>
+                <p:cond evt="onNext" delay="0">
+                  <p:tgtEl>
+                    <p:sldTgt/>
+                  </p:tgtEl>
+                </p:cond>
+              </p:nextCondLst>
+            </p:seq>
+          </p:childTnLst>
+        </p:cTn>
       </p:par>
     </p:tnLst>
   </p:timing>

--- a/Courses/Computer-Modeling-and-IT/Computer-Modeling-and-IT-6-Class/10-Formulas-For-Performing-Arithmetic-Operations-With-Data-And-Functions/10-Formulas-For-Performing-Arithmetic-Operations-With-Data-And-.pptx
+++ b/Courses/Computer-Modeling-and-IT/Computer-Modeling-and-IT-6-Class/10-Formulas-For-Performing-Arithmetic-Operations-With-Data-And-Functions/10-Formulas-For-Performing-Arithmetic-Operations-With-Data-And-.pptx
@@ -281,7 +281,7 @@
           <a:p>
             <a:fld id="{4E087215-0C8F-4762-A664-737A353EC9A4}" type="datetimeFigureOut">
               <a:rPr lang="bg-BG" smtClean="0"/>
-              <a:t>7.5.2024 г.</a:t>
+              <a:t>12.5.2024 г.</a:t>
             </a:fld>
             <a:endParaRPr lang="bg-BG"/>
           </a:p>
@@ -477,7 +477,7 @@
           <a:p>
             <a:fld id="{72D84649-876A-46C9-8472-14CB09C070D8}" type="datetimeFigureOut">
               <a:rPr lang="en-US" smtClean="0"/>
-              <a:t>5/7/2024</a:t>
+              <a:t>5/12/2024</a:t>
             </a:fld>
             <a:endParaRPr lang="en-US"/>
           </a:p>
@@ -9504,75 +9504,6 @@
           <a:chExt cx="0" cy="0"/>
         </a:xfrm>
       </p:grpSpPr>
-      <p:sp>
-        <p:nvSpPr>
-          <p:cNvPr id="2" name="Slide Number Placeholder 1"/>
-          <p:cNvSpPr>
-            <a:spLocks noGrp="1"/>
-          </p:cNvSpPr>
-          <p:nvPr>
-            <p:ph type="sldNum" sz="quarter" idx="5"/>
-          </p:nvPr>
-        </p:nvSpPr>
-        <p:spPr/>
-        <p:txBody>
-          <a:bodyPr/>
-          <a:lstStyle/>
-          <a:p>
-            <a:fld id="{2BF067CD-8E6B-4360-9AA8-C5DF2A48A6D1}" type="slidenum">
-              <a:rPr lang="en-US" noProof="0" smtClean="0"/>
-              <a:pPr/>
-              <a:t>13</a:t>
-            </a:fld>
-            <a:endParaRPr lang="en-US" noProof="0" dirty="0"/>
-          </a:p>
-        </p:txBody>
-      </p:sp>
-      <p:sp>
-        <p:nvSpPr>
-          <p:cNvPr id="3" name="Text Placeholder 2"/>
-          <p:cNvSpPr>
-            <a:spLocks noGrp="1"/>
-          </p:cNvSpPr>
-          <p:nvPr>
-            <p:ph type="body" sz="quarter" idx="10"/>
-          </p:nvPr>
-        </p:nvSpPr>
-        <p:spPr/>
-        <p:txBody>
-          <a:bodyPr/>
-          <a:lstStyle/>
-          <a:p>
-            <a:r>
-              <a:rPr lang="bg-BG" dirty="0" smtClean="0"/>
-              <a:t>След като изберем функцията, която желаем, трябва да въведем аргументите за изчислението на функцията</a:t>
-            </a:r>
-            <a:endParaRPr lang="en-US" dirty="0"/>
-          </a:p>
-        </p:txBody>
-      </p:sp>
-      <p:sp>
-        <p:nvSpPr>
-          <p:cNvPr id="4" name="Title 3"/>
-          <p:cNvSpPr>
-            <a:spLocks noGrp="1"/>
-          </p:cNvSpPr>
-          <p:nvPr>
-            <p:ph type="title"/>
-          </p:nvPr>
-        </p:nvSpPr>
-        <p:spPr/>
-        <p:txBody>
-          <a:bodyPr/>
-          <a:lstStyle/>
-          <a:p>
-            <a:r>
-              <a:rPr lang="en-US" dirty="0"/>
-              <a:t>Insert Function</a:t>
-            </a:r>
-          </a:p>
-        </p:txBody>
-      </p:sp>
       <p:pic>
         <p:nvPicPr>
           <p:cNvPr id="5" name="Picture 4"/>
@@ -9604,6 +9535,467 @@
           </a:ln>
         </p:spPr>
       </p:pic>
+      <p:pic>
+        <p:nvPicPr>
+          <p:cNvPr id="8" name="Picture 7"/>
+          <p:cNvPicPr>
+            <a:picLocks noChangeAspect="1"/>
+          </p:cNvPicPr>
+          <p:nvPr/>
+        </p:nvPicPr>
+        <p:blipFill>
+          <a:blip r:embed="rId3"/>
+          <a:stretch>
+            <a:fillRect/>
+          </a:stretch>
+        </p:blipFill>
+        <p:spPr>
+          <a:xfrm>
+            <a:off x="3041175" y="2844000"/>
+            <a:ext cx="6116550" cy="3564472"/>
+          </a:xfrm>
+          <a:prstGeom prst="rect">
+            <a:avLst/>
+          </a:prstGeom>
+        </p:spPr>
+      </p:pic>
+      <p:sp>
+        <p:nvSpPr>
+          <p:cNvPr id="3" name="Text Placeholder 2"/>
+          <p:cNvSpPr>
+            <a:spLocks noGrp="1"/>
+          </p:cNvSpPr>
+          <p:nvPr>
+            <p:ph type="body" sz="quarter" idx="10"/>
+          </p:nvPr>
+        </p:nvSpPr>
+        <p:spPr/>
+        <p:txBody>
+          <a:bodyPr/>
+          <a:lstStyle/>
+          <a:p>
+            <a:r>
+              <a:rPr lang="bg-BG" dirty="0" smtClean="0"/>
+              <a:t>След като изберем функцията, която желаем, трябва да въведем </a:t>
+            </a:r>
+            <a:r>
+              <a:rPr lang="bg-BG" b="1" dirty="0" smtClean="0"/>
+              <a:t>аргументите</a:t>
+            </a:r>
+            <a:r>
+              <a:rPr lang="bg-BG" dirty="0" smtClean="0"/>
+              <a:t> за изчислението на функцията</a:t>
+            </a:r>
+            <a:endParaRPr lang="en-US" dirty="0"/>
+          </a:p>
+        </p:txBody>
+      </p:sp>
+      <p:sp>
+        <p:nvSpPr>
+          <p:cNvPr id="7" name="Rounded Rectangular Callout 6"/>
+          <p:cNvSpPr/>
+          <p:nvPr/>
+        </p:nvSpPr>
+        <p:spPr bwMode="auto">
+          <a:xfrm>
+            <a:off x="7446000" y="2528432"/>
+            <a:ext cx="4410000" cy="2115000"/>
+          </a:xfrm>
+          <a:prstGeom prst="wedgeRoundRectCallout">
+            <a:avLst>
+              <a:gd name="adj1" fmla="val -71563"/>
+              <a:gd name="adj2" fmla="val 12130"/>
+              <a:gd name="adj3" fmla="val 16667"/>
+            </a:avLst>
+          </a:prstGeom>
+          <a:solidFill>
+            <a:schemeClr val="dk2">
+              <a:alpha val="80000"/>
+            </a:schemeClr>
+          </a:solidFill>
+          <a:ln w="19050">
+            <a:solidFill>
+              <a:schemeClr val="tx1">
+                <a:lumMod val="75000"/>
+                <a:alpha val="80000"/>
+              </a:schemeClr>
+            </a:solidFill>
+          </a:ln>
+          <a:effectLst/>
+        </p:spPr>
+        <p:style>
+          <a:lnRef idx="2">
+            <a:schemeClr val="accent1">
+              <a:shade val="50000"/>
+            </a:schemeClr>
+          </a:lnRef>
+          <a:fillRef idx="1001">
+            <a:schemeClr val="dk2"/>
+          </a:fillRef>
+          <a:effectRef idx="0">
+            <a:schemeClr val="accent1"/>
+          </a:effectRef>
+          <a:fontRef idx="minor">
+            <a:schemeClr val="lt1"/>
+          </a:fontRef>
+        </p:style>
+        <p:txBody>
+          <a:bodyPr rot="0" spcFirstLastPara="0" vertOverflow="overflow" horzOverflow="overflow" vert="horz" wrap="square" lIns="91440" tIns="45720" rIns="91440" bIns="45720" numCol="1" spcCol="0" rtlCol="0" fromWordArt="0" anchor="ctr" anchorCtr="0" forceAA="0" compatLnSpc="1">
+            <a:prstTxWarp prst="textNoShape">
+              <a:avLst/>
+            </a:prstTxWarp>
+            <a:noAutofit/>
+          </a:bodyPr>
+          <a:lstStyle/>
+          <a:p>
+            <a:pPr algn="ctr"/>
+            <a:endParaRPr lang="en-US" sz="2800" b="1" dirty="0">
+              <a:solidFill>
+                <a:srgbClr val="FFFFFF"/>
+              </a:solidFill>
+              <a:effectLst>
+                <a:outerShdw blurRad="38100" dist="38100" dir="2700000" algn="tl">
+                  <a:srgbClr val="000000">
+                    <a:alpha val="43137"/>
+                  </a:srgbClr>
+                </a:outerShdw>
+              </a:effectLst>
+            </a:endParaRPr>
+          </a:p>
+        </p:txBody>
+      </p:sp>
+      <p:sp>
+        <p:nvSpPr>
+          <p:cNvPr id="2" name="Slide Number Placeholder 1"/>
+          <p:cNvSpPr>
+            <a:spLocks noGrp="1"/>
+          </p:cNvSpPr>
+          <p:nvPr>
+            <p:ph type="sldNum" sz="quarter" idx="5"/>
+          </p:nvPr>
+        </p:nvSpPr>
+        <p:spPr/>
+        <p:txBody>
+          <a:bodyPr/>
+          <a:lstStyle/>
+          <a:p>
+            <a:fld id="{2BF067CD-8E6B-4360-9AA8-C5DF2A48A6D1}" type="slidenum">
+              <a:rPr lang="en-US" noProof="0" smtClean="0"/>
+              <a:pPr/>
+              <a:t>13</a:t>
+            </a:fld>
+            <a:endParaRPr lang="en-US" noProof="0" dirty="0"/>
+          </a:p>
+        </p:txBody>
+      </p:sp>
+      <p:sp>
+        <p:nvSpPr>
+          <p:cNvPr id="4" name="Title 3"/>
+          <p:cNvSpPr>
+            <a:spLocks noGrp="1"/>
+          </p:cNvSpPr>
+          <p:nvPr>
+            <p:ph type="title"/>
+          </p:nvPr>
+        </p:nvSpPr>
+        <p:spPr/>
+        <p:txBody>
+          <a:bodyPr/>
+          <a:lstStyle/>
+          <a:p>
+            <a:r>
+              <a:rPr lang="en-US" dirty="0"/>
+              <a:t>Insert Function</a:t>
+            </a:r>
+          </a:p>
+        </p:txBody>
+      </p:sp>
+      <p:sp>
+        <p:nvSpPr>
+          <p:cNvPr id="6" name="Rounded Rectangular Callout 5"/>
+          <p:cNvSpPr/>
+          <p:nvPr/>
+        </p:nvSpPr>
+        <p:spPr bwMode="auto">
+          <a:xfrm>
+            <a:off x="7446000" y="2539272"/>
+            <a:ext cx="4410000" cy="2115000"/>
+          </a:xfrm>
+          <a:prstGeom prst="wedgeRoundRectCallout">
+            <a:avLst>
+              <a:gd name="adj1" fmla="val -72569"/>
+              <a:gd name="adj2" fmla="val -3400"/>
+              <a:gd name="adj3" fmla="val 16667"/>
+            </a:avLst>
+          </a:prstGeom>
+          <a:solidFill>
+            <a:schemeClr val="dk2">
+              <a:alpha val="80000"/>
+            </a:schemeClr>
+          </a:solidFill>
+          <a:ln w="19050">
+            <a:solidFill>
+              <a:schemeClr val="tx1">
+                <a:lumMod val="75000"/>
+                <a:alpha val="80000"/>
+              </a:schemeClr>
+            </a:solidFill>
+          </a:ln>
+          <a:effectLst/>
+        </p:spPr>
+        <p:style>
+          <a:lnRef idx="2">
+            <a:schemeClr val="accent1">
+              <a:shade val="50000"/>
+            </a:schemeClr>
+          </a:lnRef>
+          <a:fillRef idx="1001">
+            <a:schemeClr val="dk2"/>
+          </a:fillRef>
+          <a:effectRef idx="0">
+            <a:schemeClr val="accent1"/>
+          </a:effectRef>
+          <a:fontRef idx="minor">
+            <a:schemeClr val="lt1"/>
+          </a:fontRef>
+        </p:style>
+        <p:txBody>
+          <a:bodyPr rot="0" spcFirstLastPara="0" vertOverflow="overflow" horzOverflow="overflow" vert="horz" wrap="square" lIns="91440" tIns="45720" rIns="91440" bIns="45720" numCol="1" spcCol="0" rtlCol="0" fromWordArt="0" anchor="ctr" anchorCtr="0" forceAA="0" compatLnSpc="1">
+            <a:prstTxWarp prst="textNoShape">
+              <a:avLst/>
+            </a:prstTxWarp>
+            <a:noAutofit/>
+          </a:bodyPr>
+          <a:lstStyle/>
+          <a:p>
+            <a:pPr algn="ctr"/>
+            <a:r>
+              <a:rPr lang="bg-BG" sz="2800" b="1" dirty="0" smtClean="0">
+                <a:solidFill>
+                  <a:srgbClr val="FFFFFF"/>
+                </a:solidFill>
+                <a:effectLst>
+                  <a:outerShdw blurRad="38100" dist="38100" dir="2700000" algn="tl">
+                    <a:srgbClr val="000000">
+                      <a:alpha val="43137"/>
+                    </a:srgbClr>
+                  </a:outerShdw>
+                </a:effectLst>
+              </a:rPr>
+              <a:t>Ако изберем тези бутони, може да селектираме с мишката кои клетки да участват в уравнението</a:t>
+            </a:r>
+            <a:endParaRPr lang="en-US" sz="2800" b="1" dirty="0">
+              <a:solidFill>
+                <a:srgbClr val="FFFFFF"/>
+              </a:solidFill>
+              <a:effectLst>
+                <a:outerShdw blurRad="38100" dist="38100" dir="2700000" algn="tl">
+                  <a:srgbClr val="000000">
+                    <a:alpha val="43137"/>
+                  </a:srgbClr>
+                </a:outerShdw>
+              </a:effectLst>
+            </a:endParaRPr>
+          </a:p>
+        </p:txBody>
+      </p:sp>
+      <p:pic>
+        <p:nvPicPr>
+          <p:cNvPr id="9" name="Picture 8"/>
+          <p:cNvPicPr>
+            <a:picLocks noChangeAspect="1"/>
+          </p:cNvPicPr>
+          <p:nvPr/>
+        </p:nvPicPr>
+        <p:blipFill rotWithShape="1">
+          <a:blip r:embed="rId4"/>
+          <a:srcRect r="4298" b="16975"/>
+          <a:stretch/>
+        </p:blipFill>
+        <p:spPr>
+          <a:xfrm>
+            <a:off x="6038462" y="3657928"/>
+            <a:ext cx="5367538" cy="2963265"/>
+          </a:xfrm>
+          <a:prstGeom prst="rect">
+            <a:avLst/>
+          </a:prstGeom>
+          <a:ln>
+            <a:solidFill>
+              <a:schemeClr val="bg2">
+                <a:lumMod val="75000"/>
+              </a:schemeClr>
+            </a:solidFill>
+          </a:ln>
+        </p:spPr>
+      </p:pic>
+      <p:sp>
+        <p:nvSpPr>
+          <p:cNvPr id="10" name="Rounded Rectangular Callout 9"/>
+          <p:cNvSpPr/>
+          <p:nvPr/>
+        </p:nvSpPr>
+        <p:spPr bwMode="auto">
+          <a:xfrm>
+            <a:off x="331288" y="2574435"/>
+            <a:ext cx="5584712" cy="1934565"/>
+          </a:xfrm>
+          <a:prstGeom prst="wedgeRoundRectCallout">
+            <a:avLst>
+              <a:gd name="adj1" fmla="val 61853"/>
+              <a:gd name="adj2" fmla="val 46207"/>
+              <a:gd name="adj3" fmla="val 16667"/>
+            </a:avLst>
+          </a:prstGeom>
+          <a:solidFill>
+            <a:schemeClr val="dk2">
+              <a:alpha val="80000"/>
+            </a:schemeClr>
+          </a:solidFill>
+          <a:ln w="19050">
+            <a:solidFill>
+              <a:schemeClr val="tx1">
+                <a:lumMod val="75000"/>
+                <a:alpha val="80000"/>
+              </a:schemeClr>
+            </a:solidFill>
+          </a:ln>
+          <a:effectLst/>
+        </p:spPr>
+        <p:style>
+          <a:lnRef idx="2">
+            <a:schemeClr val="accent1">
+              <a:shade val="50000"/>
+            </a:schemeClr>
+          </a:lnRef>
+          <a:fillRef idx="1001">
+            <a:schemeClr val="dk2"/>
+          </a:fillRef>
+          <a:effectRef idx="0">
+            <a:schemeClr val="accent1"/>
+          </a:effectRef>
+          <a:fontRef idx="minor">
+            <a:schemeClr val="lt1"/>
+          </a:fontRef>
+        </p:style>
+        <p:txBody>
+          <a:bodyPr rot="0" spcFirstLastPara="0" vertOverflow="overflow" horzOverflow="overflow" vert="horz" wrap="square" lIns="91440" tIns="45720" rIns="91440" bIns="45720" numCol="1" spcCol="0" rtlCol="0" fromWordArt="0" anchor="ctr" anchorCtr="0" forceAA="0" compatLnSpc="1">
+            <a:prstTxWarp prst="textNoShape">
+              <a:avLst/>
+            </a:prstTxWarp>
+            <a:noAutofit/>
+          </a:bodyPr>
+          <a:lstStyle/>
+          <a:p>
+            <a:pPr algn="ctr"/>
+            <a:r>
+              <a:rPr lang="bg-BG" sz="2800" b="1" dirty="0" smtClean="0">
+                <a:solidFill>
+                  <a:srgbClr val="FFFFFF"/>
+                </a:solidFill>
+                <a:effectLst>
+                  <a:outerShdw blurRad="38100" dist="38100" dir="2700000" algn="tl">
+                    <a:srgbClr val="000000">
+                      <a:alpha val="43137"/>
+                    </a:srgbClr>
+                  </a:outerShdw>
+                </a:effectLst>
+              </a:rPr>
+              <a:t>Като натиснем </a:t>
+            </a:r>
+            <a:r>
+              <a:rPr lang="en-US" sz="2800" b="1" dirty="0" smtClean="0">
+                <a:solidFill>
+                  <a:srgbClr val="FFFFFF"/>
+                </a:solidFill>
+                <a:effectLst>
+                  <a:outerShdw blurRad="38100" dist="38100" dir="2700000" algn="tl">
+                    <a:srgbClr val="000000">
+                      <a:alpha val="43137"/>
+                    </a:srgbClr>
+                  </a:outerShdw>
+                </a:effectLst>
+              </a:rPr>
+              <a:t>[</a:t>
+            </a:r>
+            <a:r>
+              <a:rPr lang="en-US" sz="2800" b="1" dirty="0" smtClean="0">
+                <a:solidFill>
+                  <a:schemeClr val="bg1">
+                    <a:lumMod val="60000"/>
+                    <a:lumOff val="40000"/>
+                  </a:schemeClr>
+                </a:solidFill>
+                <a:effectLst>
+                  <a:outerShdw blurRad="38100" dist="38100" dir="2700000" algn="tl">
+                    <a:srgbClr val="000000">
+                      <a:alpha val="43137"/>
+                    </a:srgbClr>
+                  </a:outerShdw>
+                </a:effectLst>
+              </a:rPr>
+              <a:t>OK</a:t>
+            </a:r>
+            <a:r>
+              <a:rPr lang="en-US" sz="2800" b="1" dirty="0" smtClean="0">
+                <a:solidFill>
+                  <a:srgbClr val="FFFFFF"/>
+                </a:solidFill>
+                <a:effectLst>
+                  <a:outerShdw blurRad="38100" dist="38100" dir="2700000" algn="tl">
+                    <a:srgbClr val="000000">
+                      <a:alpha val="43137"/>
+                    </a:srgbClr>
+                  </a:outerShdw>
+                </a:effectLst>
+              </a:rPr>
+              <a:t>]</a:t>
+            </a:r>
+            <a:r>
+              <a:rPr lang="bg-BG" sz="2800" b="1" dirty="0" smtClean="0">
+                <a:solidFill>
+                  <a:srgbClr val="FFFFFF"/>
+                </a:solidFill>
+                <a:effectLst>
+                  <a:outerShdw blurRad="38100" dist="38100" dir="2700000" algn="tl">
+                    <a:srgbClr val="000000">
+                      <a:alpha val="43137"/>
+                    </a:srgbClr>
+                  </a:outerShdw>
+                </a:effectLst>
+              </a:rPr>
+              <a:t>, резултата се появява в избраната клетка, а формулата се изписва в </a:t>
+            </a:r>
+            <a:r>
+              <a:rPr lang="ru-RU" sz="2800" b="1" dirty="0">
+                <a:solidFill>
+                  <a:srgbClr val="FFFFFF"/>
+                </a:solidFill>
+                <a:effectLst>
+                  <a:outerShdw blurRad="38100" dist="38100" dir="2700000" algn="tl">
+                    <a:srgbClr val="000000">
+                      <a:alpha val="43137"/>
+                    </a:srgbClr>
+                  </a:outerShdw>
+                </a:effectLst>
+              </a:rPr>
+              <a:t>кутията за редактиране на клетка</a:t>
+            </a:r>
+            <a:endParaRPr lang="en-US" sz="2800" b="1" dirty="0">
+              <a:solidFill>
+                <a:srgbClr val="FFFFFF"/>
+              </a:solidFill>
+              <a:effectLst>
+                <a:outerShdw blurRad="38100" dist="38100" dir="2700000" algn="tl">
+                  <a:srgbClr val="000000">
+                    <a:alpha val="43137"/>
+                  </a:srgbClr>
+                </a:outerShdw>
+              </a:effectLst>
+            </a:endParaRPr>
+          </a:p>
+        </p:txBody>
+      </p:sp>
     </p:spTree>
     <p:extLst>
       <p:ext uri="{BB962C8B-B14F-4D97-AF65-F5344CB8AC3E}">
@@ -9625,9 +10017,399 @@
   <p:timing>
     <p:tnLst>
       <p:par>
-        <p:cTn id="1" dur="indefinite" restart="never" nodeType="tmRoot"/>
+        <p:cTn id="1" dur="indefinite" restart="never" nodeType="tmRoot">
+          <p:childTnLst>
+            <p:seq concurrent="1" nextAc="seek">
+              <p:cTn id="2" dur="indefinite" nodeType="mainSeq">
+                <p:childTnLst>
+                  <p:par>
+                    <p:cTn id="3" fill="hold">
+                      <p:stCondLst>
+                        <p:cond delay="indefinite"/>
+                      </p:stCondLst>
+                      <p:childTnLst>
+                        <p:par>
+                          <p:cTn id="4" fill="hold">
+                            <p:stCondLst>
+                              <p:cond delay="0"/>
+                            </p:stCondLst>
+                            <p:childTnLst>
+                              <p:par>
+                                <p:cTn id="5" presetID="1" presetClass="entr" presetSubtype="0" fill="hold" nodeType="clickEffect">
+                                  <p:stCondLst>
+                                    <p:cond delay="0"/>
+                                  </p:stCondLst>
+                                  <p:childTnLst>
+                                    <p:set>
+                                      <p:cBhvr>
+                                        <p:cTn id="6" dur="1" fill="hold">
+                                          <p:stCondLst>
+                                            <p:cond delay="0"/>
+                                          </p:stCondLst>
+                                        </p:cTn>
+                                        <p:tgtEl>
+                                          <p:spTgt spid="5"/>
+                                        </p:tgtEl>
+                                        <p:attrNameLst>
+                                          <p:attrName>style.visibility</p:attrName>
+                                        </p:attrNameLst>
+                                      </p:cBhvr>
+                                      <p:to>
+                                        <p:strVal val="visible"/>
+                                      </p:to>
+                                    </p:set>
+                                  </p:childTnLst>
+                                </p:cTn>
+                              </p:par>
+                            </p:childTnLst>
+                          </p:cTn>
+                        </p:par>
+                      </p:childTnLst>
+                    </p:cTn>
+                  </p:par>
+                  <p:par>
+                    <p:cTn id="7" fill="hold">
+                      <p:stCondLst>
+                        <p:cond delay="indefinite"/>
+                      </p:stCondLst>
+                      <p:childTnLst>
+                        <p:par>
+                          <p:cTn id="8" fill="hold">
+                            <p:stCondLst>
+                              <p:cond delay="0"/>
+                            </p:stCondLst>
+                            <p:childTnLst>
+                              <p:par>
+                                <p:cTn id="9" presetID="1" presetClass="entr" presetSubtype="0" fill="hold" grpId="0" nodeType="clickEffect">
+                                  <p:stCondLst>
+                                    <p:cond delay="0"/>
+                                  </p:stCondLst>
+                                  <p:childTnLst>
+                                    <p:set>
+                                      <p:cBhvr>
+                                        <p:cTn id="10" dur="1" fill="hold">
+                                          <p:stCondLst>
+                                            <p:cond delay="0"/>
+                                          </p:stCondLst>
+                                        </p:cTn>
+                                        <p:tgtEl>
+                                          <p:spTgt spid="7"/>
+                                        </p:tgtEl>
+                                        <p:attrNameLst>
+                                          <p:attrName>style.visibility</p:attrName>
+                                        </p:attrNameLst>
+                                      </p:cBhvr>
+                                      <p:to>
+                                        <p:strVal val="visible"/>
+                                      </p:to>
+                                    </p:set>
+                                  </p:childTnLst>
+                                </p:cTn>
+                              </p:par>
+                              <p:par>
+                                <p:cTn id="11" presetID="1" presetClass="entr" presetSubtype="0" fill="hold" grpId="0" nodeType="withEffect">
+                                  <p:stCondLst>
+                                    <p:cond delay="0"/>
+                                  </p:stCondLst>
+                                  <p:childTnLst>
+                                    <p:set>
+                                      <p:cBhvr>
+                                        <p:cTn id="12" dur="1" fill="hold">
+                                          <p:stCondLst>
+                                            <p:cond delay="0"/>
+                                          </p:stCondLst>
+                                        </p:cTn>
+                                        <p:tgtEl>
+                                          <p:spTgt spid="6"/>
+                                        </p:tgtEl>
+                                        <p:attrNameLst>
+                                          <p:attrName>style.visibility</p:attrName>
+                                        </p:attrNameLst>
+                                      </p:cBhvr>
+                                      <p:to>
+                                        <p:strVal val="visible"/>
+                                      </p:to>
+                                    </p:set>
+                                  </p:childTnLst>
+                                </p:cTn>
+                              </p:par>
+                            </p:childTnLst>
+                          </p:cTn>
+                        </p:par>
+                      </p:childTnLst>
+                    </p:cTn>
+                  </p:par>
+                  <p:par>
+                    <p:cTn id="13" fill="hold">
+                      <p:stCondLst>
+                        <p:cond delay="indefinite"/>
+                      </p:stCondLst>
+                      <p:childTnLst>
+                        <p:par>
+                          <p:cTn id="14" fill="hold">
+                            <p:stCondLst>
+                              <p:cond delay="0"/>
+                            </p:stCondLst>
+                            <p:childTnLst>
+                              <p:par>
+                                <p:cTn id="15" presetID="1" presetClass="entr" presetSubtype="0" fill="hold" nodeType="clickEffect">
+                                  <p:stCondLst>
+                                    <p:cond delay="0"/>
+                                  </p:stCondLst>
+                                  <p:childTnLst>
+                                    <p:set>
+                                      <p:cBhvr>
+                                        <p:cTn id="16" dur="1" fill="hold">
+                                          <p:stCondLst>
+                                            <p:cond delay="0"/>
+                                          </p:stCondLst>
+                                        </p:cTn>
+                                        <p:tgtEl>
+                                          <p:spTgt spid="8"/>
+                                        </p:tgtEl>
+                                        <p:attrNameLst>
+                                          <p:attrName>style.visibility</p:attrName>
+                                        </p:attrNameLst>
+                                      </p:cBhvr>
+                                      <p:to>
+                                        <p:strVal val="visible"/>
+                                      </p:to>
+                                    </p:set>
+                                  </p:childTnLst>
+                                </p:cTn>
+                              </p:par>
+                              <p:par>
+                                <p:cTn id="17" presetID="1" presetClass="exit" presetSubtype="0" fill="hold" grpId="1" nodeType="withEffect">
+                                  <p:stCondLst>
+                                    <p:cond delay="0"/>
+                                  </p:stCondLst>
+                                  <p:childTnLst>
+                                    <p:set>
+                                      <p:cBhvr>
+                                        <p:cTn id="18" dur="1" fill="hold">
+                                          <p:stCondLst>
+                                            <p:cond delay="0"/>
+                                          </p:stCondLst>
+                                        </p:cTn>
+                                        <p:tgtEl>
+                                          <p:spTgt spid="7"/>
+                                        </p:tgtEl>
+                                        <p:attrNameLst>
+                                          <p:attrName>style.visibility</p:attrName>
+                                        </p:attrNameLst>
+                                      </p:cBhvr>
+                                      <p:to>
+                                        <p:strVal val="hidden"/>
+                                      </p:to>
+                                    </p:set>
+                                  </p:childTnLst>
+                                </p:cTn>
+                              </p:par>
+                              <p:par>
+                                <p:cTn id="19" presetID="1" presetClass="exit" presetSubtype="0" fill="hold" grpId="1" nodeType="withEffect">
+                                  <p:stCondLst>
+                                    <p:cond delay="0"/>
+                                  </p:stCondLst>
+                                  <p:childTnLst>
+                                    <p:set>
+                                      <p:cBhvr>
+                                        <p:cTn id="20" dur="1" fill="hold">
+                                          <p:stCondLst>
+                                            <p:cond delay="0"/>
+                                          </p:stCondLst>
+                                        </p:cTn>
+                                        <p:tgtEl>
+                                          <p:spTgt spid="6"/>
+                                        </p:tgtEl>
+                                        <p:attrNameLst>
+                                          <p:attrName>style.visibility</p:attrName>
+                                        </p:attrNameLst>
+                                      </p:cBhvr>
+                                      <p:to>
+                                        <p:strVal val="hidden"/>
+                                      </p:to>
+                                    </p:set>
+                                  </p:childTnLst>
+                                </p:cTn>
+                              </p:par>
+                            </p:childTnLst>
+                          </p:cTn>
+                        </p:par>
+                      </p:childTnLst>
+                    </p:cTn>
+                  </p:par>
+                  <p:par>
+                    <p:cTn id="21" fill="hold">
+                      <p:stCondLst>
+                        <p:cond delay="indefinite"/>
+                      </p:stCondLst>
+                      <p:childTnLst>
+                        <p:par>
+                          <p:cTn id="22" fill="hold">
+                            <p:stCondLst>
+                              <p:cond delay="0"/>
+                            </p:stCondLst>
+                            <p:childTnLst>
+                              <p:par>
+                                <p:cTn id="23" presetID="1" presetClass="entr" presetSubtype="0" fill="hold" nodeType="clickEffect">
+                                  <p:stCondLst>
+                                    <p:cond delay="0"/>
+                                  </p:stCondLst>
+                                  <p:childTnLst>
+                                    <p:set>
+                                      <p:cBhvr>
+                                        <p:cTn id="24" dur="1" fill="hold">
+                                          <p:stCondLst>
+                                            <p:cond delay="0"/>
+                                          </p:stCondLst>
+                                        </p:cTn>
+                                        <p:tgtEl>
+                                          <p:spTgt spid="9"/>
+                                        </p:tgtEl>
+                                        <p:attrNameLst>
+                                          <p:attrName>style.visibility</p:attrName>
+                                        </p:attrNameLst>
+                                      </p:cBhvr>
+                                      <p:to>
+                                        <p:strVal val="visible"/>
+                                      </p:to>
+                                    </p:set>
+                                  </p:childTnLst>
+                                </p:cTn>
+                              </p:par>
+                              <p:par>
+                                <p:cTn id="25" presetID="1" presetClass="exit" presetSubtype="0" fill="hold" nodeType="withEffect">
+                                  <p:stCondLst>
+                                    <p:cond delay="0"/>
+                                  </p:stCondLst>
+                                  <p:childTnLst>
+                                    <p:set>
+                                      <p:cBhvr>
+                                        <p:cTn id="26" dur="1" fill="hold">
+                                          <p:stCondLst>
+                                            <p:cond delay="0"/>
+                                          </p:stCondLst>
+                                        </p:cTn>
+                                        <p:tgtEl>
+                                          <p:spTgt spid="5"/>
+                                        </p:tgtEl>
+                                        <p:attrNameLst>
+                                          <p:attrName>style.visibility</p:attrName>
+                                        </p:attrNameLst>
+                                      </p:cBhvr>
+                                      <p:to>
+                                        <p:strVal val="hidden"/>
+                                      </p:to>
+                                    </p:set>
+                                  </p:childTnLst>
+                                </p:cTn>
+                              </p:par>
+                              <p:par>
+                                <p:cTn id="27" presetID="1" presetClass="exit" presetSubtype="0" fill="hold" nodeType="withEffect">
+                                  <p:stCondLst>
+                                    <p:cond delay="0"/>
+                                  </p:stCondLst>
+                                  <p:childTnLst>
+                                    <p:set>
+                                      <p:cBhvr>
+                                        <p:cTn id="28" dur="1" fill="hold">
+                                          <p:stCondLst>
+                                            <p:cond delay="0"/>
+                                          </p:stCondLst>
+                                        </p:cTn>
+                                        <p:tgtEl>
+                                          <p:spTgt spid="8"/>
+                                        </p:tgtEl>
+                                        <p:attrNameLst>
+                                          <p:attrName>style.visibility</p:attrName>
+                                        </p:attrNameLst>
+                                      </p:cBhvr>
+                                      <p:to>
+                                        <p:strVal val="hidden"/>
+                                      </p:to>
+                                    </p:set>
+                                  </p:childTnLst>
+                                </p:cTn>
+                              </p:par>
+                            </p:childTnLst>
+                          </p:cTn>
+                        </p:par>
+                      </p:childTnLst>
+                    </p:cTn>
+                  </p:par>
+                  <p:par>
+                    <p:cTn id="29" fill="hold">
+                      <p:stCondLst>
+                        <p:cond delay="indefinite"/>
+                      </p:stCondLst>
+                      <p:childTnLst>
+                        <p:par>
+                          <p:cTn id="30" fill="hold">
+                            <p:stCondLst>
+                              <p:cond delay="0"/>
+                            </p:stCondLst>
+                            <p:childTnLst>
+                              <p:par>
+                                <p:cTn id="31" presetID="1" presetClass="entr" presetSubtype="0" fill="hold" grpId="0" nodeType="clickEffect">
+                                  <p:stCondLst>
+                                    <p:cond delay="0"/>
+                                  </p:stCondLst>
+                                  <p:childTnLst>
+                                    <p:set>
+                                      <p:cBhvr>
+                                        <p:cTn id="32" dur="1" fill="hold">
+                                          <p:stCondLst>
+                                            <p:cond delay="0"/>
+                                          </p:stCondLst>
+                                        </p:cTn>
+                                        <p:tgtEl>
+                                          <p:spTgt spid="10"/>
+                                        </p:tgtEl>
+                                        <p:attrNameLst>
+                                          <p:attrName>style.visibility</p:attrName>
+                                        </p:attrNameLst>
+                                      </p:cBhvr>
+                                      <p:to>
+                                        <p:strVal val="visible"/>
+                                      </p:to>
+                                    </p:set>
+                                  </p:childTnLst>
+                                </p:cTn>
+                              </p:par>
+                            </p:childTnLst>
+                          </p:cTn>
+                        </p:par>
+                      </p:childTnLst>
+                    </p:cTn>
+                  </p:par>
+                </p:childTnLst>
+              </p:cTn>
+              <p:prevCondLst>
+                <p:cond evt="onPrev" delay="0">
+                  <p:tgtEl>
+                    <p:sldTgt/>
+                  </p:tgtEl>
+                </p:cond>
+              </p:prevCondLst>
+              <p:nextCondLst>
+                <p:cond evt="onNext" delay="0">
+                  <p:tgtEl>
+                    <p:sldTgt/>
+                  </p:tgtEl>
+                </p:cond>
+              </p:nextCondLst>
+            </p:seq>
+          </p:childTnLst>
+        </p:cTn>
       </p:par>
     </p:tnLst>
+    <p:bldLst>
+      <p:bldP spid="7" grpId="0" animBg="1"/>
+      <p:bldP spid="7" grpId="1" animBg="1"/>
+      <p:bldP spid="6" grpId="0" animBg="1"/>
+      <p:bldP spid="6" grpId="1" animBg="1"/>
+      <p:bldP spid="10" grpId="0" animBg="1"/>
+    </p:bldLst>
   </p:timing>
 </p:sld>
 </file>
@@ -9688,22 +10470,39 @@
           <a:bodyPr/>
           <a:lstStyle/>
           <a:p>
-            <a:pPr lvl="2"/>
+            <a:r>
+              <a:rPr lang="bg-BG" dirty="0" smtClean="0"/>
+              <a:t>Изписва избраната от вас </a:t>
+            </a:r>
+            <a:r>
+              <a:rPr lang="bg-BG" dirty="0" smtClean="0"/>
+              <a:t>функция</a:t>
+            </a:r>
+            <a:r>
+              <a:rPr lang="bg-BG" dirty="0" smtClean="0"/>
+              <a:t> </a:t>
+            </a:r>
             <a:r>
               <a:rPr lang="bg-BG" dirty="0"/>
-              <a:t>Изписва формулата в </a:t>
+              <a:t>в </a:t>
             </a:r>
             <a:r>
               <a:rPr lang="bg-BG" dirty="0" smtClean="0"/>
-              <a:t>клетка </a:t>
+              <a:t>клетката </a:t>
+            </a:r>
+            <a:r>
+              <a:rPr lang="bg-BG" b="1" dirty="0"/>
+              <a:t>без</a:t>
             </a:r>
             <a:r>
               <a:rPr lang="bg-BG" dirty="0"/>
-              <a:t>без попълнени аргументи</a:t>
-            </a:r>
-          </a:p>
-          <a:p>
-            <a:endParaRPr lang="en-US" dirty="0"/>
+              <a:t> попълнени </a:t>
+            </a:r>
+            <a:r>
+              <a:rPr lang="bg-BG" b="1" dirty="0" smtClean="0"/>
+              <a:t>аргументи</a:t>
+            </a:r>
+            <a:endParaRPr lang="en-US" b="1" dirty="0"/>
           </a:p>
         </p:txBody>
       </p:sp>
@@ -9729,6 +10528,101 @@
           </a:p>
         </p:txBody>
       </p:sp>
+      <p:pic>
+        <p:nvPicPr>
+          <p:cNvPr id="5" name="Picture 4"/>
+          <p:cNvPicPr>
+            <a:picLocks noChangeAspect="1"/>
+          </p:cNvPicPr>
+          <p:nvPr/>
+        </p:nvPicPr>
+        <p:blipFill>
+          <a:blip r:embed="rId2"/>
+          <a:stretch>
+            <a:fillRect/>
+          </a:stretch>
+        </p:blipFill>
+        <p:spPr>
+          <a:xfrm>
+            <a:off x="5466000" y="2734863"/>
+            <a:ext cx="5670000" cy="3590500"/>
+          </a:xfrm>
+          <a:prstGeom prst="rect">
+            <a:avLst/>
+          </a:prstGeom>
+          <a:ln>
+            <a:solidFill>
+              <a:schemeClr val="bg2">
+                <a:lumMod val="75000"/>
+              </a:schemeClr>
+            </a:solidFill>
+          </a:ln>
+        </p:spPr>
+      </p:pic>
+      <p:pic>
+        <p:nvPicPr>
+          <p:cNvPr id="6" name="Picture 5"/>
+          <p:cNvPicPr>
+            <a:picLocks noChangeAspect="1"/>
+          </p:cNvPicPr>
+          <p:nvPr/>
+        </p:nvPicPr>
+        <p:blipFill>
+          <a:blip r:embed="rId3"/>
+          <a:stretch>
+            <a:fillRect/>
+          </a:stretch>
+        </p:blipFill>
+        <p:spPr>
+          <a:xfrm>
+            <a:off x="1371000" y="3294000"/>
+            <a:ext cx="2565000" cy="3031363"/>
+          </a:xfrm>
+          <a:prstGeom prst="rect">
+            <a:avLst/>
+          </a:prstGeom>
+          <a:ln>
+            <a:solidFill>
+              <a:schemeClr val="bg2">
+                <a:lumMod val="75000"/>
+              </a:schemeClr>
+            </a:solidFill>
+          </a:ln>
+        </p:spPr>
+      </p:pic>
+      <p:cxnSp>
+        <p:nvCxnSpPr>
+          <p:cNvPr id="8" name="Straight Arrow Connector 7"/>
+          <p:cNvCxnSpPr/>
+          <p:nvPr/>
+        </p:nvCxnSpPr>
+        <p:spPr>
+          <a:xfrm>
+            <a:off x="2496000" y="3960508"/>
+            <a:ext cx="2745000" cy="413492"/>
+          </a:xfrm>
+          <a:prstGeom prst="straightConnector1">
+            <a:avLst/>
+          </a:prstGeom>
+          <a:ln w="76200">
+            <a:tailEnd type="triangle"/>
+          </a:ln>
+        </p:spPr>
+        <p:style>
+          <a:lnRef idx="1">
+            <a:schemeClr val="dk1"/>
+          </a:lnRef>
+          <a:fillRef idx="0">
+            <a:schemeClr val="dk1"/>
+          </a:fillRef>
+          <a:effectRef idx="0">
+            <a:schemeClr val="dk1"/>
+          </a:effectRef>
+          <a:fontRef idx="minor">
+            <a:schemeClr val="tx1"/>
+          </a:fontRef>
+        </p:style>
+      </p:cxnSp>
     </p:spTree>
     <p:extLst>
       <p:ext uri="{BB962C8B-B14F-4D97-AF65-F5344CB8AC3E}">
@@ -9750,7 +10644,165 @@
   <p:timing>
     <p:tnLst>
       <p:par>
-        <p:cTn id="1" dur="indefinite" restart="never" nodeType="tmRoot"/>
+        <p:cTn id="1" dur="indefinite" restart="never" nodeType="tmRoot">
+          <p:childTnLst>
+            <p:seq concurrent="1" nextAc="seek">
+              <p:cTn id="2" dur="indefinite" nodeType="mainSeq">
+                <p:childTnLst>
+                  <p:par>
+                    <p:cTn id="3" fill="hold">
+                      <p:stCondLst>
+                        <p:cond delay="indefinite"/>
+                      </p:stCondLst>
+                      <p:childTnLst>
+                        <p:par>
+                          <p:cTn id="4" fill="hold">
+                            <p:stCondLst>
+                              <p:cond delay="0"/>
+                            </p:stCondLst>
+                            <p:childTnLst>
+                              <p:par>
+                                <p:cTn id="5" presetID="1" presetClass="entr" presetSubtype="0" fill="hold" nodeType="clickEffect">
+                                  <p:stCondLst>
+                                    <p:cond delay="0"/>
+                                  </p:stCondLst>
+                                  <p:childTnLst>
+                                    <p:set>
+                                      <p:cBhvr>
+                                        <p:cTn id="6" dur="1" fill="hold">
+                                          <p:stCondLst>
+                                            <p:cond delay="0"/>
+                                          </p:stCondLst>
+                                        </p:cTn>
+                                        <p:tgtEl>
+                                          <p:spTgt spid="6"/>
+                                        </p:tgtEl>
+                                        <p:attrNameLst>
+                                          <p:attrName>style.visibility</p:attrName>
+                                        </p:attrNameLst>
+                                      </p:cBhvr>
+                                      <p:to>
+                                        <p:strVal val="visible"/>
+                                      </p:to>
+                                    </p:set>
+                                  </p:childTnLst>
+                                </p:cTn>
+                              </p:par>
+                            </p:childTnLst>
+                          </p:cTn>
+                        </p:par>
+                      </p:childTnLst>
+                    </p:cTn>
+                  </p:par>
+                  <p:par>
+                    <p:cTn id="7" fill="hold">
+                      <p:stCondLst>
+                        <p:cond delay="indefinite"/>
+                      </p:stCondLst>
+                      <p:childTnLst>
+                        <p:par>
+                          <p:cTn id="8" fill="hold">
+                            <p:stCondLst>
+                              <p:cond delay="0"/>
+                            </p:stCondLst>
+                            <p:childTnLst>
+                              <p:par>
+                                <p:cTn id="9" presetID="1" presetClass="entr" presetSubtype="0" fill="hold" nodeType="clickEffect">
+                                  <p:stCondLst>
+                                    <p:cond delay="0"/>
+                                  </p:stCondLst>
+                                  <p:childTnLst>
+                                    <p:set>
+                                      <p:cBhvr>
+                                        <p:cTn id="10" dur="1" fill="hold">
+                                          <p:stCondLst>
+                                            <p:cond delay="0"/>
+                                          </p:stCondLst>
+                                        </p:cTn>
+                                        <p:tgtEl>
+                                          <p:spTgt spid="8"/>
+                                        </p:tgtEl>
+                                        <p:attrNameLst>
+                                          <p:attrName>style.visibility</p:attrName>
+                                        </p:attrNameLst>
+                                      </p:cBhvr>
+                                      <p:to>
+                                        <p:strVal val="visible"/>
+                                      </p:to>
+                                    </p:set>
+                                  </p:childTnLst>
+                                </p:cTn>
+                              </p:par>
+                            </p:childTnLst>
+                          </p:cTn>
+                        </p:par>
+                      </p:childTnLst>
+                    </p:cTn>
+                  </p:par>
+                  <p:par>
+                    <p:cTn id="11" fill="hold">
+                      <p:stCondLst>
+                        <p:cond delay="indefinite"/>
+                      </p:stCondLst>
+                      <p:childTnLst>
+                        <p:par>
+                          <p:cTn id="12" fill="hold">
+                            <p:stCondLst>
+                              <p:cond delay="0"/>
+                            </p:stCondLst>
+                            <p:childTnLst>
+                              <p:par>
+                                <p:cTn id="13" presetID="1" presetClass="entr" presetSubtype="0" fill="hold" nodeType="clickEffect">
+                                  <p:stCondLst>
+                                    <p:cond delay="0"/>
+                                  </p:stCondLst>
+                                  <p:childTnLst>
+                                    <p:set>
+                                      <p:cBhvr>
+                                        <p:cTn id="14" dur="1" fill="hold">
+                                          <p:stCondLst>
+                                            <p:cond delay="0"/>
+                                          </p:stCondLst>
+                                        </p:cTn>
+                                        <p:tgtEl>
+                                          <p:spTgt spid="5"/>
+                                        </p:tgtEl>
+                                        <p:attrNameLst>
+                                          <p:attrName>style.visibility</p:attrName>
+                                        </p:attrNameLst>
+                                      </p:cBhvr>
+                                      <p:to>
+                                        <p:strVal val="visible"/>
+                                      </p:to>
+                                    </p:set>
+                                  </p:childTnLst>
+                                </p:cTn>
+                              </p:par>
+                            </p:childTnLst>
+                          </p:cTn>
+                        </p:par>
+                      </p:childTnLst>
+                    </p:cTn>
+                  </p:par>
+                </p:childTnLst>
+              </p:cTn>
+              <p:prevCondLst>
+                <p:cond evt="onPrev" delay="0">
+                  <p:tgtEl>
+                    <p:sldTgt/>
+                  </p:tgtEl>
+                </p:cond>
+              </p:prevCondLst>
+              <p:nextCondLst>
+                <p:cond evt="onNext" delay="0">
+                  <p:tgtEl>
+                    <p:sldTgt/>
+                  </p:tgtEl>
+                </p:cond>
+              </p:nextCondLst>
+            </p:seq>
+          </p:childTnLst>
+        </p:cTn>
       </p:par>
     </p:tnLst>
   </p:timing>
@@ -9810,10 +10862,230 @@
         </p:nvSpPr>
         <p:spPr/>
         <p:txBody>
-          <a:bodyPr/>
+          <a:bodyPr>
+            <a:normAutofit/>
+          </a:bodyPr>
           <a:lstStyle/>
           <a:p>
-            <a:endParaRPr lang="en-US" dirty="0"/>
+            <a:r>
+              <a:rPr lang="en-US" b="1" dirty="0" smtClean="0"/>
+              <a:t>Excel</a:t>
+            </a:r>
+            <a:r>
+              <a:rPr lang="en-US" dirty="0" smtClean="0"/>
+              <a:t> </a:t>
+            </a:r>
+            <a:r>
+              <a:rPr lang="bg-BG" dirty="0" smtClean="0"/>
+              <a:t>позволява писане на функции </a:t>
+            </a:r>
+            <a:r>
+              <a:rPr lang="bg-BG" b="1" dirty="0" smtClean="0"/>
+              <a:t>ръчно</a:t>
+            </a:r>
+            <a:r>
+              <a:rPr lang="bg-BG" dirty="0" smtClean="0"/>
+              <a:t> </a:t>
+            </a:r>
+          </a:p>
+          <a:p>
+            <a:r>
+              <a:rPr lang="bg-BG" dirty="0" smtClean="0"/>
+              <a:t>Основни функции и техният начин на </a:t>
+            </a:r>
+            <a:r>
+              <a:rPr lang="bg-BG" b="1" dirty="0" smtClean="0"/>
+              <a:t>изписване</a:t>
+            </a:r>
+            <a:r>
+              <a:rPr lang="bg-BG" dirty="0" smtClean="0"/>
+              <a:t>:</a:t>
+            </a:r>
+          </a:p>
+          <a:p>
+            <a:pPr lvl="1"/>
+            <a:r>
+              <a:rPr lang="bg-BG" dirty="0" smtClean="0"/>
+              <a:t>=</a:t>
+            </a:r>
+            <a:r>
+              <a:rPr lang="en-US" b="1" dirty="0">
+                <a:solidFill>
+                  <a:schemeClr val="bg1"/>
+                </a:solidFill>
+              </a:rPr>
+              <a:t>SUM</a:t>
+            </a:r>
+            <a:r>
+              <a:rPr lang="en-US" dirty="0"/>
+              <a:t>(</a:t>
+            </a:r>
+            <a:r>
+              <a:rPr lang="en-US" b="1" dirty="0"/>
+              <a:t>number1</a:t>
+            </a:r>
+            <a:r>
+              <a:rPr lang="en-US" dirty="0" smtClean="0"/>
+              <a:t>;</a:t>
+            </a:r>
+            <a:r>
+              <a:rPr lang="en-US" dirty="0"/>
+              <a:t> </a:t>
+            </a:r>
+            <a:r>
+              <a:rPr lang="en-US" b="1" dirty="0" smtClean="0"/>
+              <a:t>number2</a:t>
+            </a:r>
+            <a:r>
+              <a:rPr lang="en-US" dirty="0" smtClean="0"/>
+              <a:t>)</a:t>
+            </a:r>
+            <a:endParaRPr lang="en-US" dirty="0" smtClean="0"/>
+          </a:p>
+          <a:p>
+            <a:pPr lvl="1"/>
+            <a:r>
+              <a:rPr lang="en-US" dirty="0" smtClean="0"/>
+              <a:t>=</a:t>
+            </a:r>
+            <a:r>
+              <a:rPr lang="en-US" b="1" dirty="0" smtClean="0">
+                <a:solidFill>
+                  <a:schemeClr val="bg1"/>
+                </a:solidFill>
+              </a:rPr>
+              <a:t>AVERAGE</a:t>
+            </a:r>
+            <a:r>
+              <a:rPr lang="en-US" dirty="0" smtClean="0"/>
+              <a:t>(</a:t>
+            </a:r>
+            <a:r>
+              <a:rPr lang="en-US" b="1" dirty="0" smtClean="0"/>
+              <a:t>number1</a:t>
+            </a:r>
+            <a:r>
+              <a:rPr lang="en-US" dirty="0" smtClean="0"/>
+              <a:t>; </a:t>
+            </a:r>
+            <a:r>
+              <a:rPr lang="en-US" b="1" dirty="0" smtClean="0"/>
+              <a:t>number2</a:t>
+            </a:r>
+            <a:r>
+              <a:rPr lang="en-US" dirty="0" smtClean="0"/>
+              <a:t>)</a:t>
+            </a:r>
+            <a:endParaRPr lang="bg-BG" dirty="0" smtClean="0"/>
+          </a:p>
+          <a:p>
+            <a:pPr lvl="1"/>
+            <a:r>
+              <a:rPr lang="bg-BG" dirty="0" smtClean="0"/>
+              <a:t>=</a:t>
+            </a:r>
+            <a:r>
+              <a:rPr lang="en-US" b="1" dirty="0" smtClean="0">
+                <a:solidFill>
+                  <a:schemeClr val="bg1"/>
+                </a:solidFill>
+              </a:rPr>
+              <a:t>MIN</a:t>
+            </a:r>
+            <a:r>
+              <a:rPr lang="en-US" dirty="0"/>
+              <a:t>(</a:t>
+            </a:r>
+            <a:r>
+              <a:rPr lang="en-US" b="1" dirty="0"/>
+              <a:t>number1</a:t>
+            </a:r>
+            <a:r>
+              <a:rPr lang="en-US" dirty="0"/>
+              <a:t>; </a:t>
+            </a:r>
+            <a:r>
+              <a:rPr lang="en-US" b="1" dirty="0"/>
+              <a:t>number2</a:t>
+            </a:r>
+            <a:r>
+              <a:rPr lang="en-US" dirty="0"/>
+              <a:t>)</a:t>
+            </a:r>
+            <a:endParaRPr lang="bg-BG" dirty="0"/>
+          </a:p>
+          <a:p>
+            <a:pPr lvl="1"/>
+            <a:r>
+              <a:rPr lang="en-US" dirty="0" smtClean="0"/>
+              <a:t>=</a:t>
+            </a:r>
+            <a:r>
+              <a:rPr lang="en-US" b="1" dirty="0" smtClean="0">
+                <a:solidFill>
+                  <a:schemeClr val="bg1"/>
+                </a:solidFill>
+              </a:rPr>
+              <a:t>MAX</a:t>
+            </a:r>
+            <a:r>
+              <a:rPr lang="en-US" dirty="0"/>
+              <a:t>(</a:t>
+            </a:r>
+            <a:r>
+              <a:rPr lang="en-US" b="1" dirty="0"/>
+              <a:t>number1</a:t>
+            </a:r>
+            <a:r>
+              <a:rPr lang="en-US" dirty="0"/>
+              <a:t>; </a:t>
+            </a:r>
+            <a:r>
+              <a:rPr lang="en-US" b="1" dirty="0"/>
+              <a:t>number2</a:t>
+            </a:r>
+            <a:r>
+              <a:rPr lang="en-US" dirty="0" smtClean="0"/>
+              <a:t>)</a:t>
+            </a:r>
+          </a:p>
+          <a:p>
+            <a:r>
+              <a:rPr lang="bg-BG" dirty="0" smtClean="0"/>
+              <a:t>Важно е да не изпускате знака за </a:t>
+            </a:r>
+            <a:r>
+              <a:rPr lang="bg-BG" b="1" dirty="0" smtClean="0"/>
+              <a:t>равенство</a:t>
+            </a:r>
+            <a:r>
+              <a:rPr lang="bg-BG" dirty="0" smtClean="0"/>
+              <a:t> (</a:t>
+            </a:r>
+            <a:r>
+              <a:rPr lang="bg-BG" b="1" dirty="0" smtClean="0">
+                <a:solidFill>
+                  <a:schemeClr val="bg1"/>
+                </a:solidFill>
+              </a:rPr>
+              <a:t>=</a:t>
+            </a:r>
+            <a:r>
+              <a:rPr lang="bg-BG" dirty="0" smtClean="0"/>
+              <a:t>) в началото!</a:t>
+            </a:r>
+          </a:p>
+          <a:p>
+            <a:pPr lvl="1"/>
+            <a:r>
+              <a:rPr lang="bg-BG" dirty="0" smtClean="0"/>
+              <a:t>В противен случай функцията се счита за </a:t>
+            </a:r>
+            <a:r>
+              <a:rPr lang="bg-BG" b="1" dirty="0" smtClean="0"/>
+              <a:t>обикновен текст</a:t>
+            </a:r>
+            <a:endParaRPr lang="en-US" b="1" dirty="0"/>
           </a:p>
         </p:txBody>
       </p:sp>
@@ -9834,7 +11106,11 @@
           <a:p>
             <a:r>
               <a:rPr lang="bg-BG" dirty="0"/>
-              <a:t>Ръчно писане на формулите</a:t>
+              <a:t>Ръчно писане на </a:t>
+            </a:r>
+            <a:r>
+              <a:rPr lang="bg-BG" dirty="0"/>
+              <a:t>функции</a:t>
             </a:r>
             <a:endParaRPr lang="en-US" dirty="0"/>
           </a:p>
@@ -9861,7 +11137,373 @@
   <p:timing>
     <p:tnLst>
       <p:par>
-        <p:cTn id="1" dur="indefinite" restart="never" nodeType="tmRoot"/>
+        <p:cTn id="1" dur="indefinite" restart="never" nodeType="tmRoot">
+          <p:childTnLst>
+            <p:seq concurrent="1" nextAc="seek">
+              <p:cTn id="2" dur="indefinite" nodeType="mainSeq">
+                <p:childTnLst>
+                  <p:par>
+                    <p:cTn id="3" fill="hold">
+                      <p:stCondLst>
+                        <p:cond delay="indefinite"/>
+                      </p:stCondLst>
+                      <p:childTnLst>
+                        <p:par>
+                          <p:cTn id="4" fill="hold">
+                            <p:stCondLst>
+                              <p:cond delay="0"/>
+                            </p:stCondLst>
+                            <p:childTnLst>
+                              <p:par>
+                                <p:cTn id="5" presetID="1" presetClass="entr" presetSubtype="0" fill="hold" nodeType="clickEffect">
+                                  <p:stCondLst>
+                                    <p:cond delay="0"/>
+                                  </p:stCondLst>
+                                  <p:childTnLst>
+                                    <p:set>
+                                      <p:cBhvr>
+                                        <p:cTn id="6" dur="1" fill="hold">
+                                          <p:stCondLst>
+                                            <p:cond delay="0"/>
+                                          </p:stCondLst>
+                                        </p:cTn>
+                                        <p:tgtEl>
+                                          <p:spTgt spid="3">
+                                            <p:txEl>
+                                              <p:pRg st="1" end="1"/>
+                                            </p:txEl>
+                                          </p:spTgt>
+                                        </p:tgtEl>
+                                        <p:attrNameLst>
+                                          <p:attrName>style.visibility</p:attrName>
+                                        </p:attrNameLst>
+                                      </p:cBhvr>
+                                      <p:to>
+                                        <p:strVal val="visible"/>
+                                      </p:to>
+                                    </p:set>
+                                  </p:childTnLst>
+                                </p:cTn>
+                              </p:par>
+                            </p:childTnLst>
+                          </p:cTn>
+                        </p:par>
+                      </p:childTnLst>
+                    </p:cTn>
+                  </p:par>
+                  <p:par>
+                    <p:cTn id="7" fill="hold">
+                      <p:stCondLst>
+                        <p:cond delay="indefinite"/>
+                      </p:stCondLst>
+                      <p:childTnLst>
+                        <p:par>
+                          <p:cTn id="8" fill="hold">
+                            <p:stCondLst>
+                              <p:cond delay="0"/>
+                            </p:stCondLst>
+                            <p:childTnLst>
+                              <p:par>
+                                <p:cTn id="9" presetID="1" presetClass="entr" presetSubtype="0" fill="hold" nodeType="clickEffect">
+                                  <p:stCondLst>
+                                    <p:cond delay="0"/>
+                                  </p:stCondLst>
+                                  <p:childTnLst>
+                                    <p:set>
+                                      <p:cBhvr>
+                                        <p:cTn id="10" dur="1" fill="hold">
+                                          <p:stCondLst>
+                                            <p:cond delay="0"/>
+                                          </p:stCondLst>
+                                        </p:cTn>
+                                        <p:tgtEl>
+                                          <p:spTgt spid="3">
+                                            <p:txEl>
+                                              <p:pRg st="2" end="2"/>
+                                            </p:txEl>
+                                          </p:spTgt>
+                                        </p:tgtEl>
+                                        <p:attrNameLst>
+                                          <p:attrName>style.visibility</p:attrName>
+                                        </p:attrNameLst>
+                                      </p:cBhvr>
+                                      <p:to>
+                                        <p:strVal val="visible"/>
+                                      </p:to>
+                                    </p:set>
+                                  </p:childTnLst>
+                                </p:cTn>
+                              </p:par>
+                            </p:childTnLst>
+                          </p:cTn>
+                        </p:par>
+                      </p:childTnLst>
+                    </p:cTn>
+                  </p:par>
+                  <p:par>
+                    <p:cTn id="11" fill="hold">
+                      <p:stCondLst>
+                        <p:cond delay="indefinite"/>
+                      </p:stCondLst>
+                      <p:childTnLst>
+                        <p:par>
+                          <p:cTn id="12" fill="hold">
+                            <p:stCondLst>
+                              <p:cond delay="0"/>
+                            </p:stCondLst>
+                            <p:childTnLst>
+                              <p:par>
+                                <p:cTn id="13" presetID="1" presetClass="entr" presetSubtype="0" fill="hold" nodeType="clickEffect">
+                                  <p:stCondLst>
+                                    <p:cond delay="0"/>
+                                  </p:stCondLst>
+                                  <p:childTnLst>
+                                    <p:set>
+                                      <p:cBhvr>
+                                        <p:cTn id="14" dur="1" fill="hold">
+                                          <p:stCondLst>
+                                            <p:cond delay="0"/>
+                                          </p:stCondLst>
+                                        </p:cTn>
+                                        <p:tgtEl>
+                                          <p:spTgt spid="3">
+                                            <p:txEl>
+                                              <p:pRg st="3" end="3"/>
+                                            </p:txEl>
+                                          </p:spTgt>
+                                        </p:tgtEl>
+                                        <p:attrNameLst>
+                                          <p:attrName>style.visibility</p:attrName>
+                                        </p:attrNameLst>
+                                      </p:cBhvr>
+                                      <p:to>
+                                        <p:strVal val="visible"/>
+                                      </p:to>
+                                    </p:set>
+                                  </p:childTnLst>
+                                </p:cTn>
+                              </p:par>
+                            </p:childTnLst>
+                          </p:cTn>
+                        </p:par>
+                      </p:childTnLst>
+                    </p:cTn>
+                  </p:par>
+                  <p:par>
+                    <p:cTn id="15" fill="hold">
+                      <p:stCondLst>
+                        <p:cond delay="indefinite"/>
+                      </p:stCondLst>
+                      <p:childTnLst>
+                        <p:par>
+                          <p:cTn id="16" fill="hold">
+                            <p:stCondLst>
+                              <p:cond delay="0"/>
+                            </p:stCondLst>
+                            <p:childTnLst>
+                              <p:par>
+                                <p:cTn id="17" presetID="1" presetClass="entr" presetSubtype="0" fill="hold" nodeType="clickEffect">
+                                  <p:stCondLst>
+                                    <p:cond delay="0"/>
+                                  </p:stCondLst>
+                                  <p:childTnLst>
+                                    <p:set>
+                                      <p:cBhvr>
+                                        <p:cTn id="18" dur="1" fill="hold">
+                                          <p:stCondLst>
+                                            <p:cond delay="0"/>
+                                          </p:stCondLst>
+                                        </p:cTn>
+                                        <p:tgtEl>
+                                          <p:spTgt spid="3">
+                                            <p:txEl>
+                                              <p:pRg st="4" end="4"/>
+                                            </p:txEl>
+                                          </p:spTgt>
+                                        </p:tgtEl>
+                                        <p:attrNameLst>
+                                          <p:attrName>style.visibility</p:attrName>
+                                        </p:attrNameLst>
+                                      </p:cBhvr>
+                                      <p:to>
+                                        <p:strVal val="visible"/>
+                                      </p:to>
+                                    </p:set>
+                                  </p:childTnLst>
+                                </p:cTn>
+                              </p:par>
+                            </p:childTnLst>
+                          </p:cTn>
+                        </p:par>
+                      </p:childTnLst>
+                    </p:cTn>
+                  </p:par>
+                  <p:par>
+                    <p:cTn id="19" fill="hold">
+                      <p:stCondLst>
+                        <p:cond delay="indefinite"/>
+                      </p:stCondLst>
+                      <p:childTnLst>
+                        <p:par>
+                          <p:cTn id="20" fill="hold">
+                            <p:stCondLst>
+                              <p:cond delay="0"/>
+                            </p:stCondLst>
+                            <p:childTnLst>
+                              <p:par>
+                                <p:cTn id="21" presetID="1" presetClass="entr" presetSubtype="0" fill="hold" nodeType="clickEffect">
+                                  <p:stCondLst>
+                                    <p:cond delay="0"/>
+                                  </p:stCondLst>
+                                  <p:childTnLst>
+                                    <p:set>
+                                      <p:cBhvr>
+                                        <p:cTn id="22" dur="1" fill="hold">
+                                          <p:stCondLst>
+                                            <p:cond delay="0"/>
+                                          </p:stCondLst>
+                                        </p:cTn>
+                                        <p:tgtEl>
+                                          <p:spTgt spid="3">
+                                            <p:txEl>
+                                              <p:pRg st="5" end="5"/>
+                                            </p:txEl>
+                                          </p:spTgt>
+                                        </p:tgtEl>
+                                        <p:attrNameLst>
+                                          <p:attrName>style.visibility</p:attrName>
+                                        </p:attrNameLst>
+                                      </p:cBhvr>
+                                      <p:to>
+                                        <p:strVal val="visible"/>
+                                      </p:to>
+                                    </p:set>
+                                  </p:childTnLst>
+                                </p:cTn>
+                              </p:par>
+                            </p:childTnLst>
+                          </p:cTn>
+                        </p:par>
+                      </p:childTnLst>
+                    </p:cTn>
+                  </p:par>
+                  <p:par>
+                    <p:cTn id="23" fill="hold">
+                      <p:stCondLst>
+                        <p:cond delay="indefinite"/>
+                      </p:stCondLst>
+                      <p:childTnLst>
+                        <p:par>
+                          <p:cTn id="24" fill="hold">
+                            <p:stCondLst>
+                              <p:cond delay="0"/>
+                            </p:stCondLst>
+                            <p:childTnLst>
+                              <p:par>
+                                <p:cTn id="25" presetID="1" presetClass="entr" presetSubtype="0" fill="hold" nodeType="clickEffect">
+                                  <p:stCondLst>
+                                    <p:cond delay="0"/>
+                                  </p:stCondLst>
+                                  <p:childTnLst>
+                                    <p:set>
+                                      <p:cBhvr>
+                                        <p:cTn id="26" dur="1" fill="hold">
+                                          <p:stCondLst>
+                                            <p:cond delay="0"/>
+                                          </p:stCondLst>
+                                        </p:cTn>
+                                        <p:tgtEl>
+                                          <p:spTgt spid="3">
+                                            <p:txEl>
+                                              <p:pRg st="6" end="6"/>
+                                            </p:txEl>
+                                          </p:spTgt>
+                                        </p:tgtEl>
+                                        <p:attrNameLst>
+                                          <p:attrName>style.visibility</p:attrName>
+                                        </p:attrNameLst>
+                                      </p:cBhvr>
+                                      <p:to>
+                                        <p:strVal val="visible"/>
+                                      </p:to>
+                                    </p:set>
+                                  </p:childTnLst>
+                                </p:cTn>
+                              </p:par>
+                            </p:childTnLst>
+                          </p:cTn>
+                        </p:par>
+                      </p:childTnLst>
+                    </p:cTn>
+                  </p:par>
+                  <p:par>
+                    <p:cTn id="27" fill="hold">
+                      <p:stCondLst>
+                        <p:cond delay="indefinite"/>
+                      </p:stCondLst>
+                      <p:childTnLst>
+                        <p:par>
+                          <p:cTn id="28" fill="hold">
+                            <p:stCondLst>
+                              <p:cond delay="0"/>
+                            </p:stCondLst>
+                            <p:childTnLst>
+                              <p:par>
+                                <p:cTn id="29" presetID="1" presetClass="entr" presetSubtype="0" fill="hold" nodeType="clickEffect">
+                                  <p:stCondLst>
+                                    <p:cond delay="0"/>
+                                  </p:stCondLst>
+                                  <p:childTnLst>
+                                    <p:set>
+                                      <p:cBhvr>
+                                        <p:cTn id="30" dur="1" fill="hold">
+                                          <p:stCondLst>
+                                            <p:cond delay="0"/>
+                                          </p:stCondLst>
+                                        </p:cTn>
+                                        <p:tgtEl>
+                                          <p:spTgt spid="3">
+                                            <p:txEl>
+                                              <p:pRg st="7" end="7"/>
+                                            </p:txEl>
+                                          </p:spTgt>
+                                        </p:tgtEl>
+                                        <p:attrNameLst>
+                                          <p:attrName>style.visibility</p:attrName>
+                                        </p:attrNameLst>
+                                      </p:cBhvr>
+                                      <p:to>
+                                        <p:strVal val="visible"/>
+                                      </p:to>
+                                    </p:set>
+                                  </p:childTnLst>
+                                </p:cTn>
+                              </p:par>
+                            </p:childTnLst>
+                          </p:cTn>
+                        </p:par>
+                      </p:childTnLst>
+                    </p:cTn>
+                  </p:par>
+                </p:childTnLst>
+              </p:cTn>
+              <p:prevCondLst>
+                <p:cond evt="onPrev" delay="0">
+                  <p:tgtEl>
+                    <p:sldTgt/>
+                  </p:tgtEl>
+                </p:cond>
+              </p:prevCondLst>
+              <p:nextCondLst>
+                <p:cond evt="onNext" delay="0">
+                  <p:tgtEl>
+                    <p:sldTgt/>
+                  </p:tgtEl>
+                </p:cond>
+              </p:nextCondLst>
+            </p:seq>
+          </p:childTnLst>
+        </p:cTn>
       </p:par>
     </p:tnLst>
   </p:timing>
@@ -10536,7 +12178,7 @@
               </a:buClr>
             </a:pPr>
             <a:r>
-              <a:rPr lang="ru-RU" sz="2600" b="1" dirty="0" smtClean="0">
+              <a:rPr lang="ru-RU" sz="3200" b="1" dirty="0" smtClean="0">
                 <a:solidFill>
                   <a:schemeClr val="bg1">
                     <a:lumMod val="60000"/>
@@ -10544,13 +12186,64 @@
                   </a:schemeClr>
                 </a:solidFill>
               </a:rPr>
-              <a:t>ТОДО</a:t>
-            </a:r>
-            <a:endParaRPr lang="ru-RU" sz="2600" b="1" dirty="0">
-              <a:solidFill>
-                <a:schemeClr val="bg2"/>
-              </a:solidFill>
-            </a:endParaRPr>
+              <a:t>Формула</a:t>
+            </a:r>
+            <a:r>
+              <a:rPr lang="ru-RU" sz="3200" dirty="0" smtClean="0">
+                <a:solidFill>
+                  <a:schemeClr val="bg2"/>
+                </a:solidFill>
+              </a:rPr>
+              <a:t> – изчисление на </a:t>
+            </a:r>
+            <a:r>
+              <a:rPr lang="ru-RU" sz="3200" b="1" dirty="0" smtClean="0">
+                <a:solidFill>
+                  <a:schemeClr val="bg2"/>
+                </a:solidFill>
+              </a:rPr>
+              <a:t>аритметични изрази</a:t>
+            </a:r>
+            <a:r>
+              <a:rPr lang="ru-RU" sz="3200" dirty="0" smtClean="0">
+                <a:solidFill>
+                  <a:schemeClr val="bg2"/>
+                </a:solidFill>
+              </a:rPr>
+              <a:t>, в което </a:t>
+            </a:r>
+            <a:r>
+              <a:rPr lang="ru-RU" sz="3200" dirty="0">
+                <a:solidFill>
+                  <a:schemeClr val="bg2"/>
+                </a:solidFill>
+              </a:rPr>
+              <a:t>участват константи </a:t>
+            </a:r>
+            <a:r>
+              <a:rPr lang="bg-BG" sz="3200" dirty="0" smtClean="0">
+                <a:solidFill>
+                  <a:schemeClr val="bg2"/>
+                </a:solidFill>
+              </a:rPr>
+              <a:t>или </a:t>
+            </a:r>
+            <a:r>
+              <a:rPr lang="ru-RU" sz="3200" dirty="0" smtClean="0">
+                <a:solidFill>
+                  <a:schemeClr val="bg2"/>
+                </a:solidFill>
+              </a:rPr>
+              <a:t>останалите </a:t>
+            </a:r>
+            <a:r>
+              <a:rPr lang="ru-RU" sz="3200" dirty="0" smtClean="0">
+                <a:solidFill>
+                  <a:schemeClr val="bg2"/>
+                </a:solidFill>
+              </a:rPr>
+              <a:t>клетки със своите адреси </a:t>
+            </a:r>
           </a:p>
           <a:p>
             <a:pPr marL="355600" indent="-355600">
@@ -10561,7 +12254,92 @@
                 <a:schemeClr val="bg2"/>
               </a:buClr>
             </a:pPr>
-            <a:endParaRPr lang="ru-RU" sz="2800" b="1" dirty="0" smtClean="0">
+            <a:r>
+              <a:rPr lang="ru-RU" sz="3200" b="1" dirty="0" smtClean="0">
+                <a:solidFill>
+                  <a:schemeClr val="bg1">
+                    <a:lumMod val="60000"/>
+                    <a:lumOff val="40000"/>
+                  </a:schemeClr>
+                </a:solidFill>
+              </a:rPr>
+              <a:t>Вградени функции </a:t>
+            </a:r>
+            <a:r>
+              <a:rPr lang="ru-RU" sz="3200" b="1" dirty="0" smtClean="0">
+                <a:solidFill>
+                  <a:schemeClr val="bg2"/>
+                </a:solidFill>
+              </a:rPr>
+              <a:t>– </a:t>
+            </a:r>
+            <a:r>
+              <a:rPr lang="ru-RU" sz="3200" dirty="0" smtClean="0">
+                <a:solidFill>
+                  <a:schemeClr val="bg2"/>
+                </a:solidFill>
+              </a:rPr>
+              <a:t>готови</a:t>
+            </a:r>
+            <a:r>
+              <a:rPr lang="ru-RU" sz="3200" b="1" dirty="0" smtClean="0">
+                <a:solidFill>
+                  <a:schemeClr val="bg2"/>
+                </a:solidFill>
+              </a:rPr>
+              <a:t> </a:t>
+            </a:r>
+            <a:r>
+              <a:rPr lang="ru-RU" sz="3200" dirty="0" smtClean="0">
+                <a:solidFill>
+                  <a:schemeClr val="bg2"/>
+                </a:solidFill>
+              </a:rPr>
+              <a:t>формули</a:t>
+            </a:r>
+          </a:p>
+          <a:p>
+            <a:pPr marL="888666" lvl="1" indent="-355600">
+              <a:lnSpc>
+                <a:spcPct val="100000"/>
+              </a:lnSpc>
+              <a:buClr>
+                <a:schemeClr val="bg2"/>
+              </a:buClr>
+            </a:pPr>
+            <a:r>
+              <a:rPr lang="ru-RU" sz="3000" dirty="0" smtClean="0">
+                <a:solidFill>
+                  <a:schemeClr val="bg2"/>
+                </a:solidFill>
+              </a:rPr>
+              <a:t>Задават се с </a:t>
+            </a:r>
+            <a:r>
+              <a:rPr lang="ru-RU" sz="3000" b="1" dirty="0" smtClean="0">
+                <a:solidFill>
+                  <a:schemeClr val="bg2"/>
+                </a:solidFill>
+              </a:rPr>
+              <a:t>име </a:t>
+            </a:r>
+            <a:r>
+              <a:rPr lang="ru-RU" sz="3000" dirty="0" smtClean="0">
+                <a:solidFill>
+                  <a:schemeClr val="bg2"/>
+                </a:solidFill>
+              </a:rPr>
+              <a:t>и</a:t>
+            </a:r>
+            <a:r>
+              <a:rPr lang="ru-RU" sz="3000" b="1" dirty="0" smtClean="0">
+                <a:solidFill>
+                  <a:schemeClr val="bg2"/>
+                </a:solidFill>
+              </a:rPr>
+              <a:t> аргументи</a:t>
+            </a:r>
+            <a:endParaRPr lang="ru-RU" sz="3000" b="1" dirty="0">
               <a:solidFill>
                 <a:schemeClr val="bg2"/>
               </a:solidFill>
@@ -10576,12 +12354,257 @@
                 <a:schemeClr val="bg2"/>
               </a:buClr>
             </a:pPr>
-            <a:endParaRPr lang="ru-RU" sz="2800" b="1" dirty="0">
+            <a:r>
+              <a:rPr lang="bg-BG" sz="2800" dirty="0" smtClean="0">
+                <a:solidFill>
+                  <a:schemeClr val="bg2"/>
+                </a:solidFill>
+              </a:rPr>
+              <a:t>Основни функции:</a:t>
+            </a:r>
+            <a:endParaRPr lang="en-US" sz="2800" dirty="0">
               <a:solidFill>
                 <a:schemeClr val="bg2"/>
               </a:solidFill>
             </a:endParaRPr>
           </a:p>
+          <a:p>
+            <a:pPr marL="888666" lvl="1" indent="-355600">
+              <a:lnSpc>
+                <a:spcPct val="100000"/>
+              </a:lnSpc>
+              <a:buClr>
+                <a:schemeClr val="bg2"/>
+              </a:buClr>
+            </a:pPr>
+            <a:r>
+              <a:rPr lang="en-US" sz="2600" b="1" dirty="0" smtClean="0">
+                <a:solidFill>
+                  <a:schemeClr val="bg2"/>
+                </a:solidFill>
+              </a:rPr>
+              <a:t>SUM</a:t>
+            </a:r>
+          </a:p>
+          <a:p>
+            <a:pPr marL="888666" lvl="1" indent="-355600">
+              <a:lnSpc>
+                <a:spcPct val="100000"/>
+              </a:lnSpc>
+              <a:buClr>
+                <a:schemeClr val="bg2"/>
+              </a:buClr>
+            </a:pPr>
+            <a:r>
+              <a:rPr lang="en-US" sz="2600" b="1" dirty="0" smtClean="0">
+                <a:solidFill>
+                  <a:schemeClr val="bg2"/>
+                </a:solidFill>
+              </a:rPr>
+              <a:t>AVERAGE</a:t>
+            </a:r>
+            <a:endParaRPr lang="en-US" sz="2600" b="1" dirty="0" smtClean="0">
+              <a:solidFill>
+                <a:schemeClr val="bg2"/>
+              </a:solidFill>
+            </a:endParaRPr>
+          </a:p>
+        </p:txBody>
+      </p:sp>
+      <p:sp>
+        <p:nvSpPr>
+          <p:cNvPr id="13" name="Content Placeholder 4">
+            <a:extLst>
+              <a:ext uri="{FF2B5EF4-FFF2-40B4-BE49-F238E27FC236}">
+                <a16:creationId xmlns:a16="http://schemas.microsoft.com/office/drawing/2014/main" id="{B96A0DF8-27E7-4DC8-BBE3-7238AAAEB845}"/>
+              </a:ext>
+            </a:extLst>
+          </p:cNvPr>
+          <p:cNvSpPr txBox="1">
+            <a:spLocks/>
+          </p:cNvSpPr>
+          <p:nvPr/>
+        </p:nvSpPr>
+        <p:spPr>
+          <a:xfrm>
+            <a:off x="3497856" y="5066714"/>
+            <a:ext cx="3138144" cy="978342"/>
+          </a:xfrm>
+          <a:prstGeom prst="rect">
+            <a:avLst/>
+          </a:prstGeom>
+        </p:spPr>
+        <p:txBody>
+          <a:bodyPr vert="horz" lIns="108000" tIns="36000" rIns="108000" bIns="36000" rtlCol="0">
+            <a:noAutofit/>
+          </a:bodyPr>
+          <a:lstStyle>
+            <a:lvl1pPr marL="456915" indent="-456915" algn="l" defTabSz="1218438" rtl="0" eaLnBrk="1" latinLnBrk="0" hangingPunct="1">
+              <a:lnSpc>
+                <a:spcPct val="105000"/>
+              </a:lnSpc>
+              <a:spcBef>
+                <a:spcPts val="600"/>
+              </a:spcBef>
+              <a:spcAft>
+                <a:spcPts val="600"/>
+              </a:spcAft>
+              <a:buFont typeface="Wingdings" panose="05000000000000000000" pitchFamily="2" charset="2"/>
+              <a:buChar char="§"/>
+              <a:defRPr sz="3398" kern="1200">
+                <a:solidFill>
+                  <a:schemeClr val="tx1"/>
+                </a:solidFill>
+                <a:latin typeface="+mn-lt"/>
+                <a:ea typeface="+mn-ea"/>
+                <a:cs typeface="+mn-cs"/>
+              </a:defRPr>
+            </a:lvl1pPr>
+            <a:lvl2pPr marL="989981" indent="-380762" algn="l" defTabSz="1218438" rtl="0" eaLnBrk="1" latinLnBrk="0" hangingPunct="1">
+              <a:lnSpc>
+                <a:spcPct val="105000"/>
+              </a:lnSpc>
+              <a:spcBef>
+                <a:spcPts val="600"/>
+              </a:spcBef>
+              <a:spcAft>
+                <a:spcPts val="600"/>
+              </a:spcAft>
+              <a:buFont typeface="Wingdings" panose="05000000000000000000" pitchFamily="2" charset="2"/>
+              <a:buChar char="§"/>
+              <a:defRPr sz="3198" kern="1200">
+                <a:solidFill>
+                  <a:schemeClr val="tx1"/>
+                </a:solidFill>
+                <a:latin typeface="+mn-lt"/>
+                <a:ea typeface="+mn-ea"/>
+                <a:cs typeface="+mn-cs"/>
+              </a:defRPr>
+            </a:lvl2pPr>
+            <a:lvl3pPr marL="1523048" indent="-304610" algn="l" defTabSz="1218438" rtl="0" eaLnBrk="1" latinLnBrk="0" hangingPunct="1">
+              <a:lnSpc>
+                <a:spcPct val="105000"/>
+              </a:lnSpc>
+              <a:spcBef>
+                <a:spcPts val="600"/>
+              </a:spcBef>
+              <a:spcAft>
+                <a:spcPts val="600"/>
+              </a:spcAft>
+              <a:buFont typeface="Wingdings" panose="05000000000000000000" pitchFamily="2" charset="2"/>
+              <a:buChar char="§"/>
+              <a:defRPr sz="2998" kern="1200">
+                <a:solidFill>
+                  <a:schemeClr val="tx1"/>
+                </a:solidFill>
+                <a:latin typeface="+mn-lt"/>
+                <a:ea typeface="+mn-ea"/>
+                <a:cs typeface="+mn-cs"/>
+              </a:defRPr>
+            </a:lvl3pPr>
+            <a:lvl4pPr marL="2132267" indent="-304610" algn="l" defTabSz="1218438" rtl="0" eaLnBrk="1" latinLnBrk="0" hangingPunct="1">
+              <a:lnSpc>
+                <a:spcPct val="105000"/>
+              </a:lnSpc>
+              <a:spcBef>
+                <a:spcPts val="600"/>
+              </a:spcBef>
+              <a:spcAft>
+                <a:spcPts val="600"/>
+              </a:spcAft>
+              <a:buFont typeface="Wingdings" panose="05000000000000000000" pitchFamily="2" charset="2"/>
+              <a:buChar char="§"/>
+              <a:defRPr sz="2798" kern="1200">
+                <a:solidFill>
+                  <a:schemeClr val="tx1"/>
+                </a:solidFill>
+                <a:latin typeface="+mn-lt"/>
+                <a:ea typeface="+mn-ea"/>
+                <a:cs typeface="+mn-cs"/>
+              </a:defRPr>
+            </a:lvl4pPr>
+            <a:lvl5pPr marL="2741485" indent="-304610" algn="l" defTabSz="1218438" rtl="0" eaLnBrk="1" latinLnBrk="0" hangingPunct="1">
+              <a:lnSpc>
+                <a:spcPct val="105000"/>
+              </a:lnSpc>
+              <a:spcBef>
+                <a:spcPts val="600"/>
+              </a:spcBef>
+              <a:spcAft>
+                <a:spcPts val="600"/>
+              </a:spcAft>
+              <a:buFont typeface="Wingdings" panose="05000000000000000000" pitchFamily="2" charset="2"/>
+              <a:buChar char="§"/>
+              <a:defRPr sz="2598" kern="1200">
+                <a:solidFill>
+                  <a:schemeClr val="tx1"/>
+                </a:solidFill>
+                <a:latin typeface="+mn-lt"/>
+                <a:ea typeface="+mn-ea"/>
+                <a:cs typeface="+mn-cs"/>
+              </a:defRPr>
+            </a:lvl5pPr>
+            <a:lvl6pPr marL="3350704" indent="-304610" algn="l" defTabSz="1218438" rtl="0" eaLnBrk="1" latinLnBrk="0" hangingPunct="1">
+              <a:spcBef>
+                <a:spcPct val="20000"/>
+              </a:spcBef>
+              <a:buFont typeface="Arial" pitchFamily="34" charset="0"/>
+              <a:buChar char="•"/>
+              <a:defRPr sz="2665" kern="1200">
+                <a:solidFill>
+                  <a:schemeClr val="tx1"/>
+                </a:solidFill>
+                <a:latin typeface="+mn-lt"/>
+                <a:ea typeface="+mn-ea"/>
+                <a:cs typeface="+mn-cs"/>
+              </a:defRPr>
+            </a:lvl6pPr>
+            <a:lvl7pPr marL="3959924" indent="-304610" algn="l" defTabSz="1218438" rtl="0" eaLnBrk="1" latinLnBrk="0" hangingPunct="1">
+              <a:spcBef>
+                <a:spcPct val="20000"/>
+              </a:spcBef>
+              <a:buFont typeface="Arial" pitchFamily="34" charset="0"/>
+              <a:buChar char="•"/>
+              <a:defRPr sz="2665" kern="1200">
+                <a:solidFill>
+                  <a:schemeClr val="tx1"/>
+                </a:solidFill>
+                <a:latin typeface="+mn-lt"/>
+                <a:ea typeface="+mn-ea"/>
+                <a:cs typeface="+mn-cs"/>
+              </a:defRPr>
+            </a:lvl7pPr>
+            <a:lvl8pPr marL="4569143" indent="-304610" algn="l" defTabSz="1218438" rtl="0" eaLnBrk="1" latinLnBrk="0" hangingPunct="1">
+              <a:spcBef>
+                <a:spcPct val="20000"/>
+              </a:spcBef>
+              <a:buFont typeface="Arial" pitchFamily="34" charset="0"/>
+              <a:buChar char="•"/>
+              <a:defRPr sz="2665" kern="1200">
+                <a:solidFill>
+                  <a:schemeClr val="tx1"/>
+                </a:solidFill>
+                <a:latin typeface="+mn-lt"/>
+                <a:ea typeface="+mn-ea"/>
+                <a:cs typeface="+mn-cs"/>
+              </a:defRPr>
+            </a:lvl8pPr>
+            <a:lvl9pPr marL="5178362" indent="-304610" algn="l" defTabSz="1218438" rtl="0" eaLnBrk="1" latinLnBrk="0" hangingPunct="1">
+              <a:spcBef>
+                <a:spcPct val="20000"/>
+              </a:spcBef>
+              <a:buFont typeface="Arial" pitchFamily="34" charset="0"/>
+              <a:buChar char="•"/>
+              <a:defRPr sz="2665" kern="1200">
+                <a:solidFill>
+                  <a:schemeClr val="tx1"/>
+                </a:solidFill>
+                <a:latin typeface="+mn-lt"/>
+                <a:ea typeface="+mn-ea"/>
+                <a:cs typeface="+mn-cs"/>
+              </a:defRPr>
+            </a:lvl9pPr>
+          </a:lstStyle>
           <a:p>
             <a:pPr marL="355600" indent="-355600">
               <a:lnSpc>
@@ -10591,7 +12614,33 @@
                 <a:schemeClr val="bg2"/>
               </a:buClr>
             </a:pPr>
-            <a:endParaRPr lang="en-US" sz="2400" dirty="0" smtClean="0">
+            <a:r>
+              <a:rPr lang="en-US" sz="2600" b="1" dirty="0" smtClean="0">
+                <a:solidFill>
+                  <a:schemeClr val="bg2"/>
+                </a:solidFill>
+              </a:rPr>
+              <a:t>MIN</a:t>
+            </a:r>
+          </a:p>
+          <a:p>
+            <a:pPr marL="355600" indent="-355600">
+              <a:lnSpc>
+                <a:spcPct val="100000"/>
+              </a:lnSpc>
+              <a:buClr>
+                <a:schemeClr val="bg2"/>
+              </a:buClr>
+            </a:pPr>
+            <a:r>
+              <a:rPr lang="en-US" sz="2600" b="1" dirty="0" smtClean="0">
+                <a:solidFill>
+                  <a:schemeClr val="bg2"/>
+                </a:solidFill>
+              </a:rPr>
+              <a:t>MAX</a:t>
+            </a:r>
+            <a:endParaRPr lang="en-US" sz="2600" b="1" dirty="0" smtClean="0">
               <a:solidFill>
                 <a:schemeClr val="bg2"/>
               </a:solidFill>
@@ -10654,6 +12703,349 @@
                                           <p:spTgt spid="15">
                                             <p:txEl>
                                               <p:pRg st="0" end="0"/>
+                                            </p:txEl>
+                                          </p:spTgt>
+                                        </p:tgtEl>
+                                        <p:attrNameLst>
+                                          <p:attrName>style.visibility</p:attrName>
+                                        </p:attrNameLst>
+                                      </p:cBhvr>
+                                      <p:to>
+                                        <p:strVal val="visible"/>
+                                      </p:to>
+                                    </p:set>
+                                  </p:childTnLst>
+                                </p:cTn>
+                              </p:par>
+                            </p:childTnLst>
+                          </p:cTn>
+                        </p:par>
+                      </p:childTnLst>
+                    </p:cTn>
+                  </p:par>
+                  <p:par>
+                    <p:cTn id="7" fill="hold">
+                      <p:stCondLst>
+                        <p:cond delay="indefinite"/>
+                      </p:stCondLst>
+                      <p:childTnLst>
+                        <p:par>
+                          <p:cTn id="8" fill="hold">
+                            <p:stCondLst>
+                              <p:cond delay="0"/>
+                            </p:stCondLst>
+                            <p:childTnLst>
+                              <p:par>
+                                <p:cTn id="9" presetID="1" presetClass="entr" presetSubtype="0" fill="hold" nodeType="clickEffect">
+                                  <p:stCondLst>
+                                    <p:cond delay="0"/>
+                                  </p:stCondLst>
+                                  <p:childTnLst>
+                                    <p:set>
+                                      <p:cBhvr>
+                                        <p:cTn id="10" dur="1" fill="hold">
+                                          <p:stCondLst>
+                                            <p:cond delay="0"/>
+                                          </p:stCondLst>
+                                        </p:cTn>
+                                        <p:tgtEl>
+                                          <p:spTgt spid="15">
+                                            <p:txEl>
+                                              <p:pRg st="1" end="1"/>
+                                            </p:txEl>
+                                          </p:spTgt>
+                                        </p:tgtEl>
+                                        <p:attrNameLst>
+                                          <p:attrName>style.visibility</p:attrName>
+                                        </p:attrNameLst>
+                                      </p:cBhvr>
+                                      <p:to>
+                                        <p:strVal val="visible"/>
+                                      </p:to>
+                                    </p:set>
+                                  </p:childTnLst>
+                                </p:cTn>
+                              </p:par>
+                            </p:childTnLst>
+                          </p:cTn>
+                        </p:par>
+                      </p:childTnLst>
+                    </p:cTn>
+                  </p:par>
+                  <p:par>
+                    <p:cTn id="11" fill="hold">
+                      <p:stCondLst>
+                        <p:cond delay="indefinite"/>
+                      </p:stCondLst>
+                      <p:childTnLst>
+                        <p:par>
+                          <p:cTn id="12" fill="hold">
+                            <p:stCondLst>
+                              <p:cond delay="0"/>
+                            </p:stCondLst>
+                            <p:childTnLst>
+                              <p:par>
+                                <p:cTn id="13" presetID="1" presetClass="entr" presetSubtype="0" fill="hold" nodeType="clickEffect">
+                                  <p:stCondLst>
+                                    <p:cond delay="0"/>
+                                  </p:stCondLst>
+                                  <p:childTnLst>
+                                    <p:set>
+                                      <p:cBhvr>
+                                        <p:cTn id="14" dur="1" fill="hold">
+                                          <p:stCondLst>
+                                            <p:cond delay="0"/>
+                                          </p:stCondLst>
+                                        </p:cTn>
+                                        <p:tgtEl>
+                                          <p:spTgt spid="15">
+                                            <p:txEl>
+                                              <p:pRg st="2" end="2"/>
+                                            </p:txEl>
+                                          </p:spTgt>
+                                        </p:tgtEl>
+                                        <p:attrNameLst>
+                                          <p:attrName>style.visibility</p:attrName>
+                                        </p:attrNameLst>
+                                      </p:cBhvr>
+                                      <p:to>
+                                        <p:strVal val="visible"/>
+                                      </p:to>
+                                    </p:set>
+                                  </p:childTnLst>
+                                </p:cTn>
+                              </p:par>
+                            </p:childTnLst>
+                          </p:cTn>
+                        </p:par>
+                      </p:childTnLst>
+                    </p:cTn>
+                  </p:par>
+                  <p:par>
+                    <p:cTn id="15" fill="hold">
+                      <p:stCondLst>
+                        <p:cond delay="indefinite"/>
+                      </p:stCondLst>
+                      <p:childTnLst>
+                        <p:par>
+                          <p:cTn id="16" fill="hold">
+                            <p:stCondLst>
+                              <p:cond delay="0"/>
+                            </p:stCondLst>
+                            <p:childTnLst>
+                              <p:par>
+                                <p:cTn id="17" presetID="1" presetClass="entr" presetSubtype="0" fill="hold" nodeType="clickEffect">
+                                  <p:stCondLst>
+                                    <p:cond delay="0"/>
+                                  </p:stCondLst>
+                                  <p:childTnLst>
+                                    <p:set>
+                                      <p:cBhvr>
+                                        <p:cTn id="18" dur="1" fill="hold">
+                                          <p:stCondLst>
+                                            <p:cond delay="0"/>
+                                          </p:stCondLst>
+                                        </p:cTn>
+                                        <p:tgtEl>
+                                          <p:spTgt spid="15">
+                                            <p:txEl>
+                                              <p:pRg st="3" end="3"/>
+                                            </p:txEl>
+                                          </p:spTgt>
+                                        </p:tgtEl>
+                                        <p:attrNameLst>
+                                          <p:attrName>style.visibility</p:attrName>
+                                        </p:attrNameLst>
+                                      </p:cBhvr>
+                                      <p:to>
+                                        <p:strVal val="visible"/>
+                                      </p:to>
+                                    </p:set>
+                                  </p:childTnLst>
+                                </p:cTn>
+                              </p:par>
+                            </p:childTnLst>
+                          </p:cTn>
+                        </p:par>
+                      </p:childTnLst>
+                    </p:cTn>
+                  </p:par>
+                  <p:par>
+                    <p:cTn id="19" fill="hold">
+                      <p:stCondLst>
+                        <p:cond delay="indefinite"/>
+                      </p:stCondLst>
+                      <p:childTnLst>
+                        <p:par>
+                          <p:cTn id="20" fill="hold">
+                            <p:stCondLst>
+                              <p:cond delay="0"/>
+                            </p:stCondLst>
+                            <p:childTnLst>
+                              <p:par>
+                                <p:cTn id="21" presetID="1" presetClass="entr" presetSubtype="0" fill="hold" nodeType="clickEffect">
+                                  <p:stCondLst>
+                                    <p:cond delay="0"/>
+                                  </p:stCondLst>
+                                  <p:childTnLst>
+                                    <p:set>
+                                      <p:cBhvr>
+                                        <p:cTn id="22" dur="1" fill="hold">
+                                          <p:stCondLst>
+                                            <p:cond delay="0"/>
+                                          </p:stCondLst>
+                                        </p:cTn>
+                                        <p:tgtEl>
+                                          <p:spTgt spid="15">
+                                            <p:txEl>
+                                              <p:pRg st="4" end="4"/>
+                                            </p:txEl>
+                                          </p:spTgt>
+                                        </p:tgtEl>
+                                        <p:attrNameLst>
+                                          <p:attrName>style.visibility</p:attrName>
+                                        </p:attrNameLst>
+                                      </p:cBhvr>
+                                      <p:to>
+                                        <p:strVal val="visible"/>
+                                      </p:to>
+                                    </p:set>
+                                  </p:childTnLst>
+                                </p:cTn>
+                              </p:par>
+                            </p:childTnLst>
+                          </p:cTn>
+                        </p:par>
+                      </p:childTnLst>
+                    </p:cTn>
+                  </p:par>
+                  <p:par>
+                    <p:cTn id="23" fill="hold">
+                      <p:stCondLst>
+                        <p:cond delay="indefinite"/>
+                      </p:stCondLst>
+                      <p:childTnLst>
+                        <p:par>
+                          <p:cTn id="24" fill="hold">
+                            <p:stCondLst>
+                              <p:cond delay="0"/>
+                            </p:stCondLst>
+                            <p:childTnLst>
+                              <p:par>
+                                <p:cTn id="25" presetID="1" presetClass="entr" presetSubtype="0" fill="hold" nodeType="clickEffect">
+                                  <p:stCondLst>
+                                    <p:cond delay="0"/>
+                                  </p:stCondLst>
+                                  <p:childTnLst>
+                                    <p:set>
+                                      <p:cBhvr>
+                                        <p:cTn id="26" dur="1" fill="hold">
+                                          <p:stCondLst>
+                                            <p:cond delay="0"/>
+                                          </p:stCondLst>
+                                        </p:cTn>
+                                        <p:tgtEl>
+                                          <p:spTgt spid="15">
+                                            <p:txEl>
+                                              <p:pRg st="5" end="5"/>
+                                            </p:txEl>
+                                          </p:spTgt>
+                                        </p:tgtEl>
+                                        <p:attrNameLst>
+                                          <p:attrName>style.visibility</p:attrName>
+                                        </p:attrNameLst>
+                                      </p:cBhvr>
+                                      <p:to>
+                                        <p:strVal val="visible"/>
+                                      </p:to>
+                                    </p:set>
+                                  </p:childTnLst>
+                                </p:cTn>
+                              </p:par>
+                            </p:childTnLst>
+                          </p:cTn>
+                        </p:par>
+                      </p:childTnLst>
+                    </p:cTn>
+                  </p:par>
+                  <p:par>
+                    <p:cTn id="27" fill="hold">
+                      <p:stCondLst>
+                        <p:cond delay="indefinite"/>
+                      </p:stCondLst>
+                      <p:childTnLst>
+                        <p:par>
+                          <p:cTn id="28" fill="hold">
+                            <p:stCondLst>
+                              <p:cond delay="0"/>
+                            </p:stCondLst>
+                            <p:childTnLst>
+                              <p:par>
+                                <p:cTn id="29" presetID="1" presetClass="entr" presetSubtype="0" fill="hold" nodeType="clickEffect">
+                                  <p:stCondLst>
+                                    <p:cond delay="0"/>
+                                  </p:stCondLst>
+                                  <p:childTnLst>
+                                    <p:set>
+                                      <p:cBhvr>
+                                        <p:cTn id="30" dur="1" fill="hold">
+                                          <p:stCondLst>
+                                            <p:cond delay="0"/>
+                                          </p:stCondLst>
+                                        </p:cTn>
+                                        <p:tgtEl>
+                                          <p:spTgt spid="13">
+                                            <p:txEl>
+                                              <p:pRg st="0" end="0"/>
+                                            </p:txEl>
+                                          </p:spTgt>
+                                        </p:tgtEl>
+                                        <p:attrNameLst>
+                                          <p:attrName>style.visibility</p:attrName>
+                                        </p:attrNameLst>
+                                      </p:cBhvr>
+                                      <p:to>
+                                        <p:strVal val="visible"/>
+                                      </p:to>
+                                    </p:set>
+                                  </p:childTnLst>
+                                </p:cTn>
+                              </p:par>
+                            </p:childTnLst>
+                          </p:cTn>
+                        </p:par>
+                      </p:childTnLst>
+                    </p:cTn>
+                  </p:par>
+                  <p:par>
+                    <p:cTn id="31" fill="hold">
+                      <p:stCondLst>
+                        <p:cond delay="indefinite"/>
+                      </p:stCondLst>
+                      <p:childTnLst>
+                        <p:par>
+                          <p:cTn id="32" fill="hold">
+                            <p:stCondLst>
+                              <p:cond delay="0"/>
+                            </p:stCondLst>
+                            <p:childTnLst>
+                              <p:par>
+                                <p:cTn id="33" presetID="1" presetClass="entr" presetSubtype="0" fill="hold" nodeType="clickEffect">
+                                  <p:stCondLst>
+                                    <p:cond delay="0"/>
+                                  </p:stCondLst>
+                                  <p:childTnLst>
+                                    <p:set>
+                                      <p:cBhvr>
+                                        <p:cTn id="34" dur="1" fill="hold">
+                                          <p:stCondLst>
+                                            <p:cond delay="0"/>
+                                          </p:stCondLst>
+                                        </p:cTn>
+                                        <p:tgtEl>
+                                          <p:spTgt spid="13">
+                                            <p:txEl>
+                                              <p:pRg st="1" end="1"/>
                                             </p:txEl>
                                           </p:spTgt>
                                         </p:tgtEl>
@@ -10813,7 +13205,7 @@
                 <a:hlinkClick r:id="rId3">
                   <a:extLst>
                     <a:ext uri="{A12FA001-AC4F-418D-AE19-62706E023703}">
-                      <ahyp:hlinkClr xmlns:ahyp="http://schemas.microsoft.com/office/drawing/2018/hyperlinkcolor" xmlns="" val="tx"/>
+                      <ahyp:hlinkClr xmlns="" xmlns:ahyp="http://schemas.microsoft.com/office/drawing/2018/hyperlinkcolor" val="tx"/>
                     </a:ext>
                   </a:extLst>
                 </a:hlinkClick>
@@ -15750,6 +18142,14 @@
               <a:t>.</a:t>
             </a:r>
           </a:p>
+          <a:p>
+            <a:pPr lvl="1"/>
+            <a:r>
+              <a:rPr lang="bg-BG" dirty="0" smtClean="0"/>
+              <a:t>Изписват се в скобите след името</a:t>
+            </a:r>
+            <a:endParaRPr lang="bg-BG" dirty="0" smtClean="0"/>
+          </a:p>
         </p:txBody>
       </p:sp>
       <p:sp>
@@ -15802,8 +18202,8 @@
         </p:blipFill>
         <p:spPr bwMode="auto">
           <a:xfrm>
-            <a:off x="2790225" y="4510381"/>
-            <a:ext cx="6611550" cy="2203850"/>
+            <a:off x="1281000" y="4984891"/>
+            <a:ext cx="5220000" cy="1740000"/>
           </a:xfrm>
           <a:prstGeom prst="rect">
             <a:avLst/>
@@ -15820,6 +18220,246 @@
           </a:extLst>
         </p:spPr>
       </p:pic>
+      <p:sp>
+        <p:nvSpPr>
+          <p:cNvPr id="6" name="TextBox 5"/>
+          <p:cNvSpPr txBox="1"/>
+          <p:nvPr/>
+        </p:nvSpPr>
+        <p:spPr>
+          <a:xfrm>
+            <a:off x="8256000" y="5438795"/>
+            <a:ext cx="3065297" cy="861362"/>
+          </a:xfrm>
+          <a:prstGeom prst="rect">
+            <a:avLst/>
+          </a:prstGeom>
+          <a:solidFill>
+            <a:schemeClr val="accent6">
+              <a:lumMod val="75000"/>
+              <a:alpha val="15000"/>
+            </a:schemeClr>
+          </a:solidFill>
+          <a:ln w="12700">
+            <a:solidFill>
+              <a:schemeClr val="tx1">
+                <a:lumMod val="75000"/>
+              </a:schemeClr>
+            </a:solidFill>
+          </a:ln>
+        </p:spPr>
+        <p:txBody>
+          <a:bodyPr vert="horz" wrap="square" lIns="144000" tIns="108000" rIns="144000" bIns="108000" rtlCol="0">
+            <a:spAutoFit/>
+          </a:bodyPr>
+          <a:lstStyle/>
+          <a:p>
+            <a:pPr algn="ctr" eaLnBrk="0" hangingPunct="0">
+              <a:lnSpc>
+                <a:spcPct val="110000"/>
+              </a:lnSpc>
+              <a:buClr>
+                <a:schemeClr val="accent5">
+                  <a:lumMod val="40000"/>
+                  <a:lumOff val="60000"/>
+                </a:schemeClr>
+              </a:buClr>
+              <a:buSzPct val="70000"/>
+            </a:pPr>
+            <a:r>
+              <a:rPr lang="en-US" sz="4000" dirty="0" smtClean="0"/>
+              <a:t>=</a:t>
+            </a:r>
+            <a:r>
+              <a:rPr lang="en-US" sz="4000" dirty="0" smtClean="0"/>
+              <a:t>MAX(B3:B8</a:t>
+            </a:r>
+            <a:r>
+              <a:rPr lang="en-US" sz="4000" dirty="0" smtClean="0"/>
+              <a:t>)</a:t>
+            </a:r>
+            <a:endParaRPr lang="en-US" sz="4000" dirty="0"/>
+          </a:p>
+        </p:txBody>
+      </p:sp>
+      <p:sp>
+        <p:nvSpPr>
+          <p:cNvPr id="2" name="Rounded Rectangular Callout 1"/>
+          <p:cNvSpPr/>
+          <p:nvPr/>
+        </p:nvSpPr>
+        <p:spPr bwMode="auto">
+          <a:xfrm>
+            <a:off x="8121001" y="4532935"/>
+            <a:ext cx="1215000" cy="523159"/>
+          </a:xfrm>
+          <a:prstGeom prst="wedgeRoundRectCallout">
+            <a:avLst>
+              <a:gd name="adj1" fmla="val 25911"/>
+              <a:gd name="adj2" fmla="val 147549"/>
+              <a:gd name="adj3" fmla="val 16667"/>
+            </a:avLst>
+          </a:prstGeom>
+          <a:solidFill>
+            <a:schemeClr val="dk2">
+              <a:alpha val="80000"/>
+            </a:schemeClr>
+          </a:solidFill>
+          <a:ln w="19050">
+            <a:solidFill>
+              <a:schemeClr val="tx1">
+                <a:lumMod val="75000"/>
+                <a:alpha val="80000"/>
+              </a:schemeClr>
+            </a:solidFill>
+          </a:ln>
+          <a:effectLst/>
+        </p:spPr>
+        <p:style>
+          <a:lnRef idx="2">
+            <a:schemeClr val="accent1">
+              <a:shade val="50000"/>
+            </a:schemeClr>
+          </a:lnRef>
+          <a:fillRef idx="1001">
+            <a:schemeClr val="dk2"/>
+          </a:fillRef>
+          <a:effectRef idx="0">
+            <a:schemeClr val="accent1"/>
+          </a:effectRef>
+          <a:fontRef idx="minor">
+            <a:schemeClr val="lt1"/>
+          </a:fontRef>
+        </p:style>
+        <p:txBody>
+          <a:bodyPr rot="0" spcFirstLastPara="0" vertOverflow="overflow" horzOverflow="overflow" vert="horz" wrap="square" lIns="91440" tIns="45720" rIns="91440" bIns="45720" numCol="1" spcCol="0" rtlCol="0" fromWordArt="0" anchor="ctr" anchorCtr="0" forceAA="0" compatLnSpc="1">
+            <a:prstTxWarp prst="textNoShape">
+              <a:avLst/>
+            </a:prstTxWarp>
+            <a:noAutofit/>
+          </a:bodyPr>
+          <a:lstStyle/>
+          <a:p>
+            <a:pPr algn="ctr"/>
+            <a:r>
+              <a:rPr lang="bg-BG" sz="2800" b="1" dirty="0" smtClean="0">
+                <a:solidFill>
+                  <a:srgbClr val="FFFFFF"/>
+                </a:solidFill>
+                <a:effectLst>
+                  <a:outerShdw blurRad="38100" dist="38100" dir="2700000" algn="tl">
+                    <a:srgbClr val="000000">
+                      <a:alpha val="43137"/>
+                    </a:srgbClr>
+                  </a:outerShdw>
+                </a:effectLst>
+              </a:rPr>
+              <a:t>Име</a:t>
+            </a:r>
+            <a:endParaRPr lang="en-US" sz="2800" b="1" dirty="0">
+              <a:solidFill>
+                <a:srgbClr val="FFFFFF"/>
+              </a:solidFill>
+              <a:effectLst>
+                <a:outerShdw blurRad="38100" dist="38100" dir="2700000" algn="tl">
+                  <a:srgbClr val="000000">
+                    <a:alpha val="43137"/>
+                  </a:srgbClr>
+                </a:outerShdw>
+              </a:effectLst>
+            </a:endParaRPr>
+          </a:p>
+        </p:txBody>
+      </p:sp>
+      <p:sp>
+        <p:nvSpPr>
+          <p:cNvPr id="7" name="Rounded Rectangular Callout 6"/>
+          <p:cNvSpPr/>
+          <p:nvPr/>
+        </p:nvSpPr>
+        <p:spPr bwMode="auto">
+          <a:xfrm>
+            <a:off x="9793272" y="4461074"/>
+            <a:ext cx="2062728" cy="595020"/>
+          </a:xfrm>
+          <a:prstGeom prst="wedgeRoundRectCallout">
+            <a:avLst>
+              <a:gd name="adj1" fmla="val -20833"/>
+              <a:gd name="adj2" fmla="val 139338"/>
+              <a:gd name="adj3" fmla="val 16667"/>
+            </a:avLst>
+          </a:prstGeom>
+          <a:solidFill>
+            <a:schemeClr val="dk2">
+              <a:alpha val="80000"/>
+            </a:schemeClr>
+          </a:solidFill>
+          <a:ln w="19050">
+            <a:solidFill>
+              <a:schemeClr val="tx1">
+                <a:lumMod val="75000"/>
+                <a:alpha val="80000"/>
+              </a:schemeClr>
+            </a:solidFill>
+          </a:ln>
+          <a:effectLst/>
+        </p:spPr>
+        <p:style>
+          <a:lnRef idx="2">
+            <a:schemeClr val="accent1">
+              <a:shade val="50000"/>
+            </a:schemeClr>
+          </a:lnRef>
+          <a:fillRef idx="1001">
+            <a:schemeClr val="dk2"/>
+          </a:fillRef>
+          <a:effectRef idx="0">
+            <a:schemeClr val="accent1"/>
+          </a:effectRef>
+          <a:fontRef idx="minor">
+            <a:schemeClr val="lt1"/>
+          </a:fontRef>
+        </p:style>
+        <p:txBody>
+          <a:bodyPr rot="0" spcFirstLastPara="0" vertOverflow="overflow" horzOverflow="overflow" vert="horz" wrap="square" lIns="91440" tIns="45720" rIns="91440" bIns="45720" numCol="1" spcCol="0" rtlCol="0" fromWordArt="0" anchor="ctr" anchorCtr="0" forceAA="0" compatLnSpc="1">
+            <a:prstTxWarp prst="textNoShape">
+              <a:avLst/>
+            </a:prstTxWarp>
+            <a:noAutofit/>
+          </a:bodyPr>
+          <a:lstStyle/>
+          <a:p>
+            <a:pPr algn="ctr"/>
+            <a:r>
+              <a:rPr lang="bg-BG" sz="2800" b="1" dirty="0" smtClean="0">
+                <a:solidFill>
+                  <a:srgbClr val="FFFFFF"/>
+                </a:solidFill>
+                <a:effectLst>
+                  <a:outerShdw blurRad="38100" dist="38100" dir="2700000" algn="tl">
+                    <a:srgbClr val="000000">
+                      <a:alpha val="43137"/>
+                    </a:srgbClr>
+                  </a:outerShdw>
+                </a:effectLst>
+              </a:rPr>
+              <a:t>Аргументи</a:t>
+            </a:r>
+            <a:endParaRPr lang="en-US" sz="2800" b="1" dirty="0">
+              <a:solidFill>
+                <a:srgbClr val="FFFFFF"/>
+              </a:solidFill>
+              <a:effectLst>
+                <a:outerShdw blurRad="38100" dist="38100" dir="2700000" algn="tl">
+                  <a:srgbClr val="000000">
+                    <a:alpha val="43137"/>
+                  </a:srgbClr>
+                </a:outerShdw>
+              </a:effectLst>
+            </a:endParaRPr>
+          </a:p>
+        </p:txBody>
+      </p:sp>
     </p:spTree>
     <p:extLst>
       <p:ext uri="{BB962C8B-B14F-4D97-AF65-F5344CB8AC3E}">
@@ -15889,6 +18529,33 @@
                                   </p:childTnLst>
                                 </p:cTn>
                               </p:par>
+                              <p:par>
+                                <p:cTn id="7" presetID="1" presetClass="entr" presetSubtype="0" fill="hold" grpId="0" nodeType="withEffect">
+                                  <p:stCondLst>
+                                    <p:cond delay="0"/>
+                                  </p:stCondLst>
+                                  <p:childTnLst>
+                                    <p:set>
+                                      <p:cBhvr>
+                                        <p:cTn id="8" dur="1" fill="hold">
+                                          <p:stCondLst>
+                                            <p:cond delay="0"/>
+                                          </p:stCondLst>
+                                        </p:cTn>
+                                        <p:tgtEl>
+                                          <p:spTgt spid="6"/>
+                                        </p:tgtEl>
+                                        <p:attrNameLst>
+                                          <p:attrName>style.visibility</p:attrName>
+                                        </p:attrNameLst>
+                                      </p:cBhvr>
+                                      <p:to>
+                                        <p:strVal val="visible"/>
+                                      </p:to>
+                                    </p:set>
+                                  </p:childTnLst>
+                                </p:cTn>
+                              </p:par>
                             </p:childTnLst>
                           </p:cTn>
                         </p:par>
@@ -15896,26 +18563,116 @@
                     </p:cTn>
                   </p:par>
                   <p:par>
-                    <p:cTn id="7" fill="hold">
+                    <p:cTn id="9" fill="hold">
                       <p:stCondLst>
                         <p:cond delay="indefinite"/>
                       </p:stCondLst>
                       <p:childTnLst>
                         <p:par>
-                          <p:cTn id="8" fill="hold">
+                          <p:cTn id="10" fill="hold">
                             <p:stCondLst>
                               <p:cond delay="0"/>
                             </p:stCondLst>
                             <p:childTnLst>
                               <p:par>
-                                <p:cTn id="9" presetID="1" presetClass="entr" presetSubtype="0" fill="hold" nodeType="clickEffect">
+                                <p:cTn id="11" presetID="1" presetClass="entr" presetSubtype="0" fill="hold" grpId="0" nodeType="clickEffect">
                                   <p:stCondLst>
                                     <p:cond delay="0"/>
                                   </p:stCondLst>
                                   <p:childTnLst>
                                     <p:set>
                                       <p:cBhvr>
-                                        <p:cTn id="10" dur="1" fill="hold">
+                                        <p:cTn id="12" dur="1" fill="hold">
+                                          <p:stCondLst>
+                                            <p:cond delay="0"/>
+                                          </p:stCondLst>
+                                        </p:cTn>
+                                        <p:tgtEl>
+                                          <p:spTgt spid="2"/>
+                                        </p:tgtEl>
+                                        <p:attrNameLst>
+                                          <p:attrName>style.visibility</p:attrName>
+                                        </p:attrNameLst>
+                                      </p:cBhvr>
+                                      <p:to>
+                                        <p:strVal val="visible"/>
+                                      </p:to>
+                                    </p:set>
+                                  </p:childTnLst>
+                                </p:cTn>
+                              </p:par>
+                            </p:childTnLst>
+                          </p:cTn>
+                        </p:par>
+                      </p:childTnLst>
+                    </p:cTn>
+                  </p:par>
+                  <p:par>
+                    <p:cTn id="13" fill="hold">
+                      <p:stCondLst>
+                        <p:cond delay="indefinite"/>
+                      </p:stCondLst>
+                      <p:childTnLst>
+                        <p:par>
+                          <p:cTn id="14" fill="hold">
+                            <p:stCondLst>
+                              <p:cond delay="0"/>
+                            </p:stCondLst>
+                            <p:childTnLst>
+                              <p:par>
+                                <p:cTn id="15" presetID="1" presetClass="entr" presetSubtype="0" fill="hold" grpId="0" nodeType="clickEffect">
+                                  <p:stCondLst>
+                                    <p:cond delay="0"/>
+                                  </p:stCondLst>
+                                  <p:childTnLst>
+                                    <p:set>
+                                      <p:cBhvr>
+                                        <p:cTn id="16" dur="1" fill="hold">
+                                          <p:stCondLst>
+                                            <p:cond delay="0"/>
+                                          </p:stCondLst>
+                                        </p:cTn>
+                                        <p:tgtEl>
+                                          <p:spTgt spid="7"/>
+                                        </p:tgtEl>
+                                        <p:attrNameLst>
+                                          <p:attrName>style.visibility</p:attrName>
+                                        </p:attrNameLst>
+                                      </p:cBhvr>
+                                      <p:to>
+                                        <p:strVal val="visible"/>
+                                      </p:to>
+                                    </p:set>
+                                  </p:childTnLst>
+                                </p:cTn>
+                              </p:par>
+                            </p:childTnLst>
+                          </p:cTn>
+                        </p:par>
+                      </p:childTnLst>
+                    </p:cTn>
+                  </p:par>
+                  <p:par>
+                    <p:cTn id="17" fill="hold">
+                      <p:stCondLst>
+                        <p:cond delay="indefinite"/>
+                      </p:stCondLst>
+                      <p:childTnLst>
+                        <p:par>
+                          <p:cTn id="18" fill="hold">
+                            <p:stCondLst>
+                              <p:cond delay="0"/>
+                            </p:stCondLst>
+                            <p:childTnLst>
+                              <p:par>
+                                <p:cTn id="19" presetID="1" presetClass="entr" presetSubtype="0" fill="hold" nodeType="clickEffect">
+                                  <p:stCondLst>
+                                    <p:cond delay="0"/>
+                                  </p:stCondLst>
+                                  <p:childTnLst>
+                                    <p:set>
+                                      <p:cBhvr>
+                                        <p:cTn id="20" dur="1" fill="hold">
                                           <p:stCondLst>
                                             <p:cond delay="0"/>
                                           </p:stCondLst>
@@ -15945,26 +18702,26 @@
                     </p:cTn>
                   </p:par>
                   <p:par>
-                    <p:cTn id="11" fill="hold">
+                    <p:cTn id="21" fill="hold">
                       <p:stCondLst>
                         <p:cond delay="indefinite"/>
                       </p:stCondLst>
                       <p:childTnLst>
                         <p:par>
-                          <p:cTn id="12" fill="hold">
+                          <p:cTn id="22" fill="hold">
                             <p:stCondLst>
                               <p:cond delay="0"/>
                             </p:stCondLst>
                             <p:childTnLst>
                               <p:par>
-                                <p:cTn id="13" presetID="1" presetClass="entr" presetSubtype="0" fill="hold" nodeType="clickEffect">
+                                <p:cTn id="23" presetID="1" presetClass="entr" presetSubtype="0" fill="hold" nodeType="clickEffect">
                                   <p:stCondLst>
                                     <p:cond delay="0"/>
                                   </p:stCondLst>
                                   <p:childTnLst>
                                     <p:set>
                                       <p:cBhvr>
-                                        <p:cTn id="14" dur="1" fill="hold">
+                                        <p:cTn id="24" dur="1" fill="hold">
                                           <p:stCondLst>
                                             <p:cond delay="0"/>
                                           </p:stCondLst>
@@ -15994,26 +18751,75 @@
                     </p:cTn>
                   </p:par>
                   <p:par>
-                    <p:cTn id="15" fill="hold">
+                    <p:cTn id="25" fill="hold">
                       <p:stCondLst>
                         <p:cond delay="indefinite"/>
                       </p:stCondLst>
                       <p:childTnLst>
                         <p:par>
-                          <p:cTn id="16" fill="hold">
+                          <p:cTn id="26" fill="hold">
                             <p:stCondLst>
                               <p:cond delay="0"/>
                             </p:stCondLst>
                             <p:childTnLst>
                               <p:par>
-                                <p:cTn id="17" presetID="1" presetClass="entr" presetSubtype="0" fill="hold" nodeType="clickEffect">
+                                <p:cTn id="27" presetID="1" presetClass="entr" presetSubtype="0" fill="hold" nodeType="clickEffect">
                                   <p:stCondLst>
                                     <p:cond delay="0"/>
                                   </p:stCondLst>
                                   <p:childTnLst>
                                     <p:set>
                                       <p:cBhvr>
-                                        <p:cTn id="18" dur="1" fill="hold">
+                                        <p:cTn id="28" dur="1" fill="hold">
+                                          <p:stCondLst>
+                                            <p:cond delay="0"/>
+                                          </p:stCondLst>
+                                        </p:cTn>
+                                        <p:tgtEl>
+                                          <p:spTgt spid="5">
+                                            <p:txEl>
+                                              <p:pRg st="4" end="4"/>
+                                            </p:txEl>
+                                          </p:spTgt>
+                                        </p:tgtEl>
+                                        <p:attrNameLst>
+                                          <p:attrName>style.visibility</p:attrName>
+                                        </p:attrNameLst>
+                                      </p:cBhvr>
+                                      <p:to>
+                                        <p:strVal val="visible"/>
+                                      </p:to>
+                                    </p:set>
+                                  </p:childTnLst>
+                                </p:cTn>
+                              </p:par>
+                            </p:childTnLst>
+                          </p:cTn>
+                        </p:par>
+                      </p:childTnLst>
+                    </p:cTn>
+                  </p:par>
+                  <p:par>
+                    <p:cTn id="29" fill="hold">
+                      <p:stCondLst>
+                        <p:cond delay="indefinite"/>
+                      </p:stCondLst>
+                      <p:childTnLst>
+                        <p:par>
+                          <p:cTn id="30" fill="hold">
+                            <p:stCondLst>
+                              <p:cond delay="0"/>
+                            </p:stCondLst>
+                            <p:childTnLst>
+                              <p:par>
+                                <p:cTn id="31" presetID="1" presetClass="entr" presetSubtype="0" fill="hold" nodeType="clickEffect">
+                                  <p:stCondLst>
+                                    <p:cond delay="0"/>
+                                  </p:stCondLst>
+                                  <p:childTnLst>
+                                    <p:set>
+                                      <p:cBhvr>
+                                        <p:cTn id="32" dur="1" fill="hold">
                                           <p:stCondLst>
                                             <p:cond delay="0"/>
                                           </p:stCondLst>
@@ -16059,6 +18865,11 @@
         </p:cTn>
       </p:par>
     </p:tnLst>
+    <p:bldLst>
+      <p:bldP spid="6" grpId="0" animBg="1"/>
+      <p:bldP spid="2" grpId="0" animBg="1"/>
+      <p:bldP spid="7" grpId="0" animBg="1"/>
+    </p:bldLst>
   </p:timing>
 </p:sld>
 </file>
